--- a/slides/chapter5_displaying_pictures_and_menus.pptx
+++ b/slides/chapter5_displaying_pictures_and_menus.pptx
@@ -5,7 +5,7 @@
     <p:sldMasterId id="2147483660" r:id="rId1"/>
   </p:sldMasterIdLst>
   <p:notesMasterIdLst>
-    <p:notesMasterId r:id="rId13"/>
+    <p:notesMasterId r:id="rId18"/>
   </p:notesMasterIdLst>
   <p:sldIdLst>
     <p:sldId id="256" r:id="rId2"/>
@@ -19,6 +19,11 @@
     <p:sldId id="291" r:id="rId10"/>
     <p:sldId id="292" r:id="rId11"/>
     <p:sldId id="287" r:id="rId12"/>
+    <p:sldId id="293" r:id="rId13"/>
+    <p:sldId id="294" r:id="rId14"/>
+    <p:sldId id="295" r:id="rId15"/>
+    <p:sldId id="297" r:id="rId16"/>
+    <p:sldId id="296" r:id="rId17"/>
   </p:sldIdLst>
   <p:sldSz cx="9144000" cy="6858000" type="screen4x3"/>
   <p:notesSz cx="7099300" cy="10234613"/>
@@ -207,7 +212,7 @@
           <a:p>
             <a:fld id="{8A6B91D2-9E79-412C-A7F0-44859A33EAAA}" type="datetimeFigureOut">
               <a:rPr lang="en-US" smtClean="0"/>
-              <a:t>12/1/2014</a:t>
+              <a:t>12/2/2014</a:t>
             </a:fld>
             <a:endParaRPr lang="en-US" dirty="0"/>
           </a:p>
@@ -760,7 +765,7 @@
           <a:p>
             <a:fld id="{AD3B9B2E-78D5-485D-A6F0-B187A4DDDF47}" type="datetime1">
               <a:rPr lang="en-US" smtClean="0"/>
-              <a:t>12/1/2014</a:t>
+              <a:t>12/2/2014</a:t>
             </a:fld>
             <a:endParaRPr lang="en-US" dirty="0"/>
           </a:p>
@@ -899,7 +904,7 @@
           <a:p>
             <a:fld id="{D5A17E2C-6156-456C-A622-3A32F4BE83F2}" type="datetime1">
               <a:rPr lang="en-US" smtClean="0"/>
-              <a:t>12/1/2014</a:t>
+              <a:t>12/2/2014</a:t>
             </a:fld>
             <a:endParaRPr lang="en-US" dirty="0"/>
           </a:p>
@@ -1015,7 +1020,7 @@
           <a:p>
             <a:fld id="{0B713CFA-AFAD-4538-AA5D-CFB423E6D282}" type="datetime1">
               <a:rPr lang="en-US" smtClean="0"/>
-              <a:t>12/1/2014</a:t>
+              <a:t>12/2/2014</a:t>
             </a:fld>
             <a:endParaRPr lang="en-US" dirty="0"/>
           </a:p>
@@ -1313,7 +1318,7 @@
           <a:p>
             <a:fld id="{AD41C741-CF18-4F4B-A360-E0CC354E7B30}" type="datetime1">
               <a:rPr lang="en-US" smtClean="0"/>
-              <a:t>12/1/2014</a:t>
+              <a:t>12/2/2014</a:t>
             </a:fld>
             <a:endParaRPr lang="en-US" dirty="0"/>
           </a:p>
@@ -1591,7 +1596,7 @@
           <a:p>
             <a:fld id="{F291C3E4-1B80-4765-A130-AB5527270AB1}" type="datetime1">
               <a:rPr lang="en-US" smtClean="0"/>
-              <a:t>12/1/2014</a:t>
+              <a:t>12/2/2014</a:t>
             </a:fld>
             <a:endParaRPr lang="en-US" dirty="0"/>
           </a:p>
@@ -1782,7 +1787,7 @@
           <a:p>
             <a:fld id="{FD262526-7610-4673-941F-CC74A1538ACF}" type="datetime1">
               <a:rPr lang="en-US" smtClean="0"/>
-              <a:t>12/1/2014</a:t>
+              <a:t>12/2/2014</a:t>
             </a:fld>
             <a:endParaRPr lang="en-US" dirty="0"/>
           </a:p>
@@ -1983,7 +1988,7 @@
           <a:p>
             <a:fld id="{118EEA14-5288-4929-8EB4-C2AFA9E01B25}" type="datetime1">
               <a:rPr lang="en-US" smtClean="0"/>
-              <a:t>12/1/2014</a:t>
+              <a:t>12/2/2014</a:t>
             </a:fld>
             <a:endParaRPr lang="en-US" dirty="0"/>
           </a:p>
@@ -2246,7 +2251,7 @@
           <a:p>
             <a:fld id="{29FE0FD4-9793-40E5-9CE1-4FFB9A5AFE1A}" type="datetime1">
               <a:rPr lang="en-US" smtClean="0"/>
-              <a:t>12/1/2014</a:t>
+              <a:t>12/2/2014</a:t>
             </a:fld>
             <a:endParaRPr lang="en-US" dirty="0"/>
           </a:p>
@@ -2437,7 +2442,7 @@
           <a:p>
             <a:fld id="{83E5DE47-8504-4660-8E21-48372A496086}" type="datetime1">
               <a:rPr lang="en-US" smtClean="0"/>
-              <a:t>12/1/2014</a:t>
+              <a:t>12/2/2014</a:t>
             </a:fld>
             <a:endParaRPr lang="en-US" dirty="0"/>
           </a:p>
@@ -2633,7 +2638,7 @@
           <a:p>
             <a:fld id="{233900AF-2196-49C2-B5FC-E504BFCFB518}" type="datetime1">
               <a:rPr lang="en-US" smtClean="0"/>
-              <a:t>12/1/2014</a:t>
+              <a:t>12/2/2014</a:t>
             </a:fld>
             <a:endParaRPr lang="en-US" dirty="0"/>
           </a:p>
@@ -2832,7 +2837,7 @@
           <a:p>
             <a:fld id="{455681A4-5ABE-4049-9281-FE6E3D21EF02}" type="datetime1">
               <a:rPr lang="en-US" smtClean="0"/>
-              <a:t>12/1/2014</a:t>
+              <a:t>12/2/2014</a:t>
             </a:fld>
             <a:endParaRPr lang="en-US" dirty="0"/>
           </a:p>
@@ -3023,7 +3028,7 @@
           <a:p>
             <a:fld id="{B7B6247C-1EF3-4169-97A3-32185EC46D20}" type="datetime1">
               <a:rPr lang="en-US" smtClean="0"/>
-              <a:t>12/1/2014</a:t>
+              <a:t>12/2/2014</a:t>
             </a:fld>
             <a:endParaRPr lang="en-US" dirty="0"/>
           </a:p>
@@ -3290,7 +3295,7 @@
           <a:p>
             <a:fld id="{4E4B7045-2F04-44F0-9495-EEEA140602D0}" type="datetime1">
               <a:rPr lang="en-US" smtClean="0"/>
-              <a:t>12/1/2014</a:t>
+              <a:t>12/2/2014</a:t>
             </a:fld>
             <a:endParaRPr lang="en-US" dirty="0"/>
           </a:p>
@@ -3599,7 +3604,7 @@
           <a:p>
             <a:fld id="{025C49C4-57A2-40B7-AA30-3457BC3A22F5}" type="datetime1">
               <a:rPr lang="en-US" smtClean="0"/>
-              <a:t>12/1/2014</a:t>
+              <a:t>12/2/2014</a:t>
             </a:fld>
             <a:endParaRPr lang="en-US" dirty="0"/>
           </a:p>
@@ -4042,7 +4047,7 @@
           <a:p>
             <a:fld id="{407A2FC3-E45B-4C79-8CE1-D6DB915489A4}" type="datetime1">
               <a:rPr lang="en-US" smtClean="0"/>
-              <a:t>12/1/2014</a:t>
+              <a:t>12/2/2014</a:t>
             </a:fld>
             <a:endParaRPr lang="en-US" dirty="0"/>
           </a:p>
@@ -4299,7 +4304,7 @@
           <a:p>
             <a:fld id="{61D173F4-E9B7-486B-A3A2-20A25FAC6DA9}" type="datetime1">
               <a:rPr lang="en-US" smtClean="0"/>
-              <a:t>12/1/2014</a:t>
+              <a:t>12/2/2014</a:t>
             </a:fld>
             <a:endParaRPr lang="en-US" dirty="0"/>
           </a:p>
@@ -5079,6 +5084,5157 @@
 </p:sld>
 </file>
 
+<file path=ppt/slides/slide12.xml><?xml version="1.0" encoding="utf-8"?>
+<p:sld xmlns:a="http://schemas.openxmlformats.org/drawingml/2006/main" xmlns:r="http://schemas.openxmlformats.org/officeDocument/2006/relationships" xmlns:p="http://schemas.openxmlformats.org/presentationml/2006/main">
+  <p:cSld>
+    <p:spTree>
+      <p:nvGrpSpPr>
+        <p:cNvPr id="1" name=""/>
+        <p:cNvGrpSpPr/>
+        <p:nvPr/>
+      </p:nvGrpSpPr>
+      <p:grpSpPr>
+        <a:xfrm>
+          <a:off x="0" y="0"/>
+          <a:ext cx="0" cy="0"/>
+          <a:chOff x="0" y="0"/>
+          <a:chExt cx="0" cy="0"/>
+        </a:xfrm>
+      </p:grpSpPr>
+      <p:sp>
+        <p:nvSpPr>
+          <p:cNvPr id="5" name="Title 4"/>
+          <p:cNvSpPr>
+            <a:spLocks noGrp="1"/>
+          </p:cNvSpPr>
+          <p:nvPr>
+            <p:ph type="title"/>
+          </p:nvPr>
+        </p:nvSpPr>
+        <p:spPr/>
+        <p:txBody>
+          <a:bodyPr/>
+          <a:lstStyle/>
+          <a:p>
+            <a:r>
+              <a:rPr lang="en-US" dirty="0" smtClean="0"/>
+              <a:t>Creating a Resource Menu folder</a:t>
+            </a:r>
+            <a:endParaRPr lang="en-US" dirty="0"/>
+          </a:p>
+        </p:txBody>
+      </p:sp>
+      <p:sp>
+        <p:nvSpPr>
+          <p:cNvPr id="6" name="Content Placeholder 5"/>
+          <p:cNvSpPr>
+            <a:spLocks noGrp="1"/>
+          </p:cNvSpPr>
+          <p:nvPr>
+            <p:ph idx="1"/>
+          </p:nvPr>
+        </p:nvSpPr>
+        <p:spPr/>
+        <p:txBody>
+          <a:bodyPr/>
+          <a:lstStyle/>
+          <a:p>
+            <a:r>
+              <a:rPr lang="en-US" dirty="0" smtClean="0"/>
+              <a:t>Step 1 – Start by creating a </a:t>
+            </a:r>
+            <a:r>
+              <a:rPr lang="en-US" i="1" dirty="0" smtClean="0"/>
+              <a:t>res/menu</a:t>
+            </a:r>
+            <a:r>
+              <a:rPr lang="en-US" dirty="0" smtClean="0"/>
+              <a:t> </a:t>
+            </a:r>
+            <a:r>
+              <a:rPr lang="en-US" dirty="0" smtClean="0"/>
+              <a:t>folder</a:t>
+            </a:r>
+          </a:p>
+          <a:p>
+            <a:pPr lvl="1"/>
+            <a:r>
+              <a:rPr lang="en-US" dirty="0" smtClean="0"/>
+              <a:t>If you already haven’t got one</a:t>
+            </a:r>
+            <a:endParaRPr lang="en-US" dirty="0"/>
+          </a:p>
+        </p:txBody>
+      </p:sp>
+      <p:sp>
+        <p:nvSpPr>
+          <p:cNvPr id="4" name="Slide Number Placeholder 3"/>
+          <p:cNvSpPr>
+            <a:spLocks noGrp="1"/>
+          </p:cNvSpPr>
+          <p:nvPr>
+            <p:ph type="sldNum" sz="quarter" idx="12"/>
+          </p:nvPr>
+        </p:nvSpPr>
+        <p:spPr/>
+        <p:txBody>
+          <a:bodyPr/>
+          <a:lstStyle/>
+          <a:p>
+            <a:fld id="{52DB1A75-B9BE-46B1-B482-5F96E51FA4B2}" type="slidenum">
+              <a:rPr lang="en-US" smtClean="0"/>
+              <a:t>12</a:t>
+            </a:fld>
+            <a:endParaRPr lang="en-US" dirty="0"/>
+          </a:p>
+        </p:txBody>
+      </p:sp>
+      <p:pic>
+        <p:nvPicPr>
+          <p:cNvPr id="7" name="Picture 6"/>
+          <p:cNvPicPr>
+            <a:picLocks noChangeAspect="1"/>
+          </p:cNvPicPr>
+          <p:nvPr/>
+        </p:nvPicPr>
+        <p:blipFill rotWithShape="1">
+          <a:blip r:embed="rId2"/>
+          <a:srcRect b="1714"/>
+          <a:stretch/>
+        </p:blipFill>
+        <p:spPr>
+          <a:xfrm>
+            <a:off x="3332615" y="2592840"/>
+            <a:ext cx="2690813" cy="2966131"/>
+          </a:xfrm>
+          <a:prstGeom prst="rect">
+            <a:avLst/>
+          </a:prstGeom>
+        </p:spPr>
+      </p:pic>
+    </p:spTree>
+    <p:extLst>
+      <p:ext uri="{BB962C8B-B14F-4D97-AF65-F5344CB8AC3E}">
+        <p14:creationId xmlns:p14="http://schemas.microsoft.com/office/powerpoint/2010/main" val="3816518868"/>
+      </p:ext>
+    </p:extLst>
+  </p:cSld>
+  <p:clrMapOvr>
+    <a:masterClrMapping/>
+  </p:clrMapOvr>
+  <p:timing>
+    <p:tnLst>
+      <p:par>
+        <p:cTn id="1" dur="indefinite" restart="never" nodeType="tmRoot"/>
+      </p:par>
+    </p:tnLst>
+  </p:timing>
+</p:sld>
+</file>
+
+<file path=ppt/slides/slide13.xml><?xml version="1.0" encoding="utf-8"?>
+<p:sld xmlns:a="http://schemas.openxmlformats.org/drawingml/2006/main" xmlns:r="http://schemas.openxmlformats.org/officeDocument/2006/relationships" xmlns:p="http://schemas.openxmlformats.org/presentationml/2006/main">
+  <p:cSld>
+    <p:spTree>
+      <p:nvGrpSpPr>
+        <p:cNvPr id="1" name=""/>
+        <p:cNvGrpSpPr/>
+        <p:nvPr/>
+      </p:nvGrpSpPr>
+      <p:grpSpPr>
+        <a:xfrm>
+          <a:off x="0" y="0"/>
+          <a:ext cx="0" cy="0"/>
+          <a:chOff x="0" y="0"/>
+          <a:chExt cx="0" cy="0"/>
+        </a:xfrm>
+      </p:grpSpPr>
+      <p:sp>
+        <p:nvSpPr>
+          <p:cNvPr id="2" name="Title 1"/>
+          <p:cNvSpPr>
+            <a:spLocks noGrp="1"/>
+          </p:cNvSpPr>
+          <p:nvPr>
+            <p:ph type="title"/>
+          </p:nvPr>
+        </p:nvSpPr>
+        <p:spPr/>
+        <p:txBody>
+          <a:bodyPr/>
+          <a:lstStyle/>
+          <a:p>
+            <a:r>
+              <a:rPr lang="en-US" dirty="0" smtClean="0"/>
+              <a:t>Creating the XML Menu Structure</a:t>
+            </a:r>
+            <a:endParaRPr lang="en-US" dirty="0"/>
+          </a:p>
+        </p:txBody>
+      </p:sp>
+      <p:sp>
+        <p:nvSpPr>
+          <p:cNvPr id="3" name="Content Placeholder 2"/>
+          <p:cNvSpPr>
+            <a:spLocks noGrp="1"/>
+          </p:cNvSpPr>
+          <p:nvPr>
+            <p:ph idx="1"/>
+          </p:nvPr>
+        </p:nvSpPr>
+        <p:spPr/>
+        <p:txBody>
+          <a:bodyPr/>
+          <a:lstStyle/>
+          <a:p>
+            <a:r>
+              <a:rPr lang="en-US" dirty="0" smtClean="0"/>
+              <a:t>Step 2 – Create the menu as an XML file (</a:t>
+            </a:r>
+            <a:r>
+              <a:rPr lang="en-US" dirty="0" smtClean="0"/>
+              <a:t>tweet_context_menu.xml</a:t>
+            </a:r>
+            <a:r>
+              <a:rPr lang="en-US" dirty="0" smtClean="0"/>
+              <a:t>) in </a:t>
+            </a:r>
+            <a:r>
+              <a:rPr lang="en-US" i="1" dirty="0" smtClean="0"/>
+              <a:t>res/menu</a:t>
+            </a:r>
+          </a:p>
+          <a:p>
+            <a:pPr lvl="1"/>
+            <a:r>
+              <a:rPr lang="en-US" i="1" dirty="0" smtClean="0"/>
+              <a:t>You can use the simple GUI wizard of eclipse to create it</a:t>
+            </a:r>
+            <a:endParaRPr lang="en-US" i="1" dirty="0"/>
+          </a:p>
+        </p:txBody>
+      </p:sp>
+      <p:sp>
+        <p:nvSpPr>
+          <p:cNvPr id="4" name="Slide Number Placeholder 3"/>
+          <p:cNvSpPr>
+            <a:spLocks noGrp="1"/>
+          </p:cNvSpPr>
+          <p:nvPr>
+            <p:ph type="sldNum" sz="quarter" idx="12"/>
+          </p:nvPr>
+        </p:nvSpPr>
+        <p:spPr/>
+        <p:txBody>
+          <a:bodyPr/>
+          <a:lstStyle/>
+          <a:p>
+            <a:fld id="{52DB1A75-B9BE-46B1-B482-5F96E51FA4B2}" type="slidenum">
+              <a:rPr lang="en-US" smtClean="0"/>
+              <a:t>13</a:t>
+            </a:fld>
+            <a:endParaRPr lang="en-US" dirty="0"/>
+          </a:p>
+        </p:txBody>
+      </p:sp>
+      <p:sp>
+        <p:nvSpPr>
+          <p:cNvPr id="5" name="TextBox 4"/>
+          <p:cNvSpPr txBox="1"/>
+          <p:nvPr/>
+        </p:nvSpPr>
+        <p:spPr>
+          <a:xfrm>
+            <a:off x="776730" y="2666071"/>
+            <a:ext cx="7590539" cy="2800767"/>
+          </a:xfrm>
+          <a:prstGeom prst="rect">
+            <a:avLst/>
+          </a:prstGeom>
+        </p:spPr>
+        <p:style>
+          <a:lnRef idx="2">
+            <a:schemeClr val="dk1"/>
+          </a:lnRef>
+          <a:fillRef idx="1">
+            <a:schemeClr val="lt1"/>
+          </a:fillRef>
+          <a:effectRef idx="0">
+            <a:schemeClr val="dk1"/>
+          </a:effectRef>
+          <a:fontRef idx="minor">
+            <a:schemeClr val="dk1"/>
+          </a:fontRef>
+        </p:style>
+        <p:txBody>
+          <a:bodyPr wrap="none" rtlCol="0">
+            <a:spAutoFit/>
+          </a:bodyPr>
+          <a:lstStyle/>
+          <a:p>
+            <a:r>
+              <a:rPr lang="en-US" sz="1600" dirty="0">
+                <a:solidFill>
+                  <a:srgbClr val="FF0000"/>
+                </a:solidFill>
+                <a:highlight>
+                  <a:srgbClr val="FFFF00"/>
+                </a:highlight>
+                <a:latin typeface="Consolas" panose="020B0609020204030204" pitchFamily="49" charset="0"/>
+                <a:cs typeface="Consolas" panose="020B0609020204030204" pitchFamily="49" charset="0"/>
+              </a:rPr>
+              <a:t>&lt;?</a:t>
+            </a:r>
+            <a:r>
+              <a:rPr lang="en-US" sz="1600" dirty="0">
+                <a:solidFill>
+                  <a:srgbClr val="0000FF"/>
+                </a:solidFill>
+                <a:highlight>
+                  <a:srgbClr val="FFFFFF"/>
+                </a:highlight>
+                <a:latin typeface="Consolas" panose="020B0609020204030204" pitchFamily="49" charset="0"/>
+                <a:cs typeface="Consolas" panose="020B0609020204030204" pitchFamily="49" charset="0"/>
+              </a:rPr>
+              <a:t>xml</a:t>
+            </a:r>
+            <a:r>
+              <a:rPr lang="en-US" sz="1600" dirty="0">
+                <a:solidFill>
+                  <a:srgbClr val="000000"/>
+                </a:solidFill>
+                <a:highlight>
+                  <a:srgbClr val="FFFFFF"/>
+                </a:highlight>
+                <a:latin typeface="Consolas" panose="020B0609020204030204" pitchFamily="49" charset="0"/>
+                <a:cs typeface="Consolas" panose="020B0609020204030204" pitchFamily="49" charset="0"/>
+              </a:rPr>
+              <a:t> </a:t>
+            </a:r>
+            <a:r>
+              <a:rPr lang="en-US" sz="1600" dirty="0">
+                <a:solidFill>
+                  <a:srgbClr val="FF0000"/>
+                </a:solidFill>
+                <a:highlight>
+                  <a:srgbClr val="FFFFFF"/>
+                </a:highlight>
+                <a:latin typeface="Consolas" panose="020B0609020204030204" pitchFamily="49" charset="0"/>
+                <a:cs typeface="Consolas" panose="020B0609020204030204" pitchFamily="49" charset="0"/>
+              </a:rPr>
+              <a:t>version</a:t>
+            </a:r>
+            <a:r>
+              <a:rPr lang="en-US" sz="1600" dirty="0">
+                <a:solidFill>
+                  <a:srgbClr val="000000"/>
+                </a:solidFill>
+                <a:highlight>
+                  <a:srgbClr val="FFFFFF"/>
+                </a:highlight>
+                <a:latin typeface="Consolas" panose="020B0609020204030204" pitchFamily="49" charset="0"/>
+                <a:cs typeface="Consolas" panose="020B0609020204030204" pitchFamily="49" charset="0"/>
+              </a:rPr>
+              <a:t>=</a:t>
+            </a:r>
+            <a:r>
+              <a:rPr lang="en-US" sz="1600" b="1" dirty="0">
+                <a:solidFill>
+                  <a:srgbClr val="8000FF"/>
+                </a:solidFill>
+                <a:highlight>
+                  <a:srgbClr val="FFFFFF"/>
+                </a:highlight>
+                <a:latin typeface="Consolas" panose="020B0609020204030204" pitchFamily="49" charset="0"/>
+                <a:cs typeface="Consolas" panose="020B0609020204030204" pitchFamily="49" charset="0"/>
+              </a:rPr>
+              <a:t>"1.0"</a:t>
+            </a:r>
+            <a:r>
+              <a:rPr lang="en-US" sz="1600" dirty="0">
+                <a:solidFill>
+                  <a:srgbClr val="000000"/>
+                </a:solidFill>
+                <a:highlight>
+                  <a:srgbClr val="FFFFFF"/>
+                </a:highlight>
+                <a:latin typeface="Consolas" panose="020B0609020204030204" pitchFamily="49" charset="0"/>
+                <a:cs typeface="Consolas" panose="020B0609020204030204" pitchFamily="49" charset="0"/>
+              </a:rPr>
+              <a:t> </a:t>
+            </a:r>
+            <a:r>
+              <a:rPr lang="en-US" sz="1600" dirty="0">
+                <a:solidFill>
+                  <a:srgbClr val="FF0000"/>
+                </a:solidFill>
+                <a:highlight>
+                  <a:srgbClr val="FFFFFF"/>
+                </a:highlight>
+                <a:latin typeface="Consolas" panose="020B0609020204030204" pitchFamily="49" charset="0"/>
+                <a:cs typeface="Consolas" panose="020B0609020204030204" pitchFamily="49" charset="0"/>
+              </a:rPr>
+              <a:t>encoding</a:t>
+            </a:r>
+            <a:r>
+              <a:rPr lang="en-US" sz="1600" dirty="0">
+                <a:solidFill>
+                  <a:srgbClr val="000000"/>
+                </a:solidFill>
+                <a:highlight>
+                  <a:srgbClr val="FFFFFF"/>
+                </a:highlight>
+                <a:latin typeface="Consolas" panose="020B0609020204030204" pitchFamily="49" charset="0"/>
+                <a:cs typeface="Consolas" panose="020B0609020204030204" pitchFamily="49" charset="0"/>
+              </a:rPr>
+              <a:t>=</a:t>
+            </a:r>
+            <a:r>
+              <a:rPr lang="en-US" sz="1600" b="1" dirty="0">
+                <a:solidFill>
+                  <a:srgbClr val="8000FF"/>
+                </a:solidFill>
+                <a:highlight>
+                  <a:srgbClr val="FFFFFF"/>
+                </a:highlight>
+                <a:latin typeface="Consolas" panose="020B0609020204030204" pitchFamily="49" charset="0"/>
+                <a:cs typeface="Consolas" panose="020B0609020204030204" pitchFamily="49" charset="0"/>
+              </a:rPr>
+              <a:t>"utf-8"</a:t>
+            </a:r>
+            <a:r>
+              <a:rPr lang="en-US" sz="1600" dirty="0">
+                <a:solidFill>
+                  <a:srgbClr val="FF0000"/>
+                </a:solidFill>
+                <a:highlight>
+                  <a:srgbClr val="FFFF00"/>
+                </a:highlight>
+                <a:latin typeface="Consolas" panose="020B0609020204030204" pitchFamily="49" charset="0"/>
+                <a:cs typeface="Consolas" panose="020B0609020204030204" pitchFamily="49" charset="0"/>
+              </a:rPr>
+              <a:t>?&gt;</a:t>
+            </a:r>
+            <a:endParaRPr lang="en-US" sz="1600" b="1" dirty="0">
+              <a:solidFill>
+                <a:srgbClr val="000000"/>
+              </a:solidFill>
+              <a:highlight>
+                <a:srgbClr val="FFFFFF"/>
+              </a:highlight>
+              <a:latin typeface="Consolas" panose="020B0609020204030204" pitchFamily="49" charset="0"/>
+              <a:cs typeface="Consolas" panose="020B0609020204030204" pitchFamily="49" charset="0"/>
+            </a:endParaRPr>
+          </a:p>
+          <a:p>
+            <a:r>
+              <a:rPr lang="en-US" sz="1600" dirty="0">
+                <a:solidFill>
+                  <a:srgbClr val="0000FF"/>
+                </a:solidFill>
+                <a:highlight>
+                  <a:srgbClr val="FFFFFF"/>
+                </a:highlight>
+                <a:latin typeface="Consolas" panose="020B0609020204030204" pitchFamily="49" charset="0"/>
+                <a:cs typeface="Consolas" panose="020B0609020204030204" pitchFamily="49" charset="0"/>
+              </a:rPr>
+              <a:t>&lt;menu</a:t>
+            </a:r>
+            <a:r>
+              <a:rPr lang="en-US" sz="1600" dirty="0">
+                <a:solidFill>
+                  <a:srgbClr val="000000"/>
+                </a:solidFill>
+                <a:highlight>
+                  <a:srgbClr val="FFFFFF"/>
+                </a:highlight>
+                <a:latin typeface="Consolas" panose="020B0609020204030204" pitchFamily="49" charset="0"/>
+                <a:cs typeface="Consolas" panose="020B0609020204030204" pitchFamily="49" charset="0"/>
+              </a:rPr>
+              <a:t> </a:t>
+            </a:r>
+            <a:r>
+              <a:rPr lang="en-US" sz="1600" dirty="0" err="1">
+                <a:solidFill>
+                  <a:srgbClr val="FF0000"/>
+                </a:solidFill>
+                <a:highlight>
+                  <a:srgbClr val="FFFFFF"/>
+                </a:highlight>
+                <a:latin typeface="Consolas" panose="020B0609020204030204" pitchFamily="49" charset="0"/>
+                <a:cs typeface="Consolas" panose="020B0609020204030204" pitchFamily="49" charset="0"/>
+              </a:rPr>
+              <a:t>xmlns:android</a:t>
+            </a:r>
+            <a:r>
+              <a:rPr lang="en-US" sz="1600" dirty="0">
+                <a:solidFill>
+                  <a:srgbClr val="000000"/>
+                </a:solidFill>
+                <a:highlight>
+                  <a:srgbClr val="FFFFFF"/>
+                </a:highlight>
+                <a:latin typeface="Consolas" panose="020B0609020204030204" pitchFamily="49" charset="0"/>
+                <a:cs typeface="Consolas" panose="020B0609020204030204" pitchFamily="49" charset="0"/>
+              </a:rPr>
+              <a:t>=</a:t>
+            </a:r>
+            <a:r>
+              <a:rPr lang="en-US" sz="1600" b="1" dirty="0">
+                <a:solidFill>
+                  <a:srgbClr val="8000FF"/>
+                </a:solidFill>
+                <a:highlight>
+                  <a:srgbClr val="FFFFFF"/>
+                </a:highlight>
+                <a:latin typeface="Consolas" panose="020B0609020204030204" pitchFamily="49" charset="0"/>
+                <a:cs typeface="Consolas" panose="020B0609020204030204" pitchFamily="49" charset="0"/>
+              </a:rPr>
+              <a:t>"</a:t>
+            </a:r>
+            <a:r>
+              <a:rPr lang="en-US" sz="1600" b="1" u="sng" dirty="0">
+                <a:solidFill>
+                  <a:srgbClr val="8000FF"/>
+                </a:solidFill>
+                <a:highlight>
+                  <a:srgbClr val="FFFFFF"/>
+                </a:highlight>
+                <a:latin typeface="Consolas" panose="020B0609020204030204" pitchFamily="49" charset="0"/>
+                <a:cs typeface="Consolas" panose="020B0609020204030204" pitchFamily="49" charset="0"/>
+              </a:rPr>
+              <a:t>http://schemas.android.com/</a:t>
+            </a:r>
+            <a:r>
+              <a:rPr lang="en-US" sz="1600" b="1" u="sng" dirty="0" err="1">
+                <a:solidFill>
+                  <a:srgbClr val="8000FF"/>
+                </a:solidFill>
+                <a:highlight>
+                  <a:srgbClr val="FFFFFF"/>
+                </a:highlight>
+                <a:latin typeface="Consolas" panose="020B0609020204030204" pitchFamily="49" charset="0"/>
+                <a:cs typeface="Consolas" panose="020B0609020204030204" pitchFamily="49" charset="0"/>
+              </a:rPr>
+              <a:t>apk</a:t>
+            </a:r>
+            <a:r>
+              <a:rPr lang="en-US" sz="1600" b="1" u="sng" dirty="0">
+                <a:solidFill>
+                  <a:srgbClr val="8000FF"/>
+                </a:solidFill>
+                <a:highlight>
+                  <a:srgbClr val="FFFFFF"/>
+                </a:highlight>
+                <a:latin typeface="Consolas" panose="020B0609020204030204" pitchFamily="49" charset="0"/>
+                <a:cs typeface="Consolas" panose="020B0609020204030204" pitchFamily="49" charset="0"/>
+              </a:rPr>
+              <a:t>/res/android</a:t>
+            </a:r>
+            <a:r>
+              <a:rPr lang="en-US" sz="1600" b="1" dirty="0">
+                <a:solidFill>
+                  <a:srgbClr val="8000FF"/>
+                </a:solidFill>
+                <a:highlight>
+                  <a:srgbClr val="FFFFFF"/>
+                </a:highlight>
+                <a:latin typeface="Consolas" panose="020B0609020204030204" pitchFamily="49" charset="0"/>
+                <a:cs typeface="Consolas" panose="020B0609020204030204" pitchFamily="49" charset="0"/>
+              </a:rPr>
+              <a:t>"</a:t>
+            </a:r>
+            <a:r>
+              <a:rPr lang="en-US" sz="1600" dirty="0">
+                <a:solidFill>
+                  <a:srgbClr val="000000"/>
+                </a:solidFill>
+                <a:highlight>
+                  <a:srgbClr val="FFFFFF"/>
+                </a:highlight>
+                <a:latin typeface="Consolas" panose="020B0609020204030204" pitchFamily="49" charset="0"/>
+                <a:cs typeface="Consolas" panose="020B0609020204030204" pitchFamily="49" charset="0"/>
+              </a:rPr>
+              <a:t> </a:t>
+            </a:r>
+            <a:r>
+              <a:rPr lang="en-US" sz="1600" dirty="0">
+                <a:solidFill>
+                  <a:srgbClr val="0000FF"/>
+                </a:solidFill>
+                <a:highlight>
+                  <a:srgbClr val="FFFFFF"/>
+                </a:highlight>
+                <a:latin typeface="Consolas" panose="020B0609020204030204" pitchFamily="49" charset="0"/>
+                <a:cs typeface="Consolas" panose="020B0609020204030204" pitchFamily="49" charset="0"/>
+              </a:rPr>
+              <a:t>&gt;</a:t>
+            </a:r>
+            <a:endParaRPr lang="en-US" sz="1600" b="1" dirty="0">
+              <a:solidFill>
+                <a:srgbClr val="000000"/>
+              </a:solidFill>
+              <a:highlight>
+                <a:srgbClr val="FFFFFF"/>
+              </a:highlight>
+              <a:latin typeface="Consolas" panose="020B0609020204030204" pitchFamily="49" charset="0"/>
+              <a:cs typeface="Consolas" panose="020B0609020204030204" pitchFamily="49" charset="0"/>
+            </a:endParaRPr>
+          </a:p>
+          <a:p>
+            <a:r>
+              <a:rPr lang="en-US" sz="1600" b="1" dirty="0">
+                <a:solidFill>
+                  <a:srgbClr val="000000"/>
+                </a:solidFill>
+                <a:highlight>
+                  <a:srgbClr val="FFFFFF"/>
+                </a:highlight>
+                <a:latin typeface="Consolas" panose="020B0609020204030204" pitchFamily="49" charset="0"/>
+                <a:cs typeface="Consolas" panose="020B0609020204030204" pitchFamily="49" charset="0"/>
+              </a:rPr>
+              <a:t>    </a:t>
+            </a:r>
+            <a:r>
+              <a:rPr lang="en-US" sz="1600" dirty="0">
+                <a:solidFill>
+                  <a:srgbClr val="0000FF"/>
+                </a:solidFill>
+                <a:highlight>
+                  <a:srgbClr val="FFFFFF"/>
+                </a:highlight>
+                <a:latin typeface="Consolas" panose="020B0609020204030204" pitchFamily="49" charset="0"/>
+                <a:cs typeface="Consolas" panose="020B0609020204030204" pitchFamily="49" charset="0"/>
+              </a:rPr>
+              <a:t>&lt;item</a:t>
+            </a:r>
+            <a:endParaRPr lang="en-US" sz="1600" dirty="0">
+              <a:solidFill>
+                <a:srgbClr val="000000"/>
+              </a:solidFill>
+              <a:highlight>
+                <a:srgbClr val="FFFFFF"/>
+              </a:highlight>
+              <a:latin typeface="Consolas" panose="020B0609020204030204" pitchFamily="49" charset="0"/>
+              <a:cs typeface="Consolas" panose="020B0609020204030204" pitchFamily="49" charset="0"/>
+            </a:endParaRPr>
+          </a:p>
+          <a:p>
+            <a:r>
+              <a:rPr lang="en-US" sz="1600" dirty="0">
+                <a:solidFill>
+                  <a:srgbClr val="000000"/>
+                </a:solidFill>
+                <a:highlight>
+                  <a:srgbClr val="FFFFFF"/>
+                </a:highlight>
+                <a:latin typeface="Consolas" panose="020B0609020204030204" pitchFamily="49" charset="0"/>
+                <a:cs typeface="Consolas" panose="020B0609020204030204" pitchFamily="49" charset="0"/>
+              </a:rPr>
+              <a:t>        </a:t>
+            </a:r>
+            <a:r>
+              <a:rPr lang="en-US" sz="1600" dirty="0" err="1">
+                <a:solidFill>
+                  <a:srgbClr val="FF0000"/>
+                </a:solidFill>
+                <a:highlight>
+                  <a:srgbClr val="FFFFFF"/>
+                </a:highlight>
+                <a:latin typeface="Consolas" panose="020B0609020204030204" pitchFamily="49" charset="0"/>
+                <a:cs typeface="Consolas" panose="020B0609020204030204" pitchFamily="49" charset="0"/>
+              </a:rPr>
+              <a:t>android:id</a:t>
+            </a:r>
+            <a:r>
+              <a:rPr lang="en-US" sz="1600" dirty="0">
+                <a:solidFill>
+                  <a:srgbClr val="000000"/>
+                </a:solidFill>
+                <a:highlight>
+                  <a:srgbClr val="FFFFFF"/>
+                </a:highlight>
+                <a:latin typeface="Consolas" panose="020B0609020204030204" pitchFamily="49" charset="0"/>
+                <a:cs typeface="Consolas" panose="020B0609020204030204" pitchFamily="49" charset="0"/>
+              </a:rPr>
+              <a:t>=</a:t>
+            </a:r>
+            <a:r>
+              <a:rPr lang="en-US" sz="1600" b="1" dirty="0">
+                <a:solidFill>
+                  <a:srgbClr val="8000FF"/>
+                </a:solidFill>
+                <a:highlight>
+                  <a:srgbClr val="FFFFFF"/>
+                </a:highlight>
+                <a:latin typeface="Consolas" panose="020B0609020204030204" pitchFamily="49" charset="0"/>
+                <a:cs typeface="Consolas" panose="020B0609020204030204" pitchFamily="49" charset="0"/>
+              </a:rPr>
+              <a:t>"@+id/</a:t>
+            </a:r>
+            <a:r>
+              <a:rPr lang="en-US" sz="1600" b="1" dirty="0" err="1">
+                <a:solidFill>
+                  <a:srgbClr val="8000FF"/>
+                </a:solidFill>
+                <a:highlight>
+                  <a:srgbClr val="FFFFFF"/>
+                </a:highlight>
+                <a:latin typeface="Consolas" panose="020B0609020204030204" pitchFamily="49" charset="0"/>
+                <a:cs typeface="Consolas" panose="020B0609020204030204" pitchFamily="49" charset="0"/>
+              </a:rPr>
+              <a:t>delete_tweet</a:t>
+            </a:r>
+            <a:r>
+              <a:rPr lang="en-US" sz="1600" b="1" dirty="0">
+                <a:solidFill>
+                  <a:srgbClr val="8000FF"/>
+                </a:solidFill>
+                <a:highlight>
+                  <a:srgbClr val="FFFFFF"/>
+                </a:highlight>
+                <a:latin typeface="Consolas" panose="020B0609020204030204" pitchFamily="49" charset="0"/>
+                <a:cs typeface="Consolas" panose="020B0609020204030204" pitchFamily="49" charset="0"/>
+              </a:rPr>
+              <a:t>"</a:t>
+            </a:r>
+            <a:endParaRPr lang="en-US" sz="1600" dirty="0">
+              <a:solidFill>
+                <a:srgbClr val="000000"/>
+              </a:solidFill>
+              <a:highlight>
+                <a:srgbClr val="FFFFFF"/>
+              </a:highlight>
+              <a:latin typeface="Consolas" panose="020B0609020204030204" pitchFamily="49" charset="0"/>
+              <a:cs typeface="Consolas" panose="020B0609020204030204" pitchFamily="49" charset="0"/>
+            </a:endParaRPr>
+          </a:p>
+          <a:p>
+            <a:r>
+              <a:rPr lang="en-US" sz="1600" dirty="0">
+                <a:solidFill>
+                  <a:srgbClr val="000000"/>
+                </a:solidFill>
+                <a:highlight>
+                  <a:srgbClr val="FFFFFF"/>
+                </a:highlight>
+                <a:latin typeface="Consolas" panose="020B0609020204030204" pitchFamily="49" charset="0"/>
+                <a:cs typeface="Consolas" panose="020B0609020204030204" pitchFamily="49" charset="0"/>
+              </a:rPr>
+              <a:t>        </a:t>
+            </a:r>
+            <a:r>
+              <a:rPr lang="en-US" sz="1600" dirty="0" err="1">
+                <a:solidFill>
+                  <a:srgbClr val="FF0000"/>
+                </a:solidFill>
+                <a:highlight>
+                  <a:srgbClr val="FFFFFF"/>
+                </a:highlight>
+                <a:latin typeface="Consolas" panose="020B0609020204030204" pitchFamily="49" charset="0"/>
+                <a:cs typeface="Consolas" panose="020B0609020204030204" pitchFamily="49" charset="0"/>
+              </a:rPr>
+              <a:t>android:titleCondensed</a:t>
+            </a:r>
+            <a:r>
+              <a:rPr lang="en-US" sz="1600" dirty="0">
+                <a:solidFill>
+                  <a:srgbClr val="000000"/>
+                </a:solidFill>
+                <a:highlight>
+                  <a:srgbClr val="FFFFFF"/>
+                </a:highlight>
+                <a:latin typeface="Consolas" panose="020B0609020204030204" pitchFamily="49" charset="0"/>
+                <a:cs typeface="Consolas" panose="020B0609020204030204" pitchFamily="49" charset="0"/>
+              </a:rPr>
+              <a:t>=</a:t>
+            </a:r>
+            <a:r>
+              <a:rPr lang="en-US" sz="1600" b="1" dirty="0">
+                <a:solidFill>
+                  <a:srgbClr val="8000FF"/>
+                </a:solidFill>
+                <a:highlight>
+                  <a:srgbClr val="FFFFFF"/>
+                </a:highlight>
+                <a:latin typeface="Consolas" panose="020B0609020204030204" pitchFamily="49" charset="0"/>
+                <a:cs typeface="Consolas" panose="020B0609020204030204" pitchFamily="49" charset="0"/>
+              </a:rPr>
+              <a:t>"Delete"</a:t>
+            </a:r>
+            <a:endParaRPr lang="en-US" sz="1600" dirty="0">
+              <a:solidFill>
+                <a:srgbClr val="000000"/>
+              </a:solidFill>
+              <a:highlight>
+                <a:srgbClr val="FFFFFF"/>
+              </a:highlight>
+              <a:latin typeface="Consolas" panose="020B0609020204030204" pitchFamily="49" charset="0"/>
+              <a:cs typeface="Consolas" panose="020B0609020204030204" pitchFamily="49" charset="0"/>
+            </a:endParaRPr>
+          </a:p>
+          <a:p>
+            <a:r>
+              <a:rPr lang="en-US" sz="1600" dirty="0">
+                <a:solidFill>
+                  <a:srgbClr val="000000"/>
+                </a:solidFill>
+                <a:highlight>
+                  <a:srgbClr val="FFFFFF"/>
+                </a:highlight>
+                <a:latin typeface="Consolas" panose="020B0609020204030204" pitchFamily="49" charset="0"/>
+                <a:cs typeface="Consolas" panose="020B0609020204030204" pitchFamily="49" charset="0"/>
+              </a:rPr>
+              <a:t>        </a:t>
+            </a:r>
+            <a:r>
+              <a:rPr lang="en-US" sz="1600" dirty="0" err="1">
+                <a:solidFill>
+                  <a:srgbClr val="FF0000"/>
+                </a:solidFill>
+                <a:highlight>
+                  <a:srgbClr val="FFFFFF"/>
+                </a:highlight>
+                <a:latin typeface="Consolas" panose="020B0609020204030204" pitchFamily="49" charset="0"/>
+                <a:cs typeface="Consolas" panose="020B0609020204030204" pitchFamily="49" charset="0"/>
+              </a:rPr>
+              <a:t>android:title</a:t>
+            </a:r>
+            <a:r>
+              <a:rPr lang="en-US" sz="1600" dirty="0">
+                <a:solidFill>
+                  <a:srgbClr val="000000"/>
+                </a:solidFill>
+                <a:highlight>
+                  <a:srgbClr val="FFFFFF"/>
+                </a:highlight>
+                <a:latin typeface="Consolas" panose="020B0609020204030204" pitchFamily="49" charset="0"/>
+                <a:cs typeface="Consolas" panose="020B0609020204030204" pitchFamily="49" charset="0"/>
+              </a:rPr>
+              <a:t>=</a:t>
+            </a:r>
+            <a:r>
+              <a:rPr lang="en-US" sz="1600" b="1" dirty="0">
+                <a:solidFill>
+                  <a:srgbClr val="8000FF"/>
+                </a:solidFill>
+                <a:highlight>
+                  <a:srgbClr val="FFFFFF"/>
+                </a:highlight>
+                <a:latin typeface="Consolas" panose="020B0609020204030204" pitchFamily="49" charset="0"/>
+                <a:cs typeface="Consolas" panose="020B0609020204030204" pitchFamily="49" charset="0"/>
+              </a:rPr>
+              <a:t>"Delete Tweet"</a:t>
+            </a:r>
+            <a:r>
+              <a:rPr lang="en-US" sz="1600" dirty="0">
+                <a:solidFill>
+                  <a:srgbClr val="000000"/>
+                </a:solidFill>
+                <a:highlight>
+                  <a:srgbClr val="FFFFFF"/>
+                </a:highlight>
+                <a:latin typeface="Consolas" panose="020B0609020204030204" pitchFamily="49" charset="0"/>
+                <a:cs typeface="Consolas" panose="020B0609020204030204" pitchFamily="49" charset="0"/>
+              </a:rPr>
+              <a:t> </a:t>
+            </a:r>
+            <a:r>
+              <a:rPr lang="en-US" sz="1600" dirty="0">
+                <a:solidFill>
+                  <a:srgbClr val="0000FF"/>
+                </a:solidFill>
+                <a:highlight>
+                  <a:srgbClr val="FFFFFF"/>
+                </a:highlight>
+                <a:latin typeface="Consolas" panose="020B0609020204030204" pitchFamily="49" charset="0"/>
+                <a:cs typeface="Consolas" panose="020B0609020204030204" pitchFamily="49" charset="0"/>
+              </a:rPr>
+              <a:t>/&gt;</a:t>
+            </a:r>
+            <a:endParaRPr lang="en-US" sz="1600" b="1" dirty="0">
+              <a:solidFill>
+                <a:srgbClr val="000000"/>
+              </a:solidFill>
+              <a:highlight>
+                <a:srgbClr val="FFFFFF"/>
+              </a:highlight>
+              <a:latin typeface="Consolas" panose="020B0609020204030204" pitchFamily="49" charset="0"/>
+              <a:cs typeface="Consolas" panose="020B0609020204030204" pitchFamily="49" charset="0"/>
+            </a:endParaRPr>
+          </a:p>
+          <a:p>
+            <a:r>
+              <a:rPr lang="en-US" sz="1600" b="1" dirty="0">
+                <a:solidFill>
+                  <a:srgbClr val="000000"/>
+                </a:solidFill>
+                <a:highlight>
+                  <a:srgbClr val="FFFFFF"/>
+                </a:highlight>
+                <a:latin typeface="Consolas" panose="020B0609020204030204" pitchFamily="49" charset="0"/>
+                <a:cs typeface="Consolas" panose="020B0609020204030204" pitchFamily="49" charset="0"/>
+              </a:rPr>
+              <a:t>    </a:t>
+            </a:r>
+            <a:r>
+              <a:rPr lang="en-US" sz="1600" dirty="0">
+                <a:solidFill>
+                  <a:srgbClr val="0000FF"/>
+                </a:solidFill>
+                <a:highlight>
+                  <a:srgbClr val="FFFFFF"/>
+                </a:highlight>
+                <a:latin typeface="Consolas" panose="020B0609020204030204" pitchFamily="49" charset="0"/>
+                <a:cs typeface="Consolas" panose="020B0609020204030204" pitchFamily="49" charset="0"/>
+              </a:rPr>
+              <a:t>&lt;item</a:t>
+            </a:r>
+            <a:endParaRPr lang="en-US" sz="1600" dirty="0">
+              <a:solidFill>
+                <a:srgbClr val="000000"/>
+              </a:solidFill>
+              <a:highlight>
+                <a:srgbClr val="FFFFFF"/>
+              </a:highlight>
+              <a:latin typeface="Consolas" panose="020B0609020204030204" pitchFamily="49" charset="0"/>
+              <a:cs typeface="Consolas" panose="020B0609020204030204" pitchFamily="49" charset="0"/>
+            </a:endParaRPr>
+          </a:p>
+          <a:p>
+            <a:r>
+              <a:rPr lang="en-US" sz="1600" dirty="0">
+                <a:solidFill>
+                  <a:srgbClr val="000000"/>
+                </a:solidFill>
+                <a:highlight>
+                  <a:srgbClr val="FFFFFF"/>
+                </a:highlight>
+                <a:latin typeface="Consolas" panose="020B0609020204030204" pitchFamily="49" charset="0"/>
+                <a:cs typeface="Consolas" panose="020B0609020204030204" pitchFamily="49" charset="0"/>
+              </a:rPr>
+              <a:t>        </a:t>
+            </a:r>
+            <a:r>
+              <a:rPr lang="en-US" sz="1600" dirty="0" err="1">
+                <a:solidFill>
+                  <a:srgbClr val="FF0000"/>
+                </a:solidFill>
+                <a:highlight>
+                  <a:srgbClr val="FFFFFF"/>
+                </a:highlight>
+                <a:latin typeface="Consolas" panose="020B0609020204030204" pitchFamily="49" charset="0"/>
+                <a:cs typeface="Consolas" panose="020B0609020204030204" pitchFamily="49" charset="0"/>
+              </a:rPr>
+              <a:t>android:id</a:t>
+            </a:r>
+            <a:r>
+              <a:rPr lang="en-US" sz="1600" dirty="0">
+                <a:solidFill>
+                  <a:srgbClr val="000000"/>
+                </a:solidFill>
+                <a:highlight>
+                  <a:srgbClr val="FFFFFF"/>
+                </a:highlight>
+                <a:latin typeface="Consolas" panose="020B0609020204030204" pitchFamily="49" charset="0"/>
+                <a:cs typeface="Consolas" panose="020B0609020204030204" pitchFamily="49" charset="0"/>
+              </a:rPr>
+              <a:t>=</a:t>
+            </a:r>
+            <a:r>
+              <a:rPr lang="en-US" sz="1600" b="1" dirty="0">
+                <a:solidFill>
+                  <a:srgbClr val="8000FF"/>
+                </a:solidFill>
+                <a:highlight>
+                  <a:srgbClr val="FFFFFF"/>
+                </a:highlight>
+                <a:latin typeface="Consolas" panose="020B0609020204030204" pitchFamily="49" charset="0"/>
+                <a:cs typeface="Consolas" panose="020B0609020204030204" pitchFamily="49" charset="0"/>
+              </a:rPr>
+              <a:t>"@+id/</a:t>
+            </a:r>
+            <a:r>
+              <a:rPr lang="en-US" sz="1600" b="1" dirty="0" err="1">
+                <a:solidFill>
+                  <a:srgbClr val="8000FF"/>
+                </a:solidFill>
+                <a:highlight>
+                  <a:srgbClr val="FFFFFF"/>
+                </a:highlight>
+                <a:latin typeface="Consolas" panose="020B0609020204030204" pitchFamily="49" charset="0"/>
+                <a:cs typeface="Consolas" panose="020B0609020204030204" pitchFamily="49" charset="0"/>
+              </a:rPr>
+              <a:t>edit_tweet</a:t>
+            </a:r>
+            <a:r>
+              <a:rPr lang="en-US" sz="1600" b="1" dirty="0">
+                <a:solidFill>
+                  <a:srgbClr val="8000FF"/>
+                </a:solidFill>
+                <a:highlight>
+                  <a:srgbClr val="FFFFFF"/>
+                </a:highlight>
+                <a:latin typeface="Consolas" panose="020B0609020204030204" pitchFamily="49" charset="0"/>
+                <a:cs typeface="Consolas" panose="020B0609020204030204" pitchFamily="49" charset="0"/>
+              </a:rPr>
+              <a:t>"</a:t>
+            </a:r>
+            <a:endParaRPr lang="en-US" sz="1600" dirty="0">
+              <a:solidFill>
+                <a:srgbClr val="000000"/>
+              </a:solidFill>
+              <a:highlight>
+                <a:srgbClr val="FFFFFF"/>
+              </a:highlight>
+              <a:latin typeface="Consolas" panose="020B0609020204030204" pitchFamily="49" charset="0"/>
+              <a:cs typeface="Consolas" panose="020B0609020204030204" pitchFamily="49" charset="0"/>
+            </a:endParaRPr>
+          </a:p>
+          <a:p>
+            <a:r>
+              <a:rPr lang="en-US" sz="1600" dirty="0">
+                <a:solidFill>
+                  <a:srgbClr val="000000"/>
+                </a:solidFill>
+                <a:highlight>
+                  <a:srgbClr val="FFFFFF"/>
+                </a:highlight>
+                <a:latin typeface="Consolas" panose="020B0609020204030204" pitchFamily="49" charset="0"/>
+                <a:cs typeface="Consolas" panose="020B0609020204030204" pitchFamily="49" charset="0"/>
+              </a:rPr>
+              <a:t>        </a:t>
+            </a:r>
+            <a:r>
+              <a:rPr lang="en-US" sz="1600" dirty="0" err="1">
+                <a:solidFill>
+                  <a:srgbClr val="FF0000"/>
+                </a:solidFill>
+                <a:highlight>
+                  <a:srgbClr val="FFFFFF"/>
+                </a:highlight>
+                <a:latin typeface="Consolas" panose="020B0609020204030204" pitchFamily="49" charset="0"/>
+                <a:cs typeface="Consolas" panose="020B0609020204030204" pitchFamily="49" charset="0"/>
+              </a:rPr>
+              <a:t>android:titleCondensed</a:t>
+            </a:r>
+            <a:r>
+              <a:rPr lang="en-US" sz="1600" dirty="0">
+                <a:solidFill>
+                  <a:srgbClr val="000000"/>
+                </a:solidFill>
+                <a:highlight>
+                  <a:srgbClr val="FFFFFF"/>
+                </a:highlight>
+                <a:latin typeface="Consolas" panose="020B0609020204030204" pitchFamily="49" charset="0"/>
+                <a:cs typeface="Consolas" panose="020B0609020204030204" pitchFamily="49" charset="0"/>
+              </a:rPr>
+              <a:t>=</a:t>
+            </a:r>
+            <a:r>
+              <a:rPr lang="en-US" sz="1600" b="1" dirty="0">
+                <a:solidFill>
+                  <a:srgbClr val="8000FF"/>
+                </a:solidFill>
+                <a:highlight>
+                  <a:srgbClr val="FFFFFF"/>
+                </a:highlight>
+                <a:latin typeface="Consolas" panose="020B0609020204030204" pitchFamily="49" charset="0"/>
+                <a:cs typeface="Consolas" panose="020B0609020204030204" pitchFamily="49" charset="0"/>
+              </a:rPr>
+              <a:t>"Edit"</a:t>
+            </a:r>
+            <a:endParaRPr lang="en-US" sz="1600" dirty="0">
+              <a:solidFill>
+                <a:srgbClr val="000000"/>
+              </a:solidFill>
+              <a:highlight>
+                <a:srgbClr val="FFFFFF"/>
+              </a:highlight>
+              <a:latin typeface="Consolas" panose="020B0609020204030204" pitchFamily="49" charset="0"/>
+              <a:cs typeface="Consolas" panose="020B0609020204030204" pitchFamily="49" charset="0"/>
+            </a:endParaRPr>
+          </a:p>
+          <a:p>
+            <a:r>
+              <a:rPr lang="en-US" sz="1600" dirty="0">
+                <a:solidFill>
+                  <a:srgbClr val="000000"/>
+                </a:solidFill>
+                <a:highlight>
+                  <a:srgbClr val="FFFFFF"/>
+                </a:highlight>
+                <a:latin typeface="Consolas" panose="020B0609020204030204" pitchFamily="49" charset="0"/>
+                <a:cs typeface="Consolas" panose="020B0609020204030204" pitchFamily="49" charset="0"/>
+              </a:rPr>
+              <a:t>        </a:t>
+            </a:r>
+            <a:r>
+              <a:rPr lang="en-US" sz="1600" dirty="0" err="1">
+                <a:solidFill>
+                  <a:srgbClr val="FF0000"/>
+                </a:solidFill>
+                <a:highlight>
+                  <a:srgbClr val="FFFFFF"/>
+                </a:highlight>
+                <a:latin typeface="Consolas" panose="020B0609020204030204" pitchFamily="49" charset="0"/>
+                <a:cs typeface="Consolas" panose="020B0609020204030204" pitchFamily="49" charset="0"/>
+              </a:rPr>
+              <a:t>android:title</a:t>
+            </a:r>
+            <a:r>
+              <a:rPr lang="en-US" sz="1600" dirty="0">
+                <a:solidFill>
+                  <a:srgbClr val="000000"/>
+                </a:solidFill>
+                <a:highlight>
+                  <a:srgbClr val="FFFFFF"/>
+                </a:highlight>
+                <a:latin typeface="Consolas" panose="020B0609020204030204" pitchFamily="49" charset="0"/>
+                <a:cs typeface="Consolas" panose="020B0609020204030204" pitchFamily="49" charset="0"/>
+              </a:rPr>
+              <a:t>=</a:t>
+            </a:r>
+            <a:r>
+              <a:rPr lang="en-US" sz="1600" b="1" dirty="0">
+                <a:solidFill>
+                  <a:srgbClr val="8000FF"/>
+                </a:solidFill>
+                <a:highlight>
+                  <a:srgbClr val="FFFFFF"/>
+                </a:highlight>
+                <a:latin typeface="Consolas" panose="020B0609020204030204" pitchFamily="49" charset="0"/>
+                <a:cs typeface="Consolas" panose="020B0609020204030204" pitchFamily="49" charset="0"/>
+              </a:rPr>
+              <a:t>"Edit Tweet"</a:t>
+            </a:r>
+            <a:r>
+              <a:rPr lang="en-US" sz="1600" dirty="0">
+                <a:solidFill>
+                  <a:srgbClr val="000000"/>
+                </a:solidFill>
+                <a:highlight>
+                  <a:srgbClr val="FFFFFF"/>
+                </a:highlight>
+                <a:latin typeface="Consolas" panose="020B0609020204030204" pitchFamily="49" charset="0"/>
+                <a:cs typeface="Consolas" panose="020B0609020204030204" pitchFamily="49" charset="0"/>
+              </a:rPr>
+              <a:t> </a:t>
+            </a:r>
+            <a:r>
+              <a:rPr lang="en-US" sz="1600" dirty="0">
+                <a:solidFill>
+                  <a:srgbClr val="0000FF"/>
+                </a:solidFill>
+                <a:highlight>
+                  <a:srgbClr val="FFFFFF"/>
+                </a:highlight>
+                <a:latin typeface="Consolas" panose="020B0609020204030204" pitchFamily="49" charset="0"/>
+                <a:cs typeface="Consolas" panose="020B0609020204030204" pitchFamily="49" charset="0"/>
+              </a:rPr>
+              <a:t>/&gt;</a:t>
+            </a:r>
+            <a:endParaRPr lang="en-US" sz="1600" b="1" dirty="0">
+              <a:solidFill>
+                <a:srgbClr val="000000"/>
+              </a:solidFill>
+              <a:highlight>
+                <a:srgbClr val="FFFFFF"/>
+              </a:highlight>
+              <a:latin typeface="Consolas" panose="020B0609020204030204" pitchFamily="49" charset="0"/>
+              <a:cs typeface="Consolas" panose="020B0609020204030204" pitchFamily="49" charset="0"/>
+            </a:endParaRPr>
+          </a:p>
+          <a:p>
+            <a:r>
+              <a:rPr lang="en-US" sz="1600" dirty="0">
+                <a:solidFill>
+                  <a:srgbClr val="0000FF"/>
+                </a:solidFill>
+                <a:highlight>
+                  <a:srgbClr val="FFFFFF"/>
+                </a:highlight>
+                <a:latin typeface="Consolas" panose="020B0609020204030204" pitchFamily="49" charset="0"/>
+                <a:cs typeface="Consolas" panose="020B0609020204030204" pitchFamily="49" charset="0"/>
+              </a:rPr>
+              <a:t>&lt;/menu&gt;</a:t>
+            </a:r>
+            <a:endParaRPr lang="en-US" sz="1600" b="1" dirty="0">
+              <a:latin typeface="Consolas" panose="020B0609020204030204" pitchFamily="49" charset="0"/>
+              <a:cs typeface="Consolas" panose="020B0609020204030204" pitchFamily="49" charset="0"/>
+            </a:endParaRPr>
+          </a:p>
+        </p:txBody>
+      </p:sp>
+    </p:spTree>
+    <p:extLst>
+      <p:ext uri="{BB962C8B-B14F-4D97-AF65-F5344CB8AC3E}">
+        <p14:creationId xmlns:p14="http://schemas.microsoft.com/office/powerpoint/2010/main" val="1270165047"/>
+      </p:ext>
+    </p:extLst>
+  </p:cSld>
+  <p:clrMapOvr>
+    <a:masterClrMapping/>
+  </p:clrMapOvr>
+  <p:timing>
+    <p:tnLst>
+      <p:par>
+        <p:cTn id="1" dur="indefinite" restart="never" nodeType="tmRoot"/>
+      </p:par>
+    </p:tnLst>
+  </p:timing>
+</p:sld>
+</file>
+
+<file path=ppt/slides/slide14.xml><?xml version="1.0" encoding="utf-8"?>
+<p:sld xmlns:a="http://schemas.openxmlformats.org/drawingml/2006/main" xmlns:r="http://schemas.openxmlformats.org/officeDocument/2006/relationships" xmlns:p="http://schemas.openxmlformats.org/presentationml/2006/main">
+  <p:cSld>
+    <p:spTree>
+      <p:nvGrpSpPr>
+        <p:cNvPr id="1" name=""/>
+        <p:cNvGrpSpPr/>
+        <p:nvPr/>
+      </p:nvGrpSpPr>
+      <p:grpSpPr>
+        <a:xfrm>
+          <a:off x="0" y="0"/>
+          <a:ext cx="0" cy="0"/>
+          <a:chOff x="0" y="0"/>
+          <a:chExt cx="0" cy="0"/>
+        </a:xfrm>
+      </p:grpSpPr>
+      <p:sp>
+        <p:nvSpPr>
+          <p:cNvPr id="2" name="Title 1"/>
+          <p:cNvSpPr>
+            <a:spLocks noGrp="1"/>
+          </p:cNvSpPr>
+          <p:nvPr>
+            <p:ph type="title"/>
+          </p:nvPr>
+        </p:nvSpPr>
+        <p:spPr/>
+        <p:txBody>
+          <a:bodyPr/>
+          <a:lstStyle/>
+          <a:p>
+            <a:r>
+              <a:rPr lang="en-US" dirty="0" smtClean="0"/>
+              <a:t>Inflating the Menu</a:t>
+            </a:r>
+            <a:endParaRPr lang="en-US" dirty="0"/>
+          </a:p>
+        </p:txBody>
+      </p:sp>
+      <p:sp>
+        <p:nvSpPr>
+          <p:cNvPr id="3" name="Content Placeholder 2"/>
+          <p:cNvSpPr>
+            <a:spLocks noGrp="1"/>
+          </p:cNvSpPr>
+          <p:nvPr>
+            <p:ph idx="1"/>
+          </p:nvPr>
+        </p:nvSpPr>
+        <p:spPr/>
+        <p:txBody>
+          <a:bodyPr/>
+          <a:lstStyle/>
+          <a:p>
+            <a:r>
+              <a:rPr lang="en-US" dirty="0" smtClean="0"/>
+              <a:t>Step 3 </a:t>
+            </a:r>
+            <a:r>
+              <a:rPr lang="en-US" dirty="0"/>
+              <a:t>– Override the </a:t>
+            </a:r>
+            <a:r>
+              <a:rPr lang="en-US" dirty="0" err="1"/>
+              <a:t>onCreateContextMenu</a:t>
+            </a:r>
+            <a:r>
+              <a:rPr lang="en-US" dirty="0"/>
+              <a:t> () </a:t>
+            </a:r>
+            <a:r>
+              <a:rPr lang="en-US" dirty="0" smtClean="0"/>
+              <a:t>method inside the </a:t>
+            </a:r>
+            <a:r>
+              <a:rPr lang="en-US" dirty="0" err="1" smtClean="0"/>
+              <a:t>ListActivity</a:t>
+            </a:r>
+            <a:endParaRPr lang="en-US" dirty="0" smtClean="0"/>
+          </a:p>
+          <a:p>
+            <a:pPr lvl="1"/>
+            <a:r>
+              <a:rPr lang="en-US" i="1" dirty="0" smtClean="0"/>
+              <a:t>We keep building on the custom Tweet list activity</a:t>
+            </a:r>
+            <a:endParaRPr lang="en-US" i="1" dirty="0"/>
+          </a:p>
+        </p:txBody>
+      </p:sp>
+      <p:sp>
+        <p:nvSpPr>
+          <p:cNvPr id="4" name="Slide Number Placeholder 3"/>
+          <p:cNvSpPr>
+            <a:spLocks noGrp="1"/>
+          </p:cNvSpPr>
+          <p:nvPr>
+            <p:ph type="sldNum" sz="quarter" idx="12"/>
+          </p:nvPr>
+        </p:nvSpPr>
+        <p:spPr/>
+        <p:txBody>
+          <a:bodyPr/>
+          <a:lstStyle/>
+          <a:p>
+            <a:fld id="{52DB1A75-B9BE-46B1-B482-5F96E51FA4B2}" type="slidenum">
+              <a:rPr lang="en-US" smtClean="0"/>
+              <a:t>14</a:t>
+            </a:fld>
+            <a:endParaRPr lang="en-US" dirty="0"/>
+          </a:p>
+        </p:txBody>
+      </p:sp>
+      <p:sp>
+        <p:nvSpPr>
+          <p:cNvPr id="5" name="TextBox 4"/>
+          <p:cNvSpPr txBox="1"/>
+          <p:nvPr/>
+        </p:nvSpPr>
+        <p:spPr>
+          <a:xfrm>
+            <a:off x="1188712" y="2635926"/>
+            <a:ext cx="6244017" cy="3046988"/>
+          </a:xfrm>
+          <a:prstGeom prst="rect">
+            <a:avLst/>
+          </a:prstGeom>
+        </p:spPr>
+        <p:style>
+          <a:lnRef idx="2">
+            <a:schemeClr val="dk1"/>
+          </a:lnRef>
+          <a:fillRef idx="1">
+            <a:schemeClr val="lt1"/>
+          </a:fillRef>
+          <a:effectRef idx="0">
+            <a:schemeClr val="dk1"/>
+          </a:effectRef>
+          <a:fontRef idx="minor">
+            <a:schemeClr val="dk1"/>
+          </a:fontRef>
+        </p:style>
+        <p:txBody>
+          <a:bodyPr wrap="none" rtlCol="0">
+            <a:spAutoFit/>
+          </a:bodyPr>
+          <a:lstStyle/>
+          <a:p>
+            <a:r>
+              <a:rPr lang="en-US" sz="1600" dirty="0">
+                <a:solidFill>
+                  <a:srgbClr val="8000FF"/>
+                </a:solidFill>
+                <a:highlight>
+                  <a:srgbClr val="FFFFFF"/>
+                </a:highlight>
+                <a:latin typeface="Consolas" panose="020B0609020204030204" pitchFamily="49" charset="0"/>
+                <a:cs typeface="Consolas" panose="020B0609020204030204" pitchFamily="49" charset="0"/>
+              </a:rPr>
+              <a:t>public</a:t>
+            </a:r>
+            <a:r>
+              <a:rPr lang="en-US" sz="1600" dirty="0">
+                <a:solidFill>
+                  <a:srgbClr val="000000"/>
+                </a:solidFill>
+                <a:highlight>
+                  <a:srgbClr val="FFFFFF"/>
+                </a:highlight>
+                <a:latin typeface="Consolas" panose="020B0609020204030204" pitchFamily="49" charset="0"/>
+                <a:cs typeface="Consolas" panose="020B0609020204030204" pitchFamily="49" charset="0"/>
+              </a:rPr>
+              <a:t> </a:t>
+            </a:r>
+            <a:r>
+              <a:rPr lang="en-US" sz="1600" dirty="0">
+                <a:solidFill>
+                  <a:srgbClr val="8000FF"/>
+                </a:solidFill>
+                <a:highlight>
+                  <a:srgbClr val="FFFFFF"/>
+                </a:highlight>
+                <a:latin typeface="Consolas" panose="020B0609020204030204" pitchFamily="49" charset="0"/>
+                <a:cs typeface="Consolas" panose="020B0609020204030204" pitchFamily="49" charset="0"/>
+              </a:rPr>
+              <a:t>class</a:t>
+            </a:r>
+            <a:r>
+              <a:rPr lang="en-US" sz="1600" dirty="0">
+                <a:solidFill>
+                  <a:srgbClr val="000000"/>
+                </a:solidFill>
+                <a:highlight>
+                  <a:srgbClr val="FFFFFF"/>
+                </a:highlight>
+                <a:latin typeface="Consolas" panose="020B0609020204030204" pitchFamily="49" charset="0"/>
+                <a:cs typeface="Consolas" panose="020B0609020204030204" pitchFamily="49" charset="0"/>
+              </a:rPr>
+              <a:t> </a:t>
+            </a:r>
+            <a:r>
+              <a:rPr lang="en-US" sz="1600" dirty="0" err="1">
+                <a:solidFill>
+                  <a:srgbClr val="000000"/>
+                </a:solidFill>
+                <a:highlight>
+                  <a:srgbClr val="FFFFFF"/>
+                </a:highlight>
+                <a:latin typeface="Consolas" panose="020B0609020204030204" pitchFamily="49" charset="0"/>
+                <a:cs typeface="Consolas" panose="020B0609020204030204" pitchFamily="49" charset="0"/>
+              </a:rPr>
+              <a:t>MainActivity</a:t>
+            </a:r>
+            <a:r>
+              <a:rPr lang="en-US" sz="1600" dirty="0">
+                <a:solidFill>
+                  <a:srgbClr val="000000"/>
+                </a:solidFill>
+                <a:highlight>
+                  <a:srgbClr val="FFFFFF"/>
+                </a:highlight>
+                <a:latin typeface="Consolas" panose="020B0609020204030204" pitchFamily="49" charset="0"/>
+                <a:cs typeface="Consolas" panose="020B0609020204030204" pitchFamily="49" charset="0"/>
+              </a:rPr>
+              <a:t> </a:t>
+            </a:r>
+            <a:r>
+              <a:rPr lang="en-US" sz="1600" b="1" dirty="0">
+                <a:solidFill>
+                  <a:srgbClr val="0000FF"/>
+                </a:solidFill>
+                <a:highlight>
+                  <a:srgbClr val="FFFFFF"/>
+                </a:highlight>
+                <a:latin typeface="Consolas" panose="020B0609020204030204" pitchFamily="49" charset="0"/>
+                <a:cs typeface="Consolas" panose="020B0609020204030204" pitchFamily="49" charset="0"/>
+              </a:rPr>
+              <a:t>extends</a:t>
+            </a:r>
+            <a:r>
+              <a:rPr lang="en-US" sz="1600" dirty="0">
+                <a:solidFill>
+                  <a:srgbClr val="000000"/>
+                </a:solidFill>
+                <a:highlight>
+                  <a:srgbClr val="FFFFFF"/>
+                </a:highlight>
+                <a:latin typeface="Consolas" panose="020B0609020204030204" pitchFamily="49" charset="0"/>
+                <a:cs typeface="Consolas" panose="020B0609020204030204" pitchFamily="49" charset="0"/>
+              </a:rPr>
+              <a:t> </a:t>
+            </a:r>
+            <a:r>
+              <a:rPr lang="en-US" sz="1600" dirty="0" err="1">
+                <a:solidFill>
+                  <a:srgbClr val="000000"/>
+                </a:solidFill>
+                <a:highlight>
+                  <a:srgbClr val="FFFFFF"/>
+                </a:highlight>
+                <a:latin typeface="Consolas" panose="020B0609020204030204" pitchFamily="49" charset="0"/>
+                <a:cs typeface="Consolas" panose="020B0609020204030204" pitchFamily="49" charset="0"/>
+              </a:rPr>
+              <a:t>ListActivity</a:t>
+            </a:r>
+            <a:r>
+              <a:rPr lang="en-US" sz="1600" dirty="0">
+                <a:solidFill>
+                  <a:srgbClr val="000000"/>
+                </a:solidFill>
+                <a:highlight>
+                  <a:srgbClr val="FFFFFF"/>
+                </a:highlight>
+                <a:latin typeface="Consolas" panose="020B0609020204030204" pitchFamily="49" charset="0"/>
+                <a:cs typeface="Consolas" panose="020B0609020204030204" pitchFamily="49" charset="0"/>
+              </a:rPr>
+              <a:t> </a:t>
+            </a:r>
+            <a:r>
+              <a:rPr lang="en-US" sz="1600" b="1" dirty="0">
+                <a:solidFill>
+                  <a:srgbClr val="000080"/>
+                </a:solidFill>
+                <a:highlight>
+                  <a:srgbClr val="FFFFFF"/>
+                </a:highlight>
+                <a:latin typeface="Consolas" panose="020B0609020204030204" pitchFamily="49" charset="0"/>
+                <a:cs typeface="Consolas" panose="020B0609020204030204" pitchFamily="49" charset="0"/>
+              </a:rPr>
+              <a:t>{</a:t>
+            </a:r>
+            <a:endParaRPr lang="en-US" sz="1600" dirty="0">
+              <a:solidFill>
+                <a:srgbClr val="000000"/>
+              </a:solidFill>
+              <a:highlight>
+                <a:srgbClr val="FFFFFF"/>
+              </a:highlight>
+              <a:latin typeface="Consolas" panose="020B0609020204030204" pitchFamily="49" charset="0"/>
+              <a:cs typeface="Consolas" panose="020B0609020204030204" pitchFamily="49" charset="0"/>
+            </a:endParaRPr>
+          </a:p>
+          <a:p>
+            <a:r>
+              <a:rPr lang="en-US" sz="1600" dirty="0">
+                <a:solidFill>
+                  <a:srgbClr val="000000"/>
+                </a:solidFill>
+                <a:highlight>
+                  <a:srgbClr val="FFFFFF"/>
+                </a:highlight>
+                <a:latin typeface="Consolas" panose="020B0609020204030204" pitchFamily="49" charset="0"/>
+                <a:cs typeface="Consolas" panose="020B0609020204030204" pitchFamily="49" charset="0"/>
+              </a:rPr>
+              <a:t>  </a:t>
+            </a:r>
+            <a:r>
+              <a:rPr lang="en-US" sz="1600" dirty="0">
+                <a:solidFill>
+                  <a:srgbClr val="008000"/>
+                </a:solidFill>
+                <a:highlight>
+                  <a:srgbClr val="FFFFFF"/>
+                </a:highlight>
+                <a:latin typeface="Consolas" panose="020B0609020204030204" pitchFamily="49" charset="0"/>
+                <a:cs typeface="Consolas" panose="020B0609020204030204" pitchFamily="49" charset="0"/>
+              </a:rPr>
+              <a:t>// ...</a:t>
+            </a:r>
+          </a:p>
+          <a:p>
+            <a:endParaRPr lang="en-US" sz="1600" dirty="0">
+              <a:solidFill>
+                <a:srgbClr val="000000"/>
+              </a:solidFill>
+              <a:highlight>
+                <a:srgbClr val="FFFFFF"/>
+              </a:highlight>
+              <a:latin typeface="Consolas" panose="020B0609020204030204" pitchFamily="49" charset="0"/>
+              <a:cs typeface="Consolas" panose="020B0609020204030204" pitchFamily="49" charset="0"/>
+            </a:endParaRPr>
+          </a:p>
+          <a:p>
+            <a:r>
+              <a:rPr lang="en-US" sz="1600" dirty="0">
+                <a:solidFill>
+                  <a:srgbClr val="000000"/>
+                </a:solidFill>
+                <a:highlight>
+                  <a:srgbClr val="FFFFFF"/>
+                </a:highlight>
+                <a:latin typeface="Consolas" panose="020B0609020204030204" pitchFamily="49" charset="0"/>
+                <a:cs typeface="Consolas" panose="020B0609020204030204" pitchFamily="49" charset="0"/>
+              </a:rPr>
+              <a:t>  @Override</a:t>
+            </a:r>
+          </a:p>
+          <a:p>
+            <a:r>
+              <a:rPr lang="en-US" sz="1600" dirty="0">
+                <a:solidFill>
+                  <a:srgbClr val="000000"/>
+                </a:solidFill>
+                <a:highlight>
+                  <a:srgbClr val="FFFFFF"/>
+                </a:highlight>
+                <a:latin typeface="Consolas" panose="020B0609020204030204" pitchFamily="49" charset="0"/>
+                <a:cs typeface="Consolas" panose="020B0609020204030204" pitchFamily="49" charset="0"/>
+              </a:rPr>
+              <a:t>  </a:t>
+            </a:r>
+            <a:r>
+              <a:rPr lang="en-US" sz="1600" dirty="0">
+                <a:solidFill>
+                  <a:srgbClr val="8000FF"/>
+                </a:solidFill>
+                <a:highlight>
+                  <a:srgbClr val="FFFFFF"/>
+                </a:highlight>
+                <a:latin typeface="Consolas" panose="020B0609020204030204" pitchFamily="49" charset="0"/>
+                <a:cs typeface="Consolas" panose="020B0609020204030204" pitchFamily="49" charset="0"/>
+              </a:rPr>
+              <a:t>public</a:t>
+            </a:r>
+            <a:r>
+              <a:rPr lang="en-US" sz="1600" dirty="0">
+                <a:solidFill>
+                  <a:srgbClr val="000000"/>
+                </a:solidFill>
+                <a:highlight>
+                  <a:srgbClr val="FFFFFF"/>
+                </a:highlight>
+                <a:latin typeface="Consolas" panose="020B0609020204030204" pitchFamily="49" charset="0"/>
+                <a:cs typeface="Consolas" panose="020B0609020204030204" pitchFamily="49" charset="0"/>
+              </a:rPr>
+              <a:t> </a:t>
+            </a:r>
+            <a:r>
+              <a:rPr lang="en-US" sz="1600" dirty="0">
+                <a:solidFill>
+                  <a:srgbClr val="8000FF"/>
+                </a:solidFill>
+                <a:highlight>
+                  <a:srgbClr val="FFFFFF"/>
+                </a:highlight>
+                <a:latin typeface="Consolas" panose="020B0609020204030204" pitchFamily="49" charset="0"/>
+                <a:cs typeface="Consolas" panose="020B0609020204030204" pitchFamily="49" charset="0"/>
+              </a:rPr>
+              <a:t>void</a:t>
+            </a:r>
+            <a:r>
+              <a:rPr lang="en-US" sz="1600" dirty="0">
+                <a:solidFill>
+                  <a:srgbClr val="000000"/>
+                </a:solidFill>
+                <a:highlight>
+                  <a:srgbClr val="FFFFFF"/>
+                </a:highlight>
+                <a:latin typeface="Consolas" panose="020B0609020204030204" pitchFamily="49" charset="0"/>
+                <a:cs typeface="Consolas" panose="020B0609020204030204" pitchFamily="49" charset="0"/>
+              </a:rPr>
+              <a:t> </a:t>
+            </a:r>
+            <a:r>
+              <a:rPr lang="en-US" sz="1600" dirty="0" err="1">
+                <a:solidFill>
+                  <a:srgbClr val="000000"/>
+                </a:solidFill>
+                <a:highlight>
+                  <a:srgbClr val="FFFFFF"/>
+                </a:highlight>
+                <a:latin typeface="Consolas" panose="020B0609020204030204" pitchFamily="49" charset="0"/>
+                <a:cs typeface="Consolas" panose="020B0609020204030204" pitchFamily="49" charset="0"/>
+              </a:rPr>
+              <a:t>onCreateContextMenu</a:t>
+            </a:r>
+            <a:r>
+              <a:rPr lang="en-US" sz="1600" b="1" dirty="0">
+                <a:solidFill>
+                  <a:srgbClr val="000080"/>
+                </a:solidFill>
+                <a:highlight>
+                  <a:srgbClr val="FFFFFF"/>
+                </a:highlight>
+                <a:latin typeface="Consolas" panose="020B0609020204030204" pitchFamily="49" charset="0"/>
+                <a:cs typeface="Consolas" panose="020B0609020204030204" pitchFamily="49" charset="0"/>
+              </a:rPr>
+              <a:t>(</a:t>
+            </a:r>
+            <a:r>
+              <a:rPr lang="en-US" sz="1600" dirty="0" err="1">
+                <a:solidFill>
+                  <a:srgbClr val="000000"/>
+                </a:solidFill>
+                <a:highlight>
+                  <a:srgbClr val="FFFFFF"/>
+                </a:highlight>
+                <a:latin typeface="Consolas" panose="020B0609020204030204" pitchFamily="49" charset="0"/>
+                <a:cs typeface="Consolas" panose="020B0609020204030204" pitchFamily="49" charset="0"/>
+              </a:rPr>
+              <a:t>ContextMenu</a:t>
+            </a:r>
+            <a:r>
+              <a:rPr lang="en-US" sz="1600" dirty="0">
+                <a:solidFill>
+                  <a:srgbClr val="000000"/>
+                </a:solidFill>
+                <a:highlight>
+                  <a:srgbClr val="FFFFFF"/>
+                </a:highlight>
+                <a:latin typeface="Consolas" panose="020B0609020204030204" pitchFamily="49" charset="0"/>
+                <a:cs typeface="Consolas" panose="020B0609020204030204" pitchFamily="49" charset="0"/>
+              </a:rPr>
+              <a:t> menu</a:t>
+            </a:r>
+            <a:r>
+              <a:rPr lang="en-US" sz="1600" b="1" dirty="0">
+                <a:solidFill>
+                  <a:srgbClr val="000080"/>
+                </a:solidFill>
+                <a:highlight>
+                  <a:srgbClr val="FFFFFF"/>
+                </a:highlight>
+                <a:latin typeface="Consolas" panose="020B0609020204030204" pitchFamily="49" charset="0"/>
+                <a:cs typeface="Consolas" panose="020B0609020204030204" pitchFamily="49" charset="0"/>
+              </a:rPr>
+              <a:t>,</a:t>
+            </a:r>
+            <a:endParaRPr lang="en-US" sz="1600" dirty="0">
+              <a:solidFill>
+                <a:srgbClr val="000000"/>
+              </a:solidFill>
+              <a:highlight>
+                <a:srgbClr val="FFFFFF"/>
+              </a:highlight>
+              <a:latin typeface="Consolas" panose="020B0609020204030204" pitchFamily="49" charset="0"/>
+              <a:cs typeface="Consolas" panose="020B0609020204030204" pitchFamily="49" charset="0"/>
+            </a:endParaRPr>
+          </a:p>
+          <a:p>
+            <a:r>
+              <a:rPr lang="en-US" sz="1600" dirty="0">
+                <a:solidFill>
+                  <a:srgbClr val="000000"/>
+                </a:solidFill>
+                <a:highlight>
+                  <a:srgbClr val="FFFFFF"/>
+                </a:highlight>
+                <a:latin typeface="Consolas" panose="020B0609020204030204" pitchFamily="49" charset="0"/>
+                <a:cs typeface="Consolas" panose="020B0609020204030204" pitchFamily="49" charset="0"/>
+              </a:rPr>
+              <a:t>      View v</a:t>
+            </a:r>
+            <a:r>
+              <a:rPr lang="en-US" sz="1600" b="1" dirty="0">
+                <a:solidFill>
+                  <a:srgbClr val="000080"/>
+                </a:solidFill>
+                <a:highlight>
+                  <a:srgbClr val="FFFFFF"/>
+                </a:highlight>
+                <a:latin typeface="Consolas" panose="020B0609020204030204" pitchFamily="49" charset="0"/>
+                <a:cs typeface="Consolas" panose="020B0609020204030204" pitchFamily="49" charset="0"/>
+              </a:rPr>
+              <a:t>,</a:t>
+            </a:r>
+            <a:r>
+              <a:rPr lang="en-US" sz="1600" dirty="0">
+                <a:solidFill>
+                  <a:srgbClr val="000000"/>
+                </a:solidFill>
+                <a:highlight>
+                  <a:srgbClr val="FFFFFF"/>
+                </a:highlight>
+                <a:latin typeface="Consolas" panose="020B0609020204030204" pitchFamily="49" charset="0"/>
+                <a:cs typeface="Consolas" panose="020B0609020204030204" pitchFamily="49" charset="0"/>
+              </a:rPr>
+              <a:t> </a:t>
+            </a:r>
+            <a:r>
+              <a:rPr lang="en-US" sz="1600" dirty="0" err="1">
+                <a:solidFill>
+                  <a:srgbClr val="000000"/>
+                </a:solidFill>
+                <a:highlight>
+                  <a:srgbClr val="FFFFFF"/>
+                </a:highlight>
+                <a:latin typeface="Consolas" panose="020B0609020204030204" pitchFamily="49" charset="0"/>
+                <a:cs typeface="Consolas" panose="020B0609020204030204" pitchFamily="49" charset="0"/>
+              </a:rPr>
+              <a:t>ContextMenuInfo</a:t>
+            </a:r>
+            <a:r>
+              <a:rPr lang="en-US" sz="1600" dirty="0">
+                <a:solidFill>
+                  <a:srgbClr val="000000"/>
+                </a:solidFill>
+                <a:highlight>
+                  <a:srgbClr val="FFFFFF"/>
+                </a:highlight>
+                <a:latin typeface="Consolas" panose="020B0609020204030204" pitchFamily="49" charset="0"/>
+                <a:cs typeface="Consolas" panose="020B0609020204030204" pitchFamily="49" charset="0"/>
+              </a:rPr>
+              <a:t> </a:t>
+            </a:r>
+            <a:r>
+              <a:rPr lang="en-US" sz="1600" dirty="0" err="1">
+                <a:solidFill>
+                  <a:srgbClr val="000000"/>
+                </a:solidFill>
+                <a:highlight>
+                  <a:srgbClr val="FFFFFF"/>
+                </a:highlight>
+                <a:latin typeface="Consolas" panose="020B0609020204030204" pitchFamily="49" charset="0"/>
+                <a:cs typeface="Consolas" panose="020B0609020204030204" pitchFamily="49" charset="0"/>
+              </a:rPr>
+              <a:t>menuInfo</a:t>
+            </a:r>
+            <a:r>
+              <a:rPr lang="en-US" sz="1600" b="1" dirty="0">
+                <a:solidFill>
+                  <a:srgbClr val="000080"/>
+                </a:solidFill>
+                <a:highlight>
+                  <a:srgbClr val="FFFFFF"/>
+                </a:highlight>
+                <a:latin typeface="Consolas" panose="020B0609020204030204" pitchFamily="49" charset="0"/>
+                <a:cs typeface="Consolas" panose="020B0609020204030204" pitchFamily="49" charset="0"/>
+              </a:rPr>
+              <a:t>)</a:t>
+            </a:r>
+            <a:r>
+              <a:rPr lang="en-US" sz="1600" dirty="0">
+                <a:solidFill>
+                  <a:srgbClr val="000000"/>
+                </a:solidFill>
+                <a:highlight>
+                  <a:srgbClr val="FFFFFF"/>
+                </a:highlight>
+                <a:latin typeface="Consolas" panose="020B0609020204030204" pitchFamily="49" charset="0"/>
+                <a:cs typeface="Consolas" panose="020B0609020204030204" pitchFamily="49" charset="0"/>
+              </a:rPr>
+              <a:t> </a:t>
+            </a:r>
+            <a:r>
+              <a:rPr lang="en-US" sz="1600" b="1" dirty="0">
+                <a:solidFill>
+                  <a:srgbClr val="000080"/>
+                </a:solidFill>
+                <a:highlight>
+                  <a:srgbClr val="FFFFFF"/>
+                </a:highlight>
+                <a:latin typeface="Consolas" panose="020B0609020204030204" pitchFamily="49" charset="0"/>
+                <a:cs typeface="Consolas" panose="020B0609020204030204" pitchFamily="49" charset="0"/>
+              </a:rPr>
+              <a:t>{</a:t>
+            </a:r>
+            <a:endParaRPr lang="en-US" sz="1600" dirty="0">
+              <a:solidFill>
+                <a:srgbClr val="000000"/>
+              </a:solidFill>
+              <a:highlight>
+                <a:srgbClr val="FFFFFF"/>
+              </a:highlight>
+              <a:latin typeface="Consolas" panose="020B0609020204030204" pitchFamily="49" charset="0"/>
+              <a:cs typeface="Consolas" panose="020B0609020204030204" pitchFamily="49" charset="0"/>
+            </a:endParaRPr>
+          </a:p>
+          <a:p>
+            <a:endParaRPr lang="en-US" sz="1600" dirty="0">
+              <a:solidFill>
+                <a:srgbClr val="000000"/>
+              </a:solidFill>
+              <a:highlight>
+                <a:srgbClr val="FFFFFF"/>
+              </a:highlight>
+              <a:latin typeface="Consolas" panose="020B0609020204030204" pitchFamily="49" charset="0"/>
+              <a:cs typeface="Consolas" panose="020B0609020204030204" pitchFamily="49" charset="0"/>
+            </a:endParaRPr>
+          </a:p>
+          <a:p>
+            <a:r>
+              <a:rPr lang="en-US" sz="1600" dirty="0">
+                <a:solidFill>
+                  <a:srgbClr val="000000"/>
+                </a:solidFill>
+                <a:highlight>
+                  <a:srgbClr val="FFFFFF"/>
+                </a:highlight>
+                <a:latin typeface="Consolas" panose="020B0609020204030204" pitchFamily="49" charset="0"/>
+                <a:cs typeface="Consolas" panose="020B0609020204030204" pitchFamily="49" charset="0"/>
+              </a:rPr>
+              <a:t>    </a:t>
+            </a:r>
+            <a:r>
+              <a:rPr lang="en-US" sz="1600" b="1" dirty="0" err="1">
+                <a:solidFill>
+                  <a:srgbClr val="0000FF"/>
+                </a:solidFill>
+                <a:highlight>
+                  <a:srgbClr val="FFFFFF"/>
+                </a:highlight>
+                <a:latin typeface="Consolas" panose="020B0609020204030204" pitchFamily="49" charset="0"/>
+                <a:cs typeface="Consolas" panose="020B0609020204030204" pitchFamily="49" charset="0"/>
+              </a:rPr>
+              <a:t>super</a:t>
+            </a:r>
+            <a:r>
+              <a:rPr lang="en-US" sz="1600" b="1" dirty="0" err="1">
+                <a:solidFill>
+                  <a:srgbClr val="000080"/>
+                </a:solidFill>
+                <a:highlight>
+                  <a:srgbClr val="FFFFFF"/>
+                </a:highlight>
+                <a:latin typeface="Consolas" panose="020B0609020204030204" pitchFamily="49" charset="0"/>
+                <a:cs typeface="Consolas" panose="020B0609020204030204" pitchFamily="49" charset="0"/>
+              </a:rPr>
+              <a:t>.</a:t>
+            </a:r>
+            <a:r>
+              <a:rPr lang="en-US" sz="1600" dirty="0" err="1">
+                <a:solidFill>
+                  <a:srgbClr val="000000"/>
+                </a:solidFill>
+                <a:highlight>
+                  <a:srgbClr val="FFFFFF"/>
+                </a:highlight>
+                <a:latin typeface="Consolas" panose="020B0609020204030204" pitchFamily="49" charset="0"/>
+                <a:cs typeface="Consolas" panose="020B0609020204030204" pitchFamily="49" charset="0"/>
+              </a:rPr>
+              <a:t>onCreateContextMenu</a:t>
+            </a:r>
+            <a:r>
+              <a:rPr lang="en-US" sz="1600" b="1" dirty="0">
+                <a:solidFill>
+                  <a:srgbClr val="000080"/>
+                </a:solidFill>
+                <a:highlight>
+                  <a:srgbClr val="FFFFFF"/>
+                </a:highlight>
+                <a:latin typeface="Consolas" panose="020B0609020204030204" pitchFamily="49" charset="0"/>
+                <a:cs typeface="Consolas" panose="020B0609020204030204" pitchFamily="49" charset="0"/>
+              </a:rPr>
+              <a:t>(</a:t>
+            </a:r>
+            <a:r>
+              <a:rPr lang="en-US" sz="1600" dirty="0">
+                <a:solidFill>
+                  <a:srgbClr val="000000"/>
+                </a:solidFill>
+                <a:highlight>
+                  <a:srgbClr val="FFFFFF"/>
+                </a:highlight>
+                <a:latin typeface="Consolas" panose="020B0609020204030204" pitchFamily="49" charset="0"/>
+                <a:cs typeface="Consolas" panose="020B0609020204030204" pitchFamily="49" charset="0"/>
+              </a:rPr>
+              <a:t>menu</a:t>
+            </a:r>
+            <a:r>
+              <a:rPr lang="en-US" sz="1600" b="1" dirty="0">
+                <a:solidFill>
+                  <a:srgbClr val="000080"/>
+                </a:solidFill>
+                <a:highlight>
+                  <a:srgbClr val="FFFFFF"/>
+                </a:highlight>
+                <a:latin typeface="Consolas" panose="020B0609020204030204" pitchFamily="49" charset="0"/>
+                <a:cs typeface="Consolas" panose="020B0609020204030204" pitchFamily="49" charset="0"/>
+              </a:rPr>
+              <a:t>,</a:t>
+            </a:r>
+            <a:r>
+              <a:rPr lang="en-US" sz="1600" dirty="0">
+                <a:solidFill>
+                  <a:srgbClr val="000000"/>
+                </a:solidFill>
+                <a:highlight>
+                  <a:srgbClr val="FFFFFF"/>
+                </a:highlight>
+                <a:latin typeface="Consolas" panose="020B0609020204030204" pitchFamily="49" charset="0"/>
+                <a:cs typeface="Consolas" panose="020B0609020204030204" pitchFamily="49" charset="0"/>
+              </a:rPr>
+              <a:t> v</a:t>
+            </a:r>
+            <a:r>
+              <a:rPr lang="en-US" sz="1600" b="1" dirty="0">
+                <a:solidFill>
+                  <a:srgbClr val="000080"/>
+                </a:solidFill>
+                <a:highlight>
+                  <a:srgbClr val="FFFFFF"/>
+                </a:highlight>
+                <a:latin typeface="Consolas" panose="020B0609020204030204" pitchFamily="49" charset="0"/>
+                <a:cs typeface="Consolas" panose="020B0609020204030204" pitchFamily="49" charset="0"/>
+              </a:rPr>
+              <a:t>,</a:t>
+            </a:r>
+            <a:r>
+              <a:rPr lang="en-US" sz="1600" dirty="0">
+                <a:solidFill>
+                  <a:srgbClr val="000000"/>
+                </a:solidFill>
+                <a:highlight>
+                  <a:srgbClr val="FFFFFF"/>
+                </a:highlight>
+                <a:latin typeface="Consolas" panose="020B0609020204030204" pitchFamily="49" charset="0"/>
+                <a:cs typeface="Consolas" panose="020B0609020204030204" pitchFamily="49" charset="0"/>
+              </a:rPr>
+              <a:t> </a:t>
+            </a:r>
+            <a:r>
+              <a:rPr lang="en-US" sz="1600" dirty="0" err="1">
+                <a:solidFill>
+                  <a:srgbClr val="000000"/>
+                </a:solidFill>
+                <a:highlight>
+                  <a:srgbClr val="FFFFFF"/>
+                </a:highlight>
+                <a:latin typeface="Consolas" panose="020B0609020204030204" pitchFamily="49" charset="0"/>
+                <a:cs typeface="Consolas" panose="020B0609020204030204" pitchFamily="49" charset="0"/>
+              </a:rPr>
+              <a:t>menuInfo</a:t>
+            </a:r>
+            <a:r>
+              <a:rPr lang="en-US" sz="1600" b="1" dirty="0">
+                <a:solidFill>
+                  <a:srgbClr val="000080"/>
+                </a:solidFill>
+                <a:highlight>
+                  <a:srgbClr val="FFFFFF"/>
+                </a:highlight>
+                <a:latin typeface="Consolas" panose="020B0609020204030204" pitchFamily="49" charset="0"/>
+                <a:cs typeface="Consolas" panose="020B0609020204030204" pitchFamily="49" charset="0"/>
+              </a:rPr>
+              <a:t>);</a:t>
+            </a:r>
+            <a:endParaRPr lang="en-US" sz="1600" dirty="0">
+              <a:solidFill>
+                <a:srgbClr val="000000"/>
+              </a:solidFill>
+              <a:highlight>
+                <a:srgbClr val="FFFFFF"/>
+              </a:highlight>
+              <a:latin typeface="Consolas" panose="020B0609020204030204" pitchFamily="49" charset="0"/>
+              <a:cs typeface="Consolas" panose="020B0609020204030204" pitchFamily="49" charset="0"/>
+            </a:endParaRPr>
+          </a:p>
+          <a:p>
+            <a:r>
+              <a:rPr lang="en-US" sz="1600" dirty="0">
+                <a:solidFill>
+                  <a:srgbClr val="000000"/>
+                </a:solidFill>
+                <a:highlight>
+                  <a:srgbClr val="FFFFFF"/>
+                </a:highlight>
+                <a:latin typeface="Consolas" panose="020B0609020204030204" pitchFamily="49" charset="0"/>
+                <a:cs typeface="Consolas" panose="020B0609020204030204" pitchFamily="49" charset="0"/>
+              </a:rPr>
+              <a:t>    </a:t>
+            </a:r>
+            <a:r>
+              <a:rPr lang="en-US" sz="1600" dirty="0" err="1">
+                <a:solidFill>
+                  <a:srgbClr val="000000"/>
+                </a:solidFill>
+                <a:highlight>
+                  <a:srgbClr val="FFFFFF"/>
+                </a:highlight>
+                <a:latin typeface="Consolas" panose="020B0609020204030204" pitchFamily="49" charset="0"/>
+                <a:cs typeface="Consolas" panose="020B0609020204030204" pitchFamily="49" charset="0"/>
+              </a:rPr>
+              <a:t>MenuInflater</a:t>
+            </a:r>
+            <a:r>
+              <a:rPr lang="en-US" sz="1600" dirty="0">
+                <a:solidFill>
+                  <a:srgbClr val="000000"/>
+                </a:solidFill>
+                <a:highlight>
+                  <a:srgbClr val="FFFFFF"/>
+                </a:highlight>
+                <a:latin typeface="Consolas" panose="020B0609020204030204" pitchFamily="49" charset="0"/>
+                <a:cs typeface="Consolas" panose="020B0609020204030204" pitchFamily="49" charset="0"/>
+              </a:rPr>
+              <a:t> </a:t>
+            </a:r>
+            <a:r>
+              <a:rPr lang="en-US" sz="1600" dirty="0" err="1">
+                <a:solidFill>
+                  <a:srgbClr val="000000"/>
+                </a:solidFill>
+                <a:highlight>
+                  <a:srgbClr val="FFFFFF"/>
+                </a:highlight>
+                <a:latin typeface="Consolas" panose="020B0609020204030204" pitchFamily="49" charset="0"/>
+                <a:cs typeface="Consolas" panose="020B0609020204030204" pitchFamily="49" charset="0"/>
+              </a:rPr>
+              <a:t>inflater</a:t>
+            </a:r>
+            <a:r>
+              <a:rPr lang="en-US" sz="1600" dirty="0">
+                <a:solidFill>
+                  <a:srgbClr val="000000"/>
+                </a:solidFill>
+                <a:highlight>
+                  <a:srgbClr val="FFFFFF"/>
+                </a:highlight>
+                <a:latin typeface="Consolas" panose="020B0609020204030204" pitchFamily="49" charset="0"/>
+                <a:cs typeface="Consolas" panose="020B0609020204030204" pitchFamily="49" charset="0"/>
+              </a:rPr>
+              <a:t> </a:t>
+            </a:r>
+            <a:r>
+              <a:rPr lang="en-US" sz="1600" b="1" dirty="0">
+                <a:solidFill>
+                  <a:srgbClr val="000080"/>
+                </a:solidFill>
+                <a:highlight>
+                  <a:srgbClr val="FFFFFF"/>
+                </a:highlight>
+                <a:latin typeface="Consolas" panose="020B0609020204030204" pitchFamily="49" charset="0"/>
+                <a:cs typeface="Consolas" panose="020B0609020204030204" pitchFamily="49" charset="0"/>
+              </a:rPr>
+              <a:t>=</a:t>
+            </a:r>
+            <a:r>
+              <a:rPr lang="en-US" sz="1600" dirty="0">
+                <a:solidFill>
+                  <a:srgbClr val="000000"/>
+                </a:solidFill>
+                <a:highlight>
+                  <a:srgbClr val="FFFFFF"/>
+                </a:highlight>
+                <a:latin typeface="Consolas" panose="020B0609020204030204" pitchFamily="49" charset="0"/>
+                <a:cs typeface="Consolas" panose="020B0609020204030204" pitchFamily="49" charset="0"/>
+              </a:rPr>
+              <a:t> </a:t>
+            </a:r>
+            <a:r>
+              <a:rPr lang="en-US" sz="1600" dirty="0" err="1">
+                <a:solidFill>
+                  <a:srgbClr val="000000"/>
+                </a:solidFill>
+                <a:highlight>
+                  <a:srgbClr val="FFFFFF"/>
+                </a:highlight>
+                <a:latin typeface="Consolas" panose="020B0609020204030204" pitchFamily="49" charset="0"/>
+                <a:cs typeface="Consolas" panose="020B0609020204030204" pitchFamily="49" charset="0"/>
+              </a:rPr>
+              <a:t>getMenuInflater</a:t>
+            </a:r>
+            <a:r>
+              <a:rPr lang="en-US" sz="1600" b="1" dirty="0">
+                <a:solidFill>
+                  <a:srgbClr val="000080"/>
+                </a:solidFill>
+                <a:highlight>
+                  <a:srgbClr val="FFFFFF"/>
+                </a:highlight>
+                <a:latin typeface="Consolas" panose="020B0609020204030204" pitchFamily="49" charset="0"/>
+                <a:cs typeface="Consolas" panose="020B0609020204030204" pitchFamily="49" charset="0"/>
+              </a:rPr>
+              <a:t>();</a:t>
+            </a:r>
+            <a:endParaRPr lang="en-US" sz="1600" dirty="0">
+              <a:solidFill>
+                <a:srgbClr val="000000"/>
+              </a:solidFill>
+              <a:highlight>
+                <a:srgbClr val="FFFFFF"/>
+              </a:highlight>
+              <a:latin typeface="Consolas" panose="020B0609020204030204" pitchFamily="49" charset="0"/>
+              <a:cs typeface="Consolas" panose="020B0609020204030204" pitchFamily="49" charset="0"/>
+            </a:endParaRPr>
+          </a:p>
+          <a:p>
+            <a:r>
+              <a:rPr lang="en-US" sz="1600" dirty="0">
+                <a:solidFill>
+                  <a:srgbClr val="000000"/>
+                </a:solidFill>
+                <a:highlight>
+                  <a:srgbClr val="FFFFFF"/>
+                </a:highlight>
+                <a:latin typeface="Consolas" panose="020B0609020204030204" pitchFamily="49" charset="0"/>
+                <a:cs typeface="Consolas" panose="020B0609020204030204" pitchFamily="49" charset="0"/>
+              </a:rPr>
+              <a:t>    </a:t>
+            </a:r>
+            <a:r>
+              <a:rPr lang="en-US" sz="1600" dirty="0" err="1">
+                <a:solidFill>
+                  <a:srgbClr val="000000"/>
+                </a:solidFill>
+                <a:highlight>
+                  <a:srgbClr val="FFFFFF"/>
+                </a:highlight>
+                <a:latin typeface="Consolas" panose="020B0609020204030204" pitchFamily="49" charset="0"/>
+                <a:cs typeface="Consolas" panose="020B0609020204030204" pitchFamily="49" charset="0"/>
+              </a:rPr>
+              <a:t>inflater</a:t>
+            </a:r>
+            <a:r>
+              <a:rPr lang="en-US" sz="1600" b="1" dirty="0" err="1">
+                <a:solidFill>
+                  <a:srgbClr val="000080"/>
+                </a:solidFill>
+                <a:highlight>
+                  <a:srgbClr val="FFFFFF"/>
+                </a:highlight>
+                <a:latin typeface="Consolas" panose="020B0609020204030204" pitchFamily="49" charset="0"/>
+                <a:cs typeface="Consolas" panose="020B0609020204030204" pitchFamily="49" charset="0"/>
+              </a:rPr>
+              <a:t>.</a:t>
+            </a:r>
+            <a:r>
+              <a:rPr lang="en-US" sz="1600" dirty="0" err="1">
+                <a:solidFill>
+                  <a:srgbClr val="000000"/>
+                </a:solidFill>
+                <a:highlight>
+                  <a:srgbClr val="FFFFFF"/>
+                </a:highlight>
+                <a:latin typeface="Consolas" panose="020B0609020204030204" pitchFamily="49" charset="0"/>
+                <a:cs typeface="Consolas" panose="020B0609020204030204" pitchFamily="49" charset="0"/>
+              </a:rPr>
+              <a:t>inflate</a:t>
+            </a:r>
+            <a:r>
+              <a:rPr lang="en-US" sz="1600" b="1" dirty="0">
+                <a:solidFill>
+                  <a:srgbClr val="000080"/>
+                </a:solidFill>
+                <a:highlight>
+                  <a:srgbClr val="FFFFFF"/>
+                </a:highlight>
+                <a:latin typeface="Consolas" panose="020B0609020204030204" pitchFamily="49" charset="0"/>
+                <a:cs typeface="Consolas" panose="020B0609020204030204" pitchFamily="49" charset="0"/>
+              </a:rPr>
+              <a:t>(</a:t>
+            </a:r>
+            <a:r>
+              <a:rPr lang="en-US" sz="1600" dirty="0" err="1">
+                <a:solidFill>
+                  <a:srgbClr val="000000"/>
+                </a:solidFill>
+                <a:highlight>
+                  <a:srgbClr val="FFFFFF"/>
+                </a:highlight>
+                <a:latin typeface="Consolas" panose="020B0609020204030204" pitchFamily="49" charset="0"/>
+                <a:cs typeface="Consolas" panose="020B0609020204030204" pitchFamily="49" charset="0"/>
+              </a:rPr>
+              <a:t>R</a:t>
+            </a:r>
+            <a:r>
+              <a:rPr lang="en-US" sz="1600" b="1" dirty="0" err="1">
+                <a:solidFill>
+                  <a:srgbClr val="000080"/>
+                </a:solidFill>
+                <a:highlight>
+                  <a:srgbClr val="FFFFFF"/>
+                </a:highlight>
+                <a:latin typeface="Consolas" panose="020B0609020204030204" pitchFamily="49" charset="0"/>
+                <a:cs typeface="Consolas" panose="020B0609020204030204" pitchFamily="49" charset="0"/>
+              </a:rPr>
+              <a:t>.</a:t>
+            </a:r>
+            <a:r>
+              <a:rPr lang="en-US" sz="1600" dirty="0" err="1">
+                <a:solidFill>
+                  <a:srgbClr val="000000"/>
+                </a:solidFill>
+                <a:highlight>
+                  <a:srgbClr val="FFFFFF"/>
+                </a:highlight>
+                <a:latin typeface="Consolas" panose="020B0609020204030204" pitchFamily="49" charset="0"/>
+                <a:cs typeface="Consolas" panose="020B0609020204030204" pitchFamily="49" charset="0"/>
+              </a:rPr>
+              <a:t>menu</a:t>
+            </a:r>
+            <a:r>
+              <a:rPr lang="en-US" sz="1600" b="1" dirty="0" err="1">
+                <a:solidFill>
+                  <a:srgbClr val="000080"/>
+                </a:solidFill>
+                <a:highlight>
+                  <a:srgbClr val="FFFFFF"/>
+                </a:highlight>
+                <a:latin typeface="Consolas" panose="020B0609020204030204" pitchFamily="49" charset="0"/>
+                <a:cs typeface="Consolas" panose="020B0609020204030204" pitchFamily="49" charset="0"/>
+              </a:rPr>
+              <a:t>.</a:t>
+            </a:r>
+            <a:r>
+              <a:rPr lang="en-US" sz="1600" dirty="0" err="1">
+                <a:solidFill>
+                  <a:srgbClr val="000000"/>
+                </a:solidFill>
+                <a:highlight>
+                  <a:srgbClr val="FFFFFF"/>
+                </a:highlight>
+                <a:latin typeface="Consolas" panose="020B0609020204030204" pitchFamily="49" charset="0"/>
+                <a:cs typeface="Consolas" panose="020B0609020204030204" pitchFamily="49" charset="0"/>
+              </a:rPr>
+              <a:t>tweet_context_menu</a:t>
+            </a:r>
+            <a:r>
+              <a:rPr lang="en-US" sz="1600" b="1" dirty="0">
+                <a:solidFill>
+                  <a:srgbClr val="000080"/>
+                </a:solidFill>
+                <a:highlight>
+                  <a:srgbClr val="FFFFFF"/>
+                </a:highlight>
+                <a:latin typeface="Consolas" panose="020B0609020204030204" pitchFamily="49" charset="0"/>
+                <a:cs typeface="Consolas" panose="020B0609020204030204" pitchFamily="49" charset="0"/>
+              </a:rPr>
+              <a:t>,</a:t>
+            </a:r>
+            <a:r>
+              <a:rPr lang="en-US" sz="1600" dirty="0">
+                <a:solidFill>
+                  <a:srgbClr val="000000"/>
+                </a:solidFill>
+                <a:highlight>
+                  <a:srgbClr val="FFFFFF"/>
+                </a:highlight>
+                <a:latin typeface="Consolas" panose="020B0609020204030204" pitchFamily="49" charset="0"/>
+                <a:cs typeface="Consolas" panose="020B0609020204030204" pitchFamily="49" charset="0"/>
+              </a:rPr>
+              <a:t> menu</a:t>
+            </a:r>
+            <a:r>
+              <a:rPr lang="en-US" sz="1600" b="1" dirty="0">
+                <a:solidFill>
+                  <a:srgbClr val="000080"/>
+                </a:solidFill>
+                <a:highlight>
+                  <a:srgbClr val="FFFFFF"/>
+                </a:highlight>
+                <a:latin typeface="Consolas" panose="020B0609020204030204" pitchFamily="49" charset="0"/>
+                <a:cs typeface="Consolas" panose="020B0609020204030204" pitchFamily="49" charset="0"/>
+              </a:rPr>
+              <a:t>);</a:t>
+            </a:r>
+            <a:endParaRPr lang="en-US" sz="1600" dirty="0">
+              <a:solidFill>
+                <a:srgbClr val="000000"/>
+              </a:solidFill>
+              <a:highlight>
+                <a:srgbClr val="FFFFFF"/>
+              </a:highlight>
+              <a:latin typeface="Consolas" panose="020B0609020204030204" pitchFamily="49" charset="0"/>
+              <a:cs typeface="Consolas" panose="020B0609020204030204" pitchFamily="49" charset="0"/>
+            </a:endParaRPr>
+          </a:p>
+          <a:p>
+            <a:r>
+              <a:rPr lang="en-US" sz="1600" dirty="0">
+                <a:solidFill>
+                  <a:srgbClr val="000000"/>
+                </a:solidFill>
+                <a:highlight>
+                  <a:srgbClr val="FFFFFF"/>
+                </a:highlight>
+                <a:latin typeface="Consolas" panose="020B0609020204030204" pitchFamily="49" charset="0"/>
+                <a:cs typeface="Consolas" panose="020B0609020204030204" pitchFamily="49" charset="0"/>
+              </a:rPr>
+              <a:t>  </a:t>
+            </a:r>
+            <a:r>
+              <a:rPr lang="en-US" sz="1600" b="1" dirty="0">
+                <a:solidFill>
+                  <a:srgbClr val="000080"/>
+                </a:solidFill>
+                <a:highlight>
+                  <a:srgbClr val="FFFFFF"/>
+                </a:highlight>
+                <a:latin typeface="Consolas" panose="020B0609020204030204" pitchFamily="49" charset="0"/>
+                <a:cs typeface="Consolas" panose="020B0609020204030204" pitchFamily="49" charset="0"/>
+              </a:rPr>
+              <a:t>}</a:t>
+            </a:r>
+            <a:endParaRPr lang="en-US" sz="1600" dirty="0">
+              <a:solidFill>
+                <a:srgbClr val="000000"/>
+              </a:solidFill>
+              <a:highlight>
+                <a:srgbClr val="FFFFFF"/>
+              </a:highlight>
+              <a:latin typeface="Consolas" panose="020B0609020204030204" pitchFamily="49" charset="0"/>
+              <a:cs typeface="Consolas" panose="020B0609020204030204" pitchFamily="49" charset="0"/>
+            </a:endParaRPr>
+          </a:p>
+          <a:p>
+            <a:r>
+              <a:rPr lang="en-US" sz="1600" b="1" dirty="0">
+                <a:solidFill>
+                  <a:srgbClr val="000080"/>
+                </a:solidFill>
+                <a:highlight>
+                  <a:srgbClr val="FFFFFF"/>
+                </a:highlight>
+                <a:latin typeface="Consolas" panose="020B0609020204030204" pitchFamily="49" charset="0"/>
+                <a:cs typeface="Consolas" panose="020B0609020204030204" pitchFamily="49" charset="0"/>
+              </a:rPr>
+              <a:t>}</a:t>
+            </a:r>
+            <a:endParaRPr lang="en-US" sz="1600" b="1" dirty="0">
+              <a:latin typeface="Consolas" panose="020B0609020204030204" pitchFamily="49" charset="0"/>
+              <a:cs typeface="Consolas" panose="020B0609020204030204" pitchFamily="49" charset="0"/>
+            </a:endParaRPr>
+          </a:p>
+        </p:txBody>
+      </p:sp>
+    </p:spTree>
+    <p:extLst>
+      <p:ext uri="{BB962C8B-B14F-4D97-AF65-F5344CB8AC3E}">
+        <p14:creationId xmlns:p14="http://schemas.microsoft.com/office/powerpoint/2010/main" val="672383848"/>
+      </p:ext>
+    </p:extLst>
+  </p:cSld>
+  <p:clrMapOvr>
+    <a:masterClrMapping/>
+  </p:clrMapOvr>
+  <p:timing>
+    <p:tnLst>
+      <p:par>
+        <p:cTn id="1" dur="indefinite" restart="never" nodeType="tmRoot"/>
+      </p:par>
+    </p:tnLst>
+  </p:timing>
+</p:sld>
+</file>
+
+<file path=ppt/slides/slide15.xml><?xml version="1.0" encoding="utf-8"?>
+<p:sld xmlns:a="http://schemas.openxmlformats.org/drawingml/2006/main" xmlns:r="http://schemas.openxmlformats.org/officeDocument/2006/relationships" xmlns:p="http://schemas.openxmlformats.org/presentationml/2006/main">
+  <p:cSld>
+    <p:spTree>
+      <p:nvGrpSpPr>
+        <p:cNvPr id="1" name=""/>
+        <p:cNvGrpSpPr/>
+        <p:nvPr/>
+      </p:nvGrpSpPr>
+      <p:grpSpPr>
+        <a:xfrm>
+          <a:off x="0" y="0"/>
+          <a:ext cx="0" cy="0"/>
+          <a:chOff x="0" y="0"/>
+          <a:chExt cx="0" cy="0"/>
+        </a:xfrm>
+      </p:grpSpPr>
+      <p:sp>
+        <p:nvSpPr>
+          <p:cNvPr id="2" name="Title 1"/>
+          <p:cNvSpPr>
+            <a:spLocks noGrp="1"/>
+          </p:cNvSpPr>
+          <p:nvPr>
+            <p:ph type="title"/>
+          </p:nvPr>
+        </p:nvSpPr>
+        <p:spPr/>
+        <p:txBody>
+          <a:bodyPr/>
+          <a:lstStyle/>
+          <a:p>
+            <a:r>
+              <a:rPr lang="en-US" dirty="0" smtClean="0"/>
+              <a:t>Inflating the Menu</a:t>
+            </a:r>
+            <a:endParaRPr lang="en-US" dirty="0"/>
+          </a:p>
+        </p:txBody>
+      </p:sp>
+      <p:sp>
+        <p:nvSpPr>
+          <p:cNvPr id="3" name="Content Placeholder 2"/>
+          <p:cNvSpPr>
+            <a:spLocks noGrp="1"/>
+          </p:cNvSpPr>
+          <p:nvPr>
+            <p:ph idx="1"/>
+          </p:nvPr>
+        </p:nvSpPr>
+        <p:spPr/>
+        <p:txBody>
+          <a:bodyPr/>
+          <a:lstStyle/>
+          <a:p>
+            <a:r>
+              <a:rPr lang="en-US" dirty="0" smtClean="0"/>
+              <a:t>Step </a:t>
+            </a:r>
+            <a:r>
+              <a:rPr lang="en-US" dirty="0" smtClean="0"/>
+              <a:t>4 </a:t>
+            </a:r>
+            <a:r>
+              <a:rPr lang="en-US" dirty="0"/>
+              <a:t>– </a:t>
+            </a:r>
+            <a:r>
+              <a:rPr lang="en-US" dirty="0" smtClean="0"/>
+              <a:t>Register the context menu for the </a:t>
+            </a:r>
+            <a:r>
+              <a:rPr lang="en-US" dirty="0" err="1" smtClean="0"/>
+              <a:t>ListView</a:t>
+            </a:r>
+            <a:r>
+              <a:rPr lang="en-US" dirty="0" smtClean="0"/>
+              <a:t> object</a:t>
+            </a:r>
+            <a:endParaRPr lang="en-US" i="1" dirty="0"/>
+          </a:p>
+        </p:txBody>
+      </p:sp>
+      <p:sp>
+        <p:nvSpPr>
+          <p:cNvPr id="4" name="Slide Number Placeholder 3"/>
+          <p:cNvSpPr>
+            <a:spLocks noGrp="1"/>
+          </p:cNvSpPr>
+          <p:nvPr>
+            <p:ph type="sldNum" sz="quarter" idx="12"/>
+          </p:nvPr>
+        </p:nvSpPr>
+        <p:spPr/>
+        <p:txBody>
+          <a:bodyPr/>
+          <a:lstStyle/>
+          <a:p>
+            <a:fld id="{52DB1A75-B9BE-46B1-B482-5F96E51FA4B2}" type="slidenum">
+              <a:rPr lang="en-US" smtClean="0"/>
+              <a:t>15</a:t>
+            </a:fld>
+            <a:endParaRPr lang="en-US" dirty="0"/>
+          </a:p>
+        </p:txBody>
+      </p:sp>
+      <p:sp>
+        <p:nvSpPr>
+          <p:cNvPr id="5" name="TextBox 4"/>
+          <p:cNvSpPr txBox="1"/>
+          <p:nvPr/>
+        </p:nvSpPr>
+        <p:spPr>
+          <a:xfrm>
+            <a:off x="1480114" y="2462799"/>
+            <a:ext cx="6019597" cy="2800767"/>
+          </a:xfrm>
+          <a:prstGeom prst="rect">
+            <a:avLst/>
+          </a:prstGeom>
+        </p:spPr>
+        <p:style>
+          <a:lnRef idx="2">
+            <a:schemeClr val="dk1"/>
+          </a:lnRef>
+          <a:fillRef idx="1">
+            <a:schemeClr val="lt1"/>
+          </a:fillRef>
+          <a:effectRef idx="0">
+            <a:schemeClr val="dk1"/>
+          </a:effectRef>
+          <a:fontRef idx="minor">
+            <a:schemeClr val="dk1"/>
+          </a:fontRef>
+        </p:style>
+        <p:txBody>
+          <a:bodyPr wrap="none" rtlCol="0">
+            <a:spAutoFit/>
+          </a:bodyPr>
+          <a:lstStyle/>
+          <a:p>
+            <a:r>
+              <a:rPr lang="en-US" sz="1600" dirty="0">
+                <a:solidFill>
+                  <a:srgbClr val="000000"/>
+                </a:solidFill>
+                <a:highlight>
+                  <a:srgbClr val="FFFFFF"/>
+                </a:highlight>
+                <a:latin typeface="Consolas" panose="020B0609020204030204" pitchFamily="49" charset="0"/>
+                <a:cs typeface="Consolas" panose="020B0609020204030204" pitchFamily="49" charset="0"/>
+              </a:rPr>
+              <a:t>@Override</a:t>
+            </a:r>
+          </a:p>
+          <a:p>
+            <a:r>
+              <a:rPr lang="en-US" sz="1600" dirty="0">
+                <a:solidFill>
+                  <a:srgbClr val="8000FF"/>
+                </a:solidFill>
+                <a:highlight>
+                  <a:srgbClr val="FFFFFF"/>
+                </a:highlight>
+                <a:latin typeface="Consolas" panose="020B0609020204030204" pitchFamily="49" charset="0"/>
+                <a:cs typeface="Consolas" panose="020B0609020204030204" pitchFamily="49" charset="0"/>
+              </a:rPr>
+              <a:t>protected</a:t>
+            </a:r>
+            <a:r>
+              <a:rPr lang="en-US" sz="1600" dirty="0">
+                <a:solidFill>
+                  <a:srgbClr val="000000"/>
+                </a:solidFill>
+                <a:highlight>
+                  <a:srgbClr val="FFFFFF"/>
+                </a:highlight>
+                <a:latin typeface="Consolas" panose="020B0609020204030204" pitchFamily="49" charset="0"/>
+                <a:cs typeface="Consolas" panose="020B0609020204030204" pitchFamily="49" charset="0"/>
+              </a:rPr>
+              <a:t> </a:t>
+            </a:r>
+            <a:r>
+              <a:rPr lang="en-US" sz="1600" dirty="0">
+                <a:solidFill>
+                  <a:srgbClr val="8000FF"/>
+                </a:solidFill>
+                <a:highlight>
+                  <a:srgbClr val="FFFFFF"/>
+                </a:highlight>
+                <a:latin typeface="Consolas" panose="020B0609020204030204" pitchFamily="49" charset="0"/>
+                <a:cs typeface="Consolas" panose="020B0609020204030204" pitchFamily="49" charset="0"/>
+              </a:rPr>
+              <a:t>void</a:t>
+            </a:r>
+            <a:r>
+              <a:rPr lang="en-US" sz="1600" dirty="0">
+                <a:solidFill>
+                  <a:srgbClr val="000000"/>
+                </a:solidFill>
+                <a:highlight>
+                  <a:srgbClr val="FFFFFF"/>
+                </a:highlight>
+                <a:latin typeface="Consolas" panose="020B0609020204030204" pitchFamily="49" charset="0"/>
+                <a:cs typeface="Consolas" panose="020B0609020204030204" pitchFamily="49" charset="0"/>
+              </a:rPr>
+              <a:t> </a:t>
+            </a:r>
+            <a:r>
+              <a:rPr lang="en-US" sz="1600" dirty="0" err="1">
+                <a:solidFill>
+                  <a:srgbClr val="000000"/>
+                </a:solidFill>
+                <a:highlight>
+                  <a:srgbClr val="FFFFFF"/>
+                </a:highlight>
+                <a:latin typeface="Consolas" panose="020B0609020204030204" pitchFamily="49" charset="0"/>
+                <a:cs typeface="Consolas" panose="020B0609020204030204" pitchFamily="49" charset="0"/>
+              </a:rPr>
+              <a:t>onCreate</a:t>
+            </a:r>
+            <a:r>
+              <a:rPr lang="en-US" sz="1600" b="1" dirty="0">
+                <a:solidFill>
+                  <a:srgbClr val="000080"/>
+                </a:solidFill>
+                <a:highlight>
+                  <a:srgbClr val="FFFFFF"/>
+                </a:highlight>
+                <a:latin typeface="Consolas" panose="020B0609020204030204" pitchFamily="49" charset="0"/>
+                <a:cs typeface="Consolas" panose="020B0609020204030204" pitchFamily="49" charset="0"/>
+              </a:rPr>
+              <a:t>(</a:t>
+            </a:r>
+            <a:r>
+              <a:rPr lang="en-US" sz="1600" dirty="0">
+                <a:solidFill>
+                  <a:srgbClr val="000000"/>
+                </a:solidFill>
+                <a:highlight>
+                  <a:srgbClr val="FFFFFF"/>
+                </a:highlight>
+                <a:latin typeface="Consolas" panose="020B0609020204030204" pitchFamily="49" charset="0"/>
+                <a:cs typeface="Consolas" panose="020B0609020204030204" pitchFamily="49" charset="0"/>
+              </a:rPr>
+              <a:t>Bundle </a:t>
+            </a:r>
+            <a:r>
+              <a:rPr lang="en-US" sz="1600" dirty="0" err="1">
+                <a:solidFill>
+                  <a:srgbClr val="000000"/>
+                </a:solidFill>
+                <a:highlight>
+                  <a:srgbClr val="FFFFFF"/>
+                </a:highlight>
+                <a:latin typeface="Consolas" panose="020B0609020204030204" pitchFamily="49" charset="0"/>
+                <a:cs typeface="Consolas" panose="020B0609020204030204" pitchFamily="49" charset="0"/>
+              </a:rPr>
+              <a:t>savedInstanceState</a:t>
+            </a:r>
+            <a:r>
+              <a:rPr lang="en-US" sz="1600" b="1" dirty="0">
+                <a:solidFill>
+                  <a:srgbClr val="000080"/>
+                </a:solidFill>
+                <a:highlight>
+                  <a:srgbClr val="FFFFFF"/>
+                </a:highlight>
+                <a:latin typeface="Consolas" panose="020B0609020204030204" pitchFamily="49" charset="0"/>
+                <a:cs typeface="Consolas" panose="020B0609020204030204" pitchFamily="49" charset="0"/>
+              </a:rPr>
+              <a:t>)</a:t>
+            </a:r>
+            <a:r>
+              <a:rPr lang="en-US" sz="1600" dirty="0">
+                <a:solidFill>
+                  <a:srgbClr val="000000"/>
+                </a:solidFill>
+                <a:highlight>
+                  <a:srgbClr val="FFFFFF"/>
+                </a:highlight>
+                <a:latin typeface="Consolas" panose="020B0609020204030204" pitchFamily="49" charset="0"/>
+                <a:cs typeface="Consolas" panose="020B0609020204030204" pitchFamily="49" charset="0"/>
+              </a:rPr>
+              <a:t> </a:t>
+            </a:r>
+            <a:r>
+              <a:rPr lang="en-US" sz="1600" b="1" dirty="0">
+                <a:solidFill>
+                  <a:srgbClr val="000080"/>
+                </a:solidFill>
+                <a:highlight>
+                  <a:srgbClr val="FFFFFF"/>
+                </a:highlight>
+                <a:latin typeface="Consolas" panose="020B0609020204030204" pitchFamily="49" charset="0"/>
+                <a:cs typeface="Consolas" panose="020B0609020204030204" pitchFamily="49" charset="0"/>
+              </a:rPr>
+              <a:t>{</a:t>
+            </a:r>
+            <a:endParaRPr lang="en-US" sz="1600" dirty="0">
+              <a:solidFill>
+                <a:srgbClr val="000000"/>
+              </a:solidFill>
+              <a:highlight>
+                <a:srgbClr val="FFFFFF"/>
+              </a:highlight>
+              <a:latin typeface="Consolas" panose="020B0609020204030204" pitchFamily="49" charset="0"/>
+              <a:cs typeface="Consolas" panose="020B0609020204030204" pitchFamily="49" charset="0"/>
+            </a:endParaRPr>
+          </a:p>
+          <a:p>
+            <a:r>
+              <a:rPr lang="en-US" sz="1600" dirty="0">
+                <a:solidFill>
+                  <a:srgbClr val="000000"/>
+                </a:solidFill>
+                <a:highlight>
+                  <a:srgbClr val="FFFFFF"/>
+                </a:highlight>
+                <a:latin typeface="Consolas" panose="020B0609020204030204" pitchFamily="49" charset="0"/>
+                <a:cs typeface="Consolas" panose="020B0609020204030204" pitchFamily="49" charset="0"/>
+              </a:rPr>
+              <a:t>  </a:t>
+            </a:r>
+            <a:r>
+              <a:rPr lang="en-US" sz="1600" b="1" dirty="0" err="1">
+                <a:solidFill>
+                  <a:srgbClr val="0000FF"/>
+                </a:solidFill>
+                <a:highlight>
+                  <a:srgbClr val="FFFFFF"/>
+                </a:highlight>
+                <a:latin typeface="Consolas" panose="020B0609020204030204" pitchFamily="49" charset="0"/>
+                <a:cs typeface="Consolas" panose="020B0609020204030204" pitchFamily="49" charset="0"/>
+              </a:rPr>
+              <a:t>super</a:t>
+            </a:r>
+            <a:r>
+              <a:rPr lang="en-US" sz="1600" b="1" dirty="0" err="1">
+                <a:solidFill>
+                  <a:srgbClr val="000080"/>
+                </a:solidFill>
+                <a:highlight>
+                  <a:srgbClr val="FFFFFF"/>
+                </a:highlight>
+                <a:latin typeface="Consolas" panose="020B0609020204030204" pitchFamily="49" charset="0"/>
+                <a:cs typeface="Consolas" panose="020B0609020204030204" pitchFamily="49" charset="0"/>
+              </a:rPr>
+              <a:t>.</a:t>
+            </a:r>
+            <a:r>
+              <a:rPr lang="en-US" sz="1600" dirty="0" err="1">
+                <a:solidFill>
+                  <a:srgbClr val="000000"/>
+                </a:solidFill>
+                <a:highlight>
+                  <a:srgbClr val="FFFFFF"/>
+                </a:highlight>
+                <a:latin typeface="Consolas" panose="020B0609020204030204" pitchFamily="49" charset="0"/>
+                <a:cs typeface="Consolas" panose="020B0609020204030204" pitchFamily="49" charset="0"/>
+              </a:rPr>
+              <a:t>onCreate</a:t>
+            </a:r>
+            <a:r>
+              <a:rPr lang="en-US" sz="1600" b="1" dirty="0">
+                <a:solidFill>
+                  <a:srgbClr val="000080"/>
+                </a:solidFill>
+                <a:highlight>
+                  <a:srgbClr val="FFFFFF"/>
+                </a:highlight>
+                <a:latin typeface="Consolas" panose="020B0609020204030204" pitchFamily="49" charset="0"/>
+                <a:cs typeface="Consolas" panose="020B0609020204030204" pitchFamily="49" charset="0"/>
+              </a:rPr>
+              <a:t>(</a:t>
+            </a:r>
+            <a:r>
+              <a:rPr lang="en-US" sz="1600" dirty="0" err="1">
+                <a:solidFill>
+                  <a:srgbClr val="000000"/>
+                </a:solidFill>
+                <a:highlight>
+                  <a:srgbClr val="FFFFFF"/>
+                </a:highlight>
+                <a:latin typeface="Consolas" panose="020B0609020204030204" pitchFamily="49" charset="0"/>
+                <a:cs typeface="Consolas" panose="020B0609020204030204" pitchFamily="49" charset="0"/>
+              </a:rPr>
+              <a:t>savedInstanceState</a:t>
+            </a:r>
+            <a:r>
+              <a:rPr lang="en-US" sz="1600" b="1" dirty="0">
+                <a:solidFill>
+                  <a:srgbClr val="000080"/>
+                </a:solidFill>
+                <a:highlight>
+                  <a:srgbClr val="FFFFFF"/>
+                </a:highlight>
+                <a:latin typeface="Consolas" panose="020B0609020204030204" pitchFamily="49" charset="0"/>
+                <a:cs typeface="Consolas" panose="020B0609020204030204" pitchFamily="49" charset="0"/>
+              </a:rPr>
+              <a:t>);</a:t>
+            </a:r>
+            <a:endParaRPr lang="en-US" sz="1600" dirty="0">
+              <a:solidFill>
+                <a:srgbClr val="000000"/>
+              </a:solidFill>
+              <a:highlight>
+                <a:srgbClr val="FFFFFF"/>
+              </a:highlight>
+              <a:latin typeface="Consolas" panose="020B0609020204030204" pitchFamily="49" charset="0"/>
+              <a:cs typeface="Consolas" panose="020B0609020204030204" pitchFamily="49" charset="0"/>
+            </a:endParaRPr>
+          </a:p>
+          <a:p>
+            <a:endParaRPr lang="en-US" sz="1600" dirty="0">
+              <a:solidFill>
+                <a:srgbClr val="000000"/>
+              </a:solidFill>
+              <a:highlight>
+                <a:srgbClr val="FFFFFF"/>
+              </a:highlight>
+              <a:latin typeface="Consolas" panose="020B0609020204030204" pitchFamily="49" charset="0"/>
+              <a:cs typeface="Consolas" panose="020B0609020204030204" pitchFamily="49" charset="0"/>
+            </a:endParaRPr>
+          </a:p>
+          <a:p>
+            <a:r>
+              <a:rPr lang="en-US" sz="1600" dirty="0">
+                <a:solidFill>
+                  <a:srgbClr val="000000"/>
+                </a:solidFill>
+                <a:highlight>
+                  <a:srgbClr val="FFFFFF"/>
+                </a:highlight>
+                <a:latin typeface="Consolas" panose="020B0609020204030204" pitchFamily="49" charset="0"/>
+                <a:cs typeface="Consolas" panose="020B0609020204030204" pitchFamily="49" charset="0"/>
+              </a:rPr>
+              <a:t>  </a:t>
+            </a:r>
+            <a:r>
+              <a:rPr lang="en-US" sz="1600" dirty="0">
+                <a:solidFill>
+                  <a:srgbClr val="008000"/>
+                </a:solidFill>
+                <a:highlight>
+                  <a:srgbClr val="FFFFFF"/>
+                </a:highlight>
+                <a:latin typeface="Consolas" panose="020B0609020204030204" pitchFamily="49" charset="0"/>
+                <a:cs typeface="Consolas" panose="020B0609020204030204" pitchFamily="49" charset="0"/>
+              </a:rPr>
+              <a:t>// ...</a:t>
+            </a:r>
+          </a:p>
+          <a:p>
+            <a:endParaRPr lang="en-US" sz="1600" dirty="0">
+              <a:solidFill>
+                <a:srgbClr val="000000"/>
+              </a:solidFill>
+              <a:highlight>
+                <a:srgbClr val="FFFFFF"/>
+              </a:highlight>
+              <a:latin typeface="Consolas" panose="020B0609020204030204" pitchFamily="49" charset="0"/>
+              <a:cs typeface="Consolas" panose="020B0609020204030204" pitchFamily="49" charset="0"/>
+            </a:endParaRPr>
+          </a:p>
+          <a:p>
+            <a:r>
+              <a:rPr lang="en-US" sz="1600" dirty="0">
+                <a:solidFill>
+                  <a:srgbClr val="000000"/>
+                </a:solidFill>
+                <a:highlight>
+                  <a:srgbClr val="FFFFFF"/>
+                </a:highlight>
+                <a:latin typeface="Consolas" panose="020B0609020204030204" pitchFamily="49" charset="0"/>
+                <a:cs typeface="Consolas" panose="020B0609020204030204" pitchFamily="49" charset="0"/>
+              </a:rPr>
+              <a:t>  </a:t>
+            </a:r>
+            <a:r>
+              <a:rPr lang="en-US" sz="1600" dirty="0">
+                <a:solidFill>
+                  <a:srgbClr val="008000"/>
+                </a:solidFill>
+                <a:highlight>
+                  <a:srgbClr val="FFFFFF"/>
+                </a:highlight>
+                <a:latin typeface="Consolas" panose="020B0609020204030204" pitchFamily="49" charset="0"/>
+                <a:cs typeface="Consolas" panose="020B0609020204030204" pitchFamily="49" charset="0"/>
+              </a:rPr>
+              <a:t>// Register context menu for </a:t>
+            </a:r>
+            <a:r>
+              <a:rPr lang="en-US" sz="1600" dirty="0" err="1">
+                <a:solidFill>
+                  <a:srgbClr val="008000"/>
+                </a:solidFill>
+                <a:highlight>
+                  <a:srgbClr val="FFFFFF"/>
+                </a:highlight>
+                <a:latin typeface="Consolas" panose="020B0609020204030204" pitchFamily="49" charset="0"/>
+                <a:cs typeface="Consolas" panose="020B0609020204030204" pitchFamily="49" charset="0"/>
+              </a:rPr>
+              <a:t>listview</a:t>
+            </a:r>
+            <a:endParaRPr lang="en-US" sz="1600" dirty="0">
+              <a:solidFill>
+                <a:srgbClr val="008000"/>
+              </a:solidFill>
+              <a:highlight>
+                <a:srgbClr val="FFFFFF"/>
+              </a:highlight>
+              <a:latin typeface="Consolas" panose="020B0609020204030204" pitchFamily="49" charset="0"/>
+              <a:cs typeface="Consolas" panose="020B0609020204030204" pitchFamily="49" charset="0"/>
+            </a:endParaRPr>
+          </a:p>
+          <a:p>
+            <a:r>
+              <a:rPr lang="en-US" sz="1600" dirty="0">
+                <a:solidFill>
+                  <a:srgbClr val="000000"/>
+                </a:solidFill>
+                <a:highlight>
+                  <a:srgbClr val="FFFFFF"/>
+                </a:highlight>
+                <a:latin typeface="Consolas" panose="020B0609020204030204" pitchFamily="49" charset="0"/>
+                <a:cs typeface="Consolas" panose="020B0609020204030204" pitchFamily="49" charset="0"/>
+              </a:rPr>
+              <a:t>  </a:t>
+            </a:r>
+            <a:r>
+              <a:rPr lang="en-US" sz="1600" dirty="0" err="1">
+                <a:solidFill>
+                  <a:srgbClr val="000000"/>
+                </a:solidFill>
+                <a:highlight>
+                  <a:srgbClr val="FFFFFF"/>
+                </a:highlight>
+                <a:latin typeface="Consolas" panose="020B0609020204030204" pitchFamily="49" charset="0"/>
+                <a:cs typeface="Consolas" panose="020B0609020204030204" pitchFamily="49" charset="0"/>
+              </a:rPr>
+              <a:t>registerForContextMenu</a:t>
+            </a:r>
+            <a:r>
+              <a:rPr lang="en-US" sz="1600" b="1" dirty="0">
+                <a:solidFill>
+                  <a:srgbClr val="000080"/>
+                </a:solidFill>
+                <a:highlight>
+                  <a:srgbClr val="FFFFFF"/>
+                </a:highlight>
+                <a:latin typeface="Consolas" panose="020B0609020204030204" pitchFamily="49" charset="0"/>
+                <a:cs typeface="Consolas" panose="020B0609020204030204" pitchFamily="49" charset="0"/>
+              </a:rPr>
+              <a:t>(</a:t>
+            </a:r>
+            <a:r>
+              <a:rPr lang="en-US" sz="1600" b="1" dirty="0" err="1">
+                <a:solidFill>
+                  <a:srgbClr val="0000FF"/>
+                </a:solidFill>
+                <a:highlight>
+                  <a:srgbClr val="FFFFFF"/>
+                </a:highlight>
+                <a:latin typeface="Consolas" panose="020B0609020204030204" pitchFamily="49" charset="0"/>
+                <a:cs typeface="Consolas" panose="020B0609020204030204" pitchFamily="49" charset="0"/>
+              </a:rPr>
+              <a:t>this</a:t>
+            </a:r>
+            <a:r>
+              <a:rPr lang="en-US" sz="1600" b="1" dirty="0" err="1">
+                <a:solidFill>
+                  <a:srgbClr val="000080"/>
+                </a:solidFill>
+                <a:highlight>
+                  <a:srgbClr val="FFFFFF"/>
+                </a:highlight>
+                <a:latin typeface="Consolas" panose="020B0609020204030204" pitchFamily="49" charset="0"/>
+                <a:cs typeface="Consolas" panose="020B0609020204030204" pitchFamily="49" charset="0"/>
+              </a:rPr>
+              <a:t>.</a:t>
+            </a:r>
+            <a:r>
+              <a:rPr lang="en-US" sz="1600" dirty="0" err="1">
+                <a:solidFill>
+                  <a:srgbClr val="000000"/>
+                </a:solidFill>
+                <a:highlight>
+                  <a:srgbClr val="FFFFFF"/>
+                </a:highlight>
+                <a:latin typeface="Consolas" panose="020B0609020204030204" pitchFamily="49" charset="0"/>
+                <a:cs typeface="Consolas" panose="020B0609020204030204" pitchFamily="49" charset="0"/>
+              </a:rPr>
+              <a:t>getListView</a:t>
+            </a:r>
+            <a:r>
+              <a:rPr lang="en-US" sz="1600" b="1" dirty="0">
+                <a:solidFill>
+                  <a:srgbClr val="000080"/>
+                </a:solidFill>
+                <a:highlight>
+                  <a:srgbClr val="FFFFFF"/>
+                </a:highlight>
+                <a:latin typeface="Consolas" panose="020B0609020204030204" pitchFamily="49" charset="0"/>
+                <a:cs typeface="Consolas" panose="020B0609020204030204" pitchFamily="49" charset="0"/>
+              </a:rPr>
+              <a:t>());</a:t>
+            </a:r>
+            <a:endParaRPr lang="en-US" sz="1600" dirty="0">
+              <a:solidFill>
+                <a:srgbClr val="000000"/>
+              </a:solidFill>
+              <a:highlight>
+                <a:srgbClr val="FFFFFF"/>
+              </a:highlight>
+              <a:latin typeface="Consolas" panose="020B0609020204030204" pitchFamily="49" charset="0"/>
+              <a:cs typeface="Consolas" panose="020B0609020204030204" pitchFamily="49" charset="0"/>
+            </a:endParaRPr>
+          </a:p>
+          <a:p>
+            <a:endParaRPr lang="en-US" sz="1600" dirty="0">
+              <a:solidFill>
+                <a:srgbClr val="000000"/>
+              </a:solidFill>
+              <a:highlight>
+                <a:srgbClr val="FFFFFF"/>
+              </a:highlight>
+              <a:latin typeface="Consolas" panose="020B0609020204030204" pitchFamily="49" charset="0"/>
+              <a:cs typeface="Consolas" panose="020B0609020204030204" pitchFamily="49" charset="0"/>
+            </a:endParaRPr>
+          </a:p>
+          <a:p>
+            <a:r>
+              <a:rPr lang="en-US" sz="1600" dirty="0">
+                <a:solidFill>
+                  <a:srgbClr val="000000"/>
+                </a:solidFill>
+                <a:highlight>
+                  <a:srgbClr val="FFFFFF"/>
+                </a:highlight>
+                <a:latin typeface="Consolas" panose="020B0609020204030204" pitchFamily="49" charset="0"/>
+                <a:cs typeface="Consolas" panose="020B0609020204030204" pitchFamily="49" charset="0"/>
+              </a:rPr>
+              <a:t>  </a:t>
+            </a:r>
+            <a:r>
+              <a:rPr lang="en-US" sz="1600" dirty="0">
+                <a:solidFill>
+                  <a:srgbClr val="008000"/>
+                </a:solidFill>
+                <a:highlight>
+                  <a:srgbClr val="FFFFFF"/>
+                </a:highlight>
+                <a:latin typeface="Consolas" panose="020B0609020204030204" pitchFamily="49" charset="0"/>
+                <a:cs typeface="Consolas" panose="020B0609020204030204" pitchFamily="49" charset="0"/>
+              </a:rPr>
+              <a:t>// ...</a:t>
+            </a:r>
+          </a:p>
+          <a:p>
+            <a:r>
+              <a:rPr lang="en-US" sz="1600" b="1" dirty="0">
+                <a:solidFill>
+                  <a:srgbClr val="000080"/>
+                </a:solidFill>
+                <a:highlight>
+                  <a:srgbClr val="FFFFFF"/>
+                </a:highlight>
+                <a:latin typeface="Consolas" panose="020B0609020204030204" pitchFamily="49" charset="0"/>
+                <a:cs typeface="Consolas" panose="020B0609020204030204" pitchFamily="49" charset="0"/>
+              </a:rPr>
+              <a:t>}</a:t>
+            </a:r>
+            <a:endParaRPr lang="en-US" sz="1600" b="1" dirty="0">
+              <a:latin typeface="Consolas" panose="020B0609020204030204" pitchFamily="49" charset="0"/>
+              <a:cs typeface="Consolas" panose="020B0609020204030204" pitchFamily="49" charset="0"/>
+            </a:endParaRPr>
+          </a:p>
+        </p:txBody>
+      </p:sp>
+    </p:spTree>
+    <p:extLst>
+      <p:ext uri="{BB962C8B-B14F-4D97-AF65-F5344CB8AC3E}">
+        <p14:creationId xmlns:p14="http://schemas.microsoft.com/office/powerpoint/2010/main" val="2462902483"/>
+      </p:ext>
+    </p:extLst>
+  </p:cSld>
+  <p:clrMapOvr>
+    <a:masterClrMapping/>
+  </p:clrMapOvr>
+  <p:timing>
+    <p:tnLst>
+      <p:par>
+        <p:cTn id="1" dur="indefinite" restart="never" nodeType="tmRoot"/>
+      </p:par>
+    </p:tnLst>
+  </p:timing>
+</p:sld>
+</file>
+
+<file path=ppt/slides/slide16.xml><?xml version="1.0" encoding="utf-8"?>
+<p:sld xmlns:a="http://schemas.openxmlformats.org/drawingml/2006/main" xmlns:r="http://schemas.openxmlformats.org/officeDocument/2006/relationships" xmlns:p="http://schemas.openxmlformats.org/presentationml/2006/main">
+  <p:cSld>
+    <p:spTree>
+      <p:nvGrpSpPr>
+        <p:cNvPr id="1" name=""/>
+        <p:cNvGrpSpPr/>
+        <p:nvPr/>
+      </p:nvGrpSpPr>
+      <p:grpSpPr>
+        <a:xfrm>
+          <a:off x="0" y="0"/>
+          <a:ext cx="0" cy="0"/>
+          <a:chOff x="0" y="0"/>
+          <a:chExt cx="0" cy="0"/>
+        </a:xfrm>
+      </p:grpSpPr>
+      <p:sp>
+        <p:nvSpPr>
+          <p:cNvPr id="2" name="Title 1"/>
+          <p:cNvSpPr>
+            <a:spLocks noGrp="1"/>
+          </p:cNvSpPr>
+          <p:nvPr>
+            <p:ph type="title"/>
+          </p:nvPr>
+        </p:nvSpPr>
+        <p:spPr/>
+        <p:txBody>
+          <a:bodyPr/>
+          <a:lstStyle/>
+          <a:p>
+            <a:r>
+              <a:rPr lang="en-US" dirty="0" smtClean="0"/>
+              <a:t>Handling the Menu Click Events</a:t>
+            </a:r>
+            <a:endParaRPr lang="en-US" dirty="0"/>
+          </a:p>
+        </p:txBody>
+      </p:sp>
+      <p:sp>
+        <p:nvSpPr>
+          <p:cNvPr id="3" name="Content Placeholder 2"/>
+          <p:cNvSpPr>
+            <a:spLocks noGrp="1"/>
+          </p:cNvSpPr>
+          <p:nvPr>
+            <p:ph idx="1"/>
+          </p:nvPr>
+        </p:nvSpPr>
+        <p:spPr/>
+        <p:txBody>
+          <a:bodyPr/>
+          <a:lstStyle/>
+          <a:p>
+            <a:r>
+              <a:rPr lang="en-US" dirty="0" smtClean="0"/>
+              <a:t>Step </a:t>
+            </a:r>
+            <a:r>
+              <a:rPr lang="en-US" dirty="0" smtClean="0"/>
+              <a:t>5 </a:t>
+            </a:r>
+            <a:r>
+              <a:rPr lang="en-US" dirty="0" smtClean="0"/>
+              <a:t>– Handle the menu click </a:t>
+            </a:r>
+            <a:r>
+              <a:rPr lang="en-US" dirty="0" smtClean="0"/>
+              <a:t>events</a:t>
+            </a:r>
+          </a:p>
+          <a:p>
+            <a:pPr lvl="1"/>
+            <a:r>
+              <a:rPr lang="en-US" dirty="0" smtClean="0"/>
+              <a:t>Needs to be </a:t>
+            </a:r>
+            <a:r>
+              <a:rPr lang="en-US" dirty="0"/>
+              <a:t>done in the </a:t>
+            </a:r>
+            <a:r>
+              <a:rPr lang="en-US" dirty="0" err="1" smtClean="0"/>
+              <a:t>onContextItemSelected</a:t>
+            </a:r>
+            <a:r>
+              <a:rPr lang="en-US" dirty="0" smtClean="0"/>
+              <a:t>() method</a:t>
+            </a:r>
+            <a:endParaRPr lang="en-US" dirty="0" smtClean="0"/>
+          </a:p>
+        </p:txBody>
+      </p:sp>
+      <p:sp>
+        <p:nvSpPr>
+          <p:cNvPr id="4" name="Slide Number Placeholder 3"/>
+          <p:cNvSpPr>
+            <a:spLocks noGrp="1"/>
+          </p:cNvSpPr>
+          <p:nvPr>
+            <p:ph type="sldNum" sz="quarter" idx="12"/>
+          </p:nvPr>
+        </p:nvSpPr>
+        <p:spPr/>
+        <p:txBody>
+          <a:bodyPr/>
+          <a:lstStyle/>
+          <a:p>
+            <a:fld id="{52DB1A75-B9BE-46B1-B482-5F96E51FA4B2}" type="slidenum">
+              <a:rPr lang="en-US" smtClean="0"/>
+              <a:t>16</a:t>
+            </a:fld>
+            <a:endParaRPr lang="en-US" dirty="0"/>
+          </a:p>
+        </p:txBody>
+      </p:sp>
+      <p:sp>
+        <p:nvSpPr>
+          <p:cNvPr id="5" name="TextBox 4"/>
+          <p:cNvSpPr txBox="1"/>
+          <p:nvPr/>
+        </p:nvSpPr>
+        <p:spPr>
+          <a:xfrm>
+            <a:off x="103469" y="2405879"/>
+            <a:ext cx="8937062" cy="4278094"/>
+          </a:xfrm>
+          <a:prstGeom prst="rect">
+            <a:avLst/>
+          </a:prstGeom>
+        </p:spPr>
+        <p:style>
+          <a:lnRef idx="2">
+            <a:schemeClr val="dk1"/>
+          </a:lnRef>
+          <a:fillRef idx="1">
+            <a:schemeClr val="lt1"/>
+          </a:fillRef>
+          <a:effectRef idx="0">
+            <a:schemeClr val="dk1"/>
+          </a:effectRef>
+          <a:fontRef idx="minor">
+            <a:schemeClr val="dk1"/>
+          </a:fontRef>
+        </p:style>
+        <p:txBody>
+          <a:bodyPr wrap="none" rtlCol="0">
+            <a:spAutoFit/>
+          </a:bodyPr>
+          <a:lstStyle/>
+          <a:p>
+            <a:r>
+              <a:rPr lang="en-US" sz="1600" dirty="0">
+                <a:solidFill>
+                  <a:srgbClr val="000000"/>
+                </a:solidFill>
+                <a:highlight>
+                  <a:srgbClr val="FFFFFF"/>
+                </a:highlight>
+                <a:latin typeface="Consolas" panose="020B0609020204030204" pitchFamily="49" charset="0"/>
+                <a:cs typeface="Consolas" panose="020B0609020204030204" pitchFamily="49" charset="0"/>
+              </a:rPr>
+              <a:t>@Override</a:t>
+            </a:r>
+          </a:p>
+          <a:p>
+            <a:r>
+              <a:rPr lang="en-US" sz="1600" dirty="0">
+                <a:solidFill>
+                  <a:srgbClr val="8000FF"/>
+                </a:solidFill>
+                <a:highlight>
+                  <a:srgbClr val="FFFFFF"/>
+                </a:highlight>
+                <a:latin typeface="Consolas" panose="020B0609020204030204" pitchFamily="49" charset="0"/>
+                <a:cs typeface="Consolas" panose="020B0609020204030204" pitchFamily="49" charset="0"/>
+              </a:rPr>
+              <a:t>public</a:t>
+            </a:r>
+            <a:r>
+              <a:rPr lang="en-US" sz="1600" dirty="0">
+                <a:solidFill>
+                  <a:srgbClr val="000000"/>
+                </a:solidFill>
+                <a:highlight>
+                  <a:srgbClr val="FFFFFF"/>
+                </a:highlight>
+                <a:latin typeface="Consolas" panose="020B0609020204030204" pitchFamily="49" charset="0"/>
+                <a:cs typeface="Consolas" panose="020B0609020204030204" pitchFamily="49" charset="0"/>
+              </a:rPr>
+              <a:t> </a:t>
+            </a:r>
+            <a:r>
+              <a:rPr lang="en-US" sz="1600" dirty="0" err="1">
+                <a:solidFill>
+                  <a:srgbClr val="8000FF"/>
+                </a:solidFill>
+                <a:highlight>
+                  <a:srgbClr val="FFFFFF"/>
+                </a:highlight>
+                <a:latin typeface="Consolas" panose="020B0609020204030204" pitchFamily="49" charset="0"/>
+                <a:cs typeface="Consolas" panose="020B0609020204030204" pitchFamily="49" charset="0"/>
+              </a:rPr>
+              <a:t>boolean</a:t>
+            </a:r>
+            <a:r>
+              <a:rPr lang="en-US" sz="1600" dirty="0">
+                <a:solidFill>
+                  <a:srgbClr val="000000"/>
+                </a:solidFill>
+                <a:highlight>
+                  <a:srgbClr val="FFFFFF"/>
+                </a:highlight>
+                <a:latin typeface="Consolas" panose="020B0609020204030204" pitchFamily="49" charset="0"/>
+                <a:cs typeface="Consolas" panose="020B0609020204030204" pitchFamily="49" charset="0"/>
+              </a:rPr>
+              <a:t> </a:t>
+            </a:r>
+            <a:r>
+              <a:rPr lang="en-US" sz="1600" dirty="0" err="1">
+                <a:solidFill>
+                  <a:srgbClr val="000000"/>
+                </a:solidFill>
+                <a:highlight>
+                  <a:srgbClr val="FFFFFF"/>
+                </a:highlight>
+                <a:latin typeface="Consolas" panose="020B0609020204030204" pitchFamily="49" charset="0"/>
+                <a:cs typeface="Consolas" panose="020B0609020204030204" pitchFamily="49" charset="0"/>
+              </a:rPr>
+              <a:t>onContextItemSelected</a:t>
+            </a:r>
+            <a:r>
+              <a:rPr lang="en-US" sz="1600" b="1" dirty="0">
+                <a:solidFill>
+                  <a:srgbClr val="000080"/>
+                </a:solidFill>
+                <a:highlight>
+                  <a:srgbClr val="FFFFFF"/>
+                </a:highlight>
+                <a:latin typeface="Consolas" panose="020B0609020204030204" pitchFamily="49" charset="0"/>
+                <a:cs typeface="Consolas" panose="020B0609020204030204" pitchFamily="49" charset="0"/>
+              </a:rPr>
+              <a:t>(</a:t>
+            </a:r>
+            <a:r>
+              <a:rPr lang="en-US" sz="1600" dirty="0" err="1">
+                <a:solidFill>
+                  <a:srgbClr val="000000"/>
+                </a:solidFill>
+                <a:highlight>
+                  <a:srgbClr val="FFFFFF"/>
+                </a:highlight>
+                <a:latin typeface="Consolas" panose="020B0609020204030204" pitchFamily="49" charset="0"/>
+                <a:cs typeface="Consolas" panose="020B0609020204030204" pitchFamily="49" charset="0"/>
+              </a:rPr>
+              <a:t>MenuItem</a:t>
+            </a:r>
+            <a:r>
+              <a:rPr lang="en-US" sz="1600" dirty="0">
+                <a:solidFill>
+                  <a:srgbClr val="000000"/>
+                </a:solidFill>
+                <a:highlight>
+                  <a:srgbClr val="FFFFFF"/>
+                </a:highlight>
+                <a:latin typeface="Consolas" panose="020B0609020204030204" pitchFamily="49" charset="0"/>
+                <a:cs typeface="Consolas" panose="020B0609020204030204" pitchFamily="49" charset="0"/>
+              </a:rPr>
+              <a:t> item</a:t>
+            </a:r>
+            <a:r>
+              <a:rPr lang="en-US" sz="1600" b="1" dirty="0">
+                <a:solidFill>
+                  <a:srgbClr val="000080"/>
+                </a:solidFill>
+                <a:highlight>
+                  <a:srgbClr val="FFFFFF"/>
+                </a:highlight>
+                <a:latin typeface="Consolas" panose="020B0609020204030204" pitchFamily="49" charset="0"/>
+                <a:cs typeface="Consolas" panose="020B0609020204030204" pitchFamily="49" charset="0"/>
+              </a:rPr>
+              <a:t>)</a:t>
+            </a:r>
+            <a:r>
+              <a:rPr lang="en-US" sz="1600" dirty="0">
+                <a:solidFill>
+                  <a:srgbClr val="000000"/>
+                </a:solidFill>
+                <a:highlight>
+                  <a:srgbClr val="FFFFFF"/>
+                </a:highlight>
+                <a:latin typeface="Consolas" panose="020B0609020204030204" pitchFamily="49" charset="0"/>
+                <a:cs typeface="Consolas" panose="020B0609020204030204" pitchFamily="49" charset="0"/>
+              </a:rPr>
+              <a:t> </a:t>
+            </a:r>
+            <a:r>
+              <a:rPr lang="en-US" sz="1600" b="1" dirty="0">
+                <a:solidFill>
+                  <a:srgbClr val="000080"/>
+                </a:solidFill>
+                <a:highlight>
+                  <a:srgbClr val="FFFFFF"/>
+                </a:highlight>
+                <a:latin typeface="Consolas" panose="020B0609020204030204" pitchFamily="49" charset="0"/>
+                <a:cs typeface="Consolas" panose="020B0609020204030204" pitchFamily="49" charset="0"/>
+              </a:rPr>
+              <a:t>{</a:t>
+            </a:r>
+            <a:endParaRPr lang="en-US" sz="1600" dirty="0">
+              <a:solidFill>
+                <a:srgbClr val="000000"/>
+              </a:solidFill>
+              <a:highlight>
+                <a:srgbClr val="FFFFFF"/>
+              </a:highlight>
+              <a:latin typeface="Consolas" panose="020B0609020204030204" pitchFamily="49" charset="0"/>
+              <a:cs typeface="Consolas" panose="020B0609020204030204" pitchFamily="49" charset="0"/>
+            </a:endParaRPr>
+          </a:p>
+          <a:p>
+            <a:r>
+              <a:rPr lang="en-US" sz="1600" dirty="0">
+                <a:solidFill>
+                  <a:srgbClr val="000000"/>
+                </a:solidFill>
+                <a:highlight>
+                  <a:srgbClr val="FFFFFF"/>
+                </a:highlight>
+                <a:latin typeface="Consolas" panose="020B0609020204030204" pitchFamily="49" charset="0"/>
+                <a:cs typeface="Consolas" panose="020B0609020204030204" pitchFamily="49" charset="0"/>
+              </a:rPr>
+              <a:t>    </a:t>
+            </a:r>
+            <a:r>
+              <a:rPr lang="en-US" sz="1600" dirty="0">
+                <a:solidFill>
+                  <a:srgbClr val="008000"/>
+                </a:solidFill>
+                <a:highlight>
+                  <a:srgbClr val="FFFFFF"/>
+                </a:highlight>
+                <a:latin typeface="Consolas" panose="020B0609020204030204" pitchFamily="49" charset="0"/>
+                <a:cs typeface="Consolas" panose="020B0609020204030204" pitchFamily="49" charset="0"/>
+              </a:rPr>
+              <a:t>// Get info on selected item</a:t>
+            </a:r>
+            <a:endParaRPr lang="en-US" sz="1600" dirty="0" smtClean="0">
+              <a:solidFill>
+                <a:srgbClr val="000000"/>
+              </a:solidFill>
+              <a:highlight>
+                <a:srgbClr val="FFFFFF"/>
+              </a:highlight>
+              <a:latin typeface="Consolas" panose="020B0609020204030204" pitchFamily="49" charset="0"/>
+              <a:cs typeface="Consolas" panose="020B0609020204030204" pitchFamily="49" charset="0"/>
+            </a:endParaRPr>
+          </a:p>
+          <a:p>
+            <a:r>
+              <a:rPr lang="en-US" sz="1600" dirty="0">
+                <a:solidFill>
+                  <a:srgbClr val="000000"/>
+                </a:solidFill>
+                <a:highlight>
+                  <a:srgbClr val="FFFFFF"/>
+                </a:highlight>
+                <a:latin typeface="Consolas" panose="020B0609020204030204" pitchFamily="49" charset="0"/>
+                <a:cs typeface="Consolas" panose="020B0609020204030204" pitchFamily="49" charset="0"/>
+              </a:rPr>
+              <a:t> </a:t>
+            </a:r>
+            <a:r>
+              <a:rPr lang="en-US" sz="1600" dirty="0" smtClean="0">
+                <a:solidFill>
+                  <a:srgbClr val="000000"/>
+                </a:solidFill>
+                <a:highlight>
+                  <a:srgbClr val="FFFFFF"/>
+                </a:highlight>
+                <a:latin typeface="Consolas" panose="020B0609020204030204" pitchFamily="49" charset="0"/>
+                <a:cs typeface="Consolas" panose="020B0609020204030204" pitchFamily="49" charset="0"/>
+              </a:rPr>
+              <a:t>   </a:t>
+            </a:r>
+            <a:r>
+              <a:rPr lang="en-US" sz="1600" dirty="0" err="1" smtClean="0">
+                <a:solidFill>
+                  <a:srgbClr val="000000"/>
+                </a:solidFill>
+                <a:highlight>
+                  <a:srgbClr val="FFFFFF"/>
+                </a:highlight>
+                <a:latin typeface="Consolas" panose="020B0609020204030204" pitchFamily="49" charset="0"/>
+                <a:cs typeface="Consolas" panose="020B0609020204030204" pitchFamily="49" charset="0"/>
+              </a:rPr>
+              <a:t>AdapterContextMenuInfo</a:t>
+            </a:r>
+            <a:r>
+              <a:rPr lang="en-US" sz="1600" dirty="0" smtClean="0">
+                <a:solidFill>
+                  <a:srgbClr val="000000"/>
+                </a:solidFill>
+                <a:highlight>
+                  <a:srgbClr val="FFFFFF"/>
+                </a:highlight>
+                <a:latin typeface="Consolas" panose="020B0609020204030204" pitchFamily="49" charset="0"/>
+                <a:cs typeface="Consolas" panose="020B0609020204030204" pitchFamily="49" charset="0"/>
+              </a:rPr>
+              <a:t> </a:t>
+            </a:r>
+            <a:r>
+              <a:rPr lang="en-US" sz="1600" dirty="0">
+                <a:solidFill>
+                  <a:srgbClr val="000000"/>
+                </a:solidFill>
+                <a:highlight>
+                  <a:srgbClr val="FFFFFF"/>
+                </a:highlight>
+                <a:latin typeface="Consolas" panose="020B0609020204030204" pitchFamily="49" charset="0"/>
+                <a:cs typeface="Consolas" panose="020B0609020204030204" pitchFamily="49" charset="0"/>
+              </a:rPr>
+              <a:t>info </a:t>
+            </a:r>
+            <a:r>
+              <a:rPr lang="en-US" sz="1600" b="1" dirty="0">
+                <a:solidFill>
+                  <a:srgbClr val="000080"/>
+                </a:solidFill>
+                <a:highlight>
+                  <a:srgbClr val="FFFFFF"/>
+                </a:highlight>
+                <a:latin typeface="Consolas" panose="020B0609020204030204" pitchFamily="49" charset="0"/>
+                <a:cs typeface="Consolas" panose="020B0609020204030204" pitchFamily="49" charset="0"/>
+              </a:rPr>
+              <a:t>=</a:t>
+            </a:r>
+            <a:r>
+              <a:rPr lang="en-US" sz="1600" dirty="0">
+                <a:solidFill>
+                  <a:srgbClr val="000000"/>
+                </a:solidFill>
+                <a:highlight>
+                  <a:srgbClr val="FFFFFF"/>
+                </a:highlight>
+                <a:latin typeface="Consolas" panose="020B0609020204030204" pitchFamily="49" charset="0"/>
+                <a:cs typeface="Consolas" panose="020B0609020204030204" pitchFamily="49" charset="0"/>
+              </a:rPr>
+              <a:t> </a:t>
+            </a:r>
+            <a:r>
+              <a:rPr lang="en-US" sz="1600" b="1" dirty="0">
+                <a:solidFill>
+                  <a:srgbClr val="000080"/>
+                </a:solidFill>
+                <a:highlight>
+                  <a:srgbClr val="FFFFFF"/>
+                </a:highlight>
+                <a:latin typeface="Consolas" panose="020B0609020204030204" pitchFamily="49" charset="0"/>
+                <a:cs typeface="Consolas" panose="020B0609020204030204" pitchFamily="49" charset="0"/>
+              </a:rPr>
+              <a:t>(</a:t>
+            </a:r>
+            <a:r>
+              <a:rPr lang="en-US" sz="1600" dirty="0" err="1">
+                <a:solidFill>
+                  <a:srgbClr val="000000"/>
+                </a:solidFill>
+                <a:highlight>
+                  <a:srgbClr val="FFFFFF"/>
+                </a:highlight>
+                <a:latin typeface="Consolas" panose="020B0609020204030204" pitchFamily="49" charset="0"/>
+                <a:cs typeface="Consolas" panose="020B0609020204030204" pitchFamily="49" charset="0"/>
+              </a:rPr>
+              <a:t>AdapterContextMenuInfo</a:t>
+            </a:r>
+            <a:r>
+              <a:rPr lang="en-US" sz="1600" b="1" dirty="0">
+                <a:solidFill>
+                  <a:srgbClr val="000080"/>
+                </a:solidFill>
+                <a:highlight>
+                  <a:srgbClr val="FFFFFF"/>
+                </a:highlight>
+                <a:latin typeface="Consolas" panose="020B0609020204030204" pitchFamily="49" charset="0"/>
+                <a:cs typeface="Consolas" panose="020B0609020204030204" pitchFamily="49" charset="0"/>
+              </a:rPr>
+              <a:t>)</a:t>
+            </a:r>
+            <a:r>
+              <a:rPr lang="en-US" sz="1600" dirty="0">
+                <a:solidFill>
+                  <a:srgbClr val="000000"/>
+                </a:solidFill>
+                <a:highlight>
+                  <a:srgbClr val="FFFFFF"/>
+                </a:highlight>
+                <a:latin typeface="Consolas" panose="020B0609020204030204" pitchFamily="49" charset="0"/>
+                <a:cs typeface="Consolas" panose="020B0609020204030204" pitchFamily="49" charset="0"/>
+              </a:rPr>
+              <a:t> </a:t>
+            </a:r>
+            <a:r>
+              <a:rPr lang="en-US" sz="1600" dirty="0" err="1">
+                <a:solidFill>
+                  <a:srgbClr val="000000"/>
+                </a:solidFill>
+                <a:highlight>
+                  <a:srgbClr val="FFFFFF"/>
+                </a:highlight>
+                <a:latin typeface="Consolas" panose="020B0609020204030204" pitchFamily="49" charset="0"/>
+                <a:cs typeface="Consolas" panose="020B0609020204030204" pitchFamily="49" charset="0"/>
+              </a:rPr>
+              <a:t>item</a:t>
+            </a:r>
+            <a:r>
+              <a:rPr lang="en-US" sz="1600" b="1" dirty="0" err="1">
+                <a:solidFill>
+                  <a:srgbClr val="000080"/>
+                </a:solidFill>
+                <a:highlight>
+                  <a:srgbClr val="FFFFFF"/>
+                </a:highlight>
+                <a:latin typeface="Consolas" panose="020B0609020204030204" pitchFamily="49" charset="0"/>
+                <a:cs typeface="Consolas" panose="020B0609020204030204" pitchFamily="49" charset="0"/>
+              </a:rPr>
+              <a:t>.</a:t>
+            </a:r>
+            <a:r>
+              <a:rPr lang="en-US" sz="1600" dirty="0" err="1">
+                <a:solidFill>
+                  <a:srgbClr val="000000"/>
+                </a:solidFill>
+                <a:highlight>
+                  <a:srgbClr val="FFFFFF"/>
+                </a:highlight>
+                <a:latin typeface="Consolas" panose="020B0609020204030204" pitchFamily="49" charset="0"/>
+                <a:cs typeface="Consolas" panose="020B0609020204030204" pitchFamily="49" charset="0"/>
+              </a:rPr>
+              <a:t>getMenuInfo</a:t>
+            </a:r>
+            <a:r>
+              <a:rPr lang="en-US" sz="1600" b="1" dirty="0">
+                <a:solidFill>
+                  <a:srgbClr val="000080"/>
+                </a:solidFill>
+                <a:highlight>
+                  <a:srgbClr val="FFFFFF"/>
+                </a:highlight>
+                <a:latin typeface="Consolas" panose="020B0609020204030204" pitchFamily="49" charset="0"/>
+                <a:cs typeface="Consolas" panose="020B0609020204030204" pitchFamily="49" charset="0"/>
+              </a:rPr>
+              <a:t>();</a:t>
+            </a:r>
+            <a:endParaRPr lang="en-US" sz="1600" dirty="0">
+              <a:solidFill>
+                <a:srgbClr val="000000"/>
+              </a:solidFill>
+              <a:highlight>
+                <a:srgbClr val="FFFFFF"/>
+              </a:highlight>
+              <a:latin typeface="Consolas" panose="020B0609020204030204" pitchFamily="49" charset="0"/>
+              <a:cs typeface="Consolas" panose="020B0609020204030204" pitchFamily="49" charset="0"/>
+            </a:endParaRPr>
+          </a:p>
+          <a:p>
+            <a:r>
+              <a:rPr lang="en-US" sz="1600" dirty="0">
+                <a:solidFill>
+                  <a:srgbClr val="000000"/>
+                </a:solidFill>
+                <a:highlight>
+                  <a:srgbClr val="FFFFFF"/>
+                </a:highlight>
+                <a:latin typeface="Consolas" panose="020B0609020204030204" pitchFamily="49" charset="0"/>
+                <a:cs typeface="Consolas" panose="020B0609020204030204" pitchFamily="49" charset="0"/>
+              </a:rPr>
+              <a:t>    </a:t>
+            </a:r>
+            <a:r>
+              <a:rPr lang="en-US" sz="1600" b="1" dirty="0">
+                <a:solidFill>
+                  <a:srgbClr val="0000FF"/>
+                </a:solidFill>
+                <a:highlight>
+                  <a:srgbClr val="FFFFFF"/>
+                </a:highlight>
+                <a:latin typeface="Consolas" panose="020B0609020204030204" pitchFamily="49" charset="0"/>
+                <a:cs typeface="Consolas" panose="020B0609020204030204" pitchFamily="49" charset="0"/>
+              </a:rPr>
+              <a:t>switch</a:t>
+            </a:r>
+            <a:r>
+              <a:rPr lang="en-US" sz="1600" dirty="0">
+                <a:solidFill>
+                  <a:srgbClr val="000000"/>
+                </a:solidFill>
+                <a:highlight>
+                  <a:srgbClr val="FFFFFF"/>
+                </a:highlight>
+                <a:latin typeface="Consolas" panose="020B0609020204030204" pitchFamily="49" charset="0"/>
+                <a:cs typeface="Consolas" panose="020B0609020204030204" pitchFamily="49" charset="0"/>
+              </a:rPr>
+              <a:t> </a:t>
+            </a:r>
+            <a:r>
+              <a:rPr lang="en-US" sz="1600" b="1" dirty="0">
+                <a:solidFill>
+                  <a:srgbClr val="000080"/>
+                </a:solidFill>
+                <a:highlight>
+                  <a:srgbClr val="FFFFFF"/>
+                </a:highlight>
+                <a:latin typeface="Consolas" panose="020B0609020204030204" pitchFamily="49" charset="0"/>
+                <a:cs typeface="Consolas" panose="020B0609020204030204" pitchFamily="49" charset="0"/>
+              </a:rPr>
+              <a:t>(</a:t>
+            </a:r>
+            <a:r>
+              <a:rPr lang="en-US" sz="1600" dirty="0" err="1">
+                <a:solidFill>
+                  <a:srgbClr val="000000"/>
+                </a:solidFill>
+                <a:highlight>
+                  <a:srgbClr val="FFFFFF"/>
+                </a:highlight>
+                <a:latin typeface="Consolas" panose="020B0609020204030204" pitchFamily="49" charset="0"/>
+                <a:cs typeface="Consolas" panose="020B0609020204030204" pitchFamily="49" charset="0"/>
+              </a:rPr>
+              <a:t>item</a:t>
+            </a:r>
+            <a:r>
+              <a:rPr lang="en-US" sz="1600" b="1" dirty="0" err="1">
+                <a:solidFill>
+                  <a:srgbClr val="000080"/>
+                </a:solidFill>
+                <a:highlight>
+                  <a:srgbClr val="FFFFFF"/>
+                </a:highlight>
+                <a:latin typeface="Consolas" panose="020B0609020204030204" pitchFamily="49" charset="0"/>
+                <a:cs typeface="Consolas" panose="020B0609020204030204" pitchFamily="49" charset="0"/>
+              </a:rPr>
+              <a:t>.</a:t>
+            </a:r>
+            <a:r>
+              <a:rPr lang="en-US" sz="1600" dirty="0" err="1">
+                <a:solidFill>
+                  <a:srgbClr val="000000"/>
+                </a:solidFill>
+                <a:highlight>
+                  <a:srgbClr val="FFFFFF"/>
+                </a:highlight>
+                <a:latin typeface="Consolas" panose="020B0609020204030204" pitchFamily="49" charset="0"/>
+                <a:cs typeface="Consolas" panose="020B0609020204030204" pitchFamily="49" charset="0"/>
+              </a:rPr>
+              <a:t>getItemId</a:t>
+            </a:r>
+            <a:r>
+              <a:rPr lang="en-US" sz="1600" b="1" dirty="0">
+                <a:solidFill>
+                  <a:srgbClr val="000080"/>
+                </a:solidFill>
+                <a:highlight>
+                  <a:srgbClr val="FFFFFF"/>
+                </a:highlight>
+                <a:latin typeface="Consolas" panose="020B0609020204030204" pitchFamily="49" charset="0"/>
+                <a:cs typeface="Consolas" panose="020B0609020204030204" pitchFamily="49" charset="0"/>
+              </a:rPr>
+              <a:t>())</a:t>
+            </a:r>
+            <a:r>
+              <a:rPr lang="en-US" sz="1600" dirty="0">
+                <a:solidFill>
+                  <a:srgbClr val="000000"/>
+                </a:solidFill>
+                <a:highlight>
+                  <a:srgbClr val="FFFFFF"/>
+                </a:highlight>
+                <a:latin typeface="Consolas" panose="020B0609020204030204" pitchFamily="49" charset="0"/>
+                <a:cs typeface="Consolas" panose="020B0609020204030204" pitchFamily="49" charset="0"/>
+              </a:rPr>
+              <a:t> </a:t>
+            </a:r>
+            <a:r>
+              <a:rPr lang="en-US" sz="1600" b="1" dirty="0">
+                <a:solidFill>
+                  <a:srgbClr val="000080"/>
+                </a:solidFill>
+                <a:highlight>
+                  <a:srgbClr val="FFFFFF"/>
+                </a:highlight>
+                <a:latin typeface="Consolas" panose="020B0609020204030204" pitchFamily="49" charset="0"/>
+                <a:cs typeface="Consolas" panose="020B0609020204030204" pitchFamily="49" charset="0"/>
+              </a:rPr>
+              <a:t>{</a:t>
+            </a:r>
+            <a:endParaRPr lang="en-US" sz="1600" dirty="0">
+              <a:solidFill>
+                <a:srgbClr val="000000"/>
+              </a:solidFill>
+              <a:highlight>
+                <a:srgbClr val="FFFFFF"/>
+              </a:highlight>
+              <a:latin typeface="Consolas" panose="020B0609020204030204" pitchFamily="49" charset="0"/>
+              <a:cs typeface="Consolas" panose="020B0609020204030204" pitchFamily="49" charset="0"/>
+            </a:endParaRPr>
+          </a:p>
+          <a:p>
+            <a:r>
+              <a:rPr lang="en-US" sz="1600" dirty="0">
+                <a:solidFill>
+                  <a:srgbClr val="000000"/>
+                </a:solidFill>
+                <a:highlight>
+                  <a:srgbClr val="FFFFFF"/>
+                </a:highlight>
+                <a:latin typeface="Consolas" panose="020B0609020204030204" pitchFamily="49" charset="0"/>
+                <a:cs typeface="Consolas" panose="020B0609020204030204" pitchFamily="49" charset="0"/>
+              </a:rPr>
+              <a:t>        </a:t>
+            </a:r>
+            <a:r>
+              <a:rPr lang="en-US" sz="1600" b="1" dirty="0">
+                <a:solidFill>
+                  <a:srgbClr val="0000FF"/>
+                </a:solidFill>
+                <a:highlight>
+                  <a:srgbClr val="FFFFFF"/>
+                </a:highlight>
+                <a:latin typeface="Consolas" panose="020B0609020204030204" pitchFamily="49" charset="0"/>
+                <a:cs typeface="Consolas" panose="020B0609020204030204" pitchFamily="49" charset="0"/>
+              </a:rPr>
+              <a:t>case</a:t>
+            </a:r>
+            <a:r>
+              <a:rPr lang="en-US" sz="1600" dirty="0">
+                <a:solidFill>
+                  <a:srgbClr val="000000"/>
+                </a:solidFill>
+                <a:highlight>
+                  <a:srgbClr val="FFFFFF"/>
+                </a:highlight>
+                <a:latin typeface="Consolas" panose="020B0609020204030204" pitchFamily="49" charset="0"/>
+                <a:cs typeface="Consolas" panose="020B0609020204030204" pitchFamily="49" charset="0"/>
+              </a:rPr>
+              <a:t> </a:t>
+            </a:r>
+            <a:r>
+              <a:rPr lang="en-US" sz="1600" dirty="0" err="1">
+                <a:solidFill>
+                  <a:srgbClr val="000000"/>
+                </a:solidFill>
+                <a:highlight>
+                  <a:srgbClr val="FFFFFF"/>
+                </a:highlight>
+                <a:latin typeface="Consolas" panose="020B0609020204030204" pitchFamily="49" charset="0"/>
+                <a:cs typeface="Consolas" panose="020B0609020204030204" pitchFamily="49" charset="0"/>
+              </a:rPr>
+              <a:t>R</a:t>
+            </a:r>
+            <a:r>
+              <a:rPr lang="en-US" sz="1600" b="1" dirty="0" err="1">
+                <a:solidFill>
+                  <a:srgbClr val="000080"/>
+                </a:solidFill>
+                <a:highlight>
+                  <a:srgbClr val="FFFFFF"/>
+                </a:highlight>
+                <a:latin typeface="Consolas" panose="020B0609020204030204" pitchFamily="49" charset="0"/>
+                <a:cs typeface="Consolas" panose="020B0609020204030204" pitchFamily="49" charset="0"/>
+              </a:rPr>
+              <a:t>.</a:t>
+            </a:r>
+            <a:r>
+              <a:rPr lang="en-US" sz="1600" dirty="0" err="1">
+                <a:solidFill>
+                  <a:srgbClr val="000000"/>
+                </a:solidFill>
+                <a:highlight>
+                  <a:srgbClr val="FFFFFF"/>
+                </a:highlight>
+                <a:latin typeface="Consolas" panose="020B0609020204030204" pitchFamily="49" charset="0"/>
+                <a:cs typeface="Consolas" panose="020B0609020204030204" pitchFamily="49" charset="0"/>
+              </a:rPr>
+              <a:t>id</a:t>
+            </a:r>
+            <a:r>
+              <a:rPr lang="en-US" sz="1600" b="1" dirty="0" err="1">
+                <a:solidFill>
+                  <a:srgbClr val="000080"/>
+                </a:solidFill>
+                <a:highlight>
+                  <a:srgbClr val="FFFFFF"/>
+                </a:highlight>
+                <a:latin typeface="Consolas" panose="020B0609020204030204" pitchFamily="49" charset="0"/>
+                <a:cs typeface="Consolas" panose="020B0609020204030204" pitchFamily="49" charset="0"/>
+              </a:rPr>
+              <a:t>.</a:t>
+            </a:r>
+            <a:r>
+              <a:rPr lang="en-US" sz="1600" dirty="0" err="1">
+                <a:solidFill>
+                  <a:srgbClr val="000000"/>
+                </a:solidFill>
+                <a:highlight>
+                  <a:srgbClr val="FFFFFF"/>
+                </a:highlight>
+                <a:latin typeface="Consolas" panose="020B0609020204030204" pitchFamily="49" charset="0"/>
+                <a:cs typeface="Consolas" panose="020B0609020204030204" pitchFamily="49" charset="0"/>
+              </a:rPr>
+              <a:t>delete_tweet</a:t>
+            </a:r>
+            <a:r>
+              <a:rPr lang="en-US" sz="1600" b="1" dirty="0">
+                <a:solidFill>
+                  <a:srgbClr val="000080"/>
+                </a:solidFill>
+                <a:highlight>
+                  <a:srgbClr val="FFFFFF"/>
+                </a:highlight>
+                <a:latin typeface="Consolas" panose="020B0609020204030204" pitchFamily="49" charset="0"/>
+                <a:cs typeface="Consolas" panose="020B0609020204030204" pitchFamily="49" charset="0"/>
+              </a:rPr>
+              <a:t>:</a:t>
+            </a:r>
+            <a:endParaRPr lang="en-US" sz="1600" dirty="0">
+              <a:solidFill>
+                <a:srgbClr val="000000"/>
+              </a:solidFill>
+              <a:highlight>
+                <a:srgbClr val="FFFFFF"/>
+              </a:highlight>
+              <a:latin typeface="Consolas" panose="020B0609020204030204" pitchFamily="49" charset="0"/>
+              <a:cs typeface="Consolas" panose="020B0609020204030204" pitchFamily="49" charset="0"/>
+            </a:endParaRPr>
+          </a:p>
+          <a:p>
+            <a:r>
+              <a:rPr lang="en-US" sz="1600" dirty="0">
+                <a:solidFill>
+                  <a:srgbClr val="000000"/>
+                </a:solidFill>
+                <a:highlight>
+                  <a:srgbClr val="FFFFFF"/>
+                </a:highlight>
+                <a:latin typeface="Consolas" panose="020B0609020204030204" pitchFamily="49" charset="0"/>
+                <a:cs typeface="Consolas" panose="020B0609020204030204" pitchFamily="49" charset="0"/>
+              </a:rPr>
+              <a:t>          </a:t>
+            </a:r>
+            <a:r>
+              <a:rPr lang="en-US" sz="1600" dirty="0" err="1">
+                <a:solidFill>
+                  <a:srgbClr val="000000"/>
+                </a:solidFill>
+                <a:highlight>
+                  <a:srgbClr val="FFFFFF"/>
+                </a:highlight>
+                <a:latin typeface="Consolas" panose="020B0609020204030204" pitchFamily="49" charset="0"/>
+                <a:cs typeface="Consolas" panose="020B0609020204030204" pitchFamily="49" charset="0"/>
+              </a:rPr>
+              <a:t>Toast</a:t>
+            </a:r>
+            <a:r>
+              <a:rPr lang="en-US" sz="1600" b="1" dirty="0" err="1">
+                <a:solidFill>
+                  <a:srgbClr val="000080"/>
+                </a:solidFill>
+                <a:highlight>
+                  <a:srgbClr val="FFFFFF"/>
+                </a:highlight>
+                <a:latin typeface="Consolas" panose="020B0609020204030204" pitchFamily="49" charset="0"/>
+                <a:cs typeface="Consolas" panose="020B0609020204030204" pitchFamily="49" charset="0"/>
+              </a:rPr>
+              <a:t>.</a:t>
+            </a:r>
+            <a:r>
+              <a:rPr lang="en-US" sz="1600" dirty="0" err="1">
+                <a:solidFill>
+                  <a:srgbClr val="000000"/>
+                </a:solidFill>
+                <a:highlight>
+                  <a:srgbClr val="FFFFFF"/>
+                </a:highlight>
+                <a:latin typeface="Consolas" panose="020B0609020204030204" pitchFamily="49" charset="0"/>
+                <a:cs typeface="Consolas" panose="020B0609020204030204" pitchFamily="49" charset="0"/>
+              </a:rPr>
+              <a:t>makeText</a:t>
+            </a:r>
+            <a:r>
+              <a:rPr lang="en-US" sz="1600" b="1" dirty="0">
+                <a:solidFill>
+                  <a:srgbClr val="000080"/>
+                </a:solidFill>
+                <a:highlight>
+                  <a:srgbClr val="FFFFFF"/>
+                </a:highlight>
+                <a:latin typeface="Consolas" panose="020B0609020204030204" pitchFamily="49" charset="0"/>
+                <a:cs typeface="Consolas" panose="020B0609020204030204" pitchFamily="49" charset="0"/>
+              </a:rPr>
+              <a:t>(</a:t>
+            </a:r>
+            <a:r>
+              <a:rPr lang="en-US" sz="1600" b="1" dirty="0">
+                <a:solidFill>
+                  <a:srgbClr val="0000FF"/>
+                </a:solidFill>
+                <a:highlight>
+                  <a:srgbClr val="FFFFFF"/>
+                </a:highlight>
+                <a:latin typeface="Consolas" panose="020B0609020204030204" pitchFamily="49" charset="0"/>
+                <a:cs typeface="Consolas" panose="020B0609020204030204" pitchFamily="49" charset="0"/>
+              </a:rPr>
+              <a:t>this</a:t>
+            </a:r>
+            <a:r>
+              <a:rPr lang="en-US" sz="1600" b="1" dirty="0">
+                <a:solidFill>
+                  <a:srgbClr val="000080"/>
+                </a:solidFill>
+                <a:highlight>
+                  <a:srgbClr val="FFFFFF"/>
+                </a:highlight>
+                <a:latin typeface="Consolas" panose="020B0609020204030204" pitchFamily="49" charset="0"/>
+                <a:cs typeface="Consolas" panose="020B0609020204030204" pitchFamily="49" charset="0"/>
+              </a:rPr>
+              <a:t>,</a:t>
+            </a:r>
+            <a:r>
+              <a:rPr lang="en-US" sz="1600" dirty="0">
+                <a:solidFill>
+                  <a:srgbClr val="000000"/>
+                </a:solidFill>
+                <a:highlight>
+                  <a:srgbClr val="FFFFFF"/>
+                </a:highlight>
+                <a:latin typeface="Consolas" panose="020B0609020204030204" pitchFamily="49" charset="0"/>
+                <a:cs typeface="Consolas" panose="020B0609020204030204" pitchFamily="49" charset="0"/>
+              </a:rPr>
+              <a:t> </a:t>
+            </a:r>
+            <a:r>
+              <a:rPr lang="en-US" sz="1600" dirty="0">
+                <a:solidFill>
+                  <a:srgbClr val="808080"/>
+                </a:solidFill>
+                <a:highlight>
+                  <a:srgbClr val="FFFFFF"/>
+                </a:highlight>
+                <a:latin typeface="Consolas" panose="020B0609020204030204" pitchFamily="49" charset="0"/>
+                <a:cs typeface="Consolas" panose="020B0609020204030204" pitchFamily="49" charset="0"/>
+              </a:rPr>
+              <a:t>"Deleting tweet "</a:t>
+            </a:r>
+            <a:r>
+              <a:rPr lang="en-US" sz="1600" dirty="0">
+                <a:solidFill>
+                  <a:srgbClr val="000000"/>
+                </a:solidFill>
+                <a:highlight>
+                  <a:srgbClr val="FFFFFF"/>
+                </a:highlight>
+                <a:latin typeface="Consolas" panose="020B0609020204030204" pitchFamily="49" charset="0"/>
+                <a:cs typeface="Consolas" panose="020B0609020204030204" pitchFamily="49" charset="0"/>
+              </a:rPr>
+              <a:t> </a:t>
+            </a:r>
+            <a:r>
+              <a:rPr lang="en-US" sz="1600" b="1" dirty="0">
+                <a:solidFill>
+                  <a:srgbClr val="000080"/>
+                </a:solidFill>
+                <a:highlight>
+                  <a:srgbClr val="FFFFFF"/>
+                </a:highlight>
+                <a:latin typeface="Consolas" panose="020B0609020204030204" pitchFamily="49" charset="0"/>
+                <a:cs typeface="Consolas" panose="020B0609020204030204" pitchFamily="49" charset="0"/>
+              </a:rPr>
+              <a:t>+</a:t>
+            </a:r>
+            <a:r>
+              <a:rPr lang="en-US" sz="1600" dirty="0">
+                <a:solidFill>
+                  <a:srgbClr val="000000"/>
+                </a:solidFill>
+                <a:highlight>
+                  <a:srgbClr val="FFFFFF"/>
+                </a:highlight>
+                <a:latin typeface="Consolas" panose="020B0609020204030204" pitchFamily="49" charset="0"/>
+                <a:cs typeface="Consolas" panose="020B0609020204030204" pitchFamily="49" charset="0"/>
+              </a:rPr>
+              <a:t> </a:t>
+            </a:r>
+            <a:r>
+              <a:rPr lang="en-US" sz="1600" dirty="0" smtClean="0">
+                <a:solidFill>
+                  <a:srgbClr val="000000"/>
+                </a:solidFill>
+                <a:highlight>
+                  <a:srgbClr val="FFFFFF"/>
+                </a:highlight>
+                <a:latin typeface="Consolas" panose="020B0609020204030204" pitchFamily="49" charset="0"/>
+                <a:cs typeface="Consolas" panose="020B0609020204030204" pitchFamily="49" charset="0"/>
+              </a:rPr>
+              <a:t>info</a:t>
+            </a:r>
+            <a:r>
+              <a:rPr lang="en-US" sz="1600" b="1" dirty="0" smtClean="0">
+                <a:solidFill>
+                  <a:srgbClr val="000080"/>
+                </a:solidFill>
+                <a:highlight>
+                  <a:srgbClr val="FFFFFF"/>
+                </a:highlight>
+                <a:latin typeface="Consolas" panose="020B0609020204030204" pitchFamily="49" charset="0"/>
+                <a:cs typeface="Consolas" panose="020B0609020204030204" pitchFamily="49" charset="0"/>
+              </a:rPr>
+              <a:t>.</a:t>
+            </a:r>
+            <a:r>
+              <a:rPr lang="en-US" sz="1600" dirty="0" smtClean="0">
+                <a:solidFill>
+                  <a:srgbClr val="000000"/>
+                </a:solidFill>
+                <a:highlight>
+                  <a:srgbClr val="FFFFFF"/>
+                </a:highlight>
+                <a:latin typeface="Consolas" panose="020B0609020204030204" pitchFamily="49" charset="0"/>
+                <a:cs typeface="Consolas" panose="020B0609020204030204" pitchFamily="49" charset="0"/>
+              </a:rPr>
+              <a:t>id</a:t>
+            </a:r>
+            <a:r>
+              <a:rPr lang="en-US" sz="1600" b="1" dirty="0" smtClean="0">
+                <a:solidFill>
+                  <a:srgbClr val="000080"/>
+                </a:solidFill>
+                <a:highlight>
+                  <a:srgbClr val="FFFFFF"/>
+                </a:highlight>
+                <a:latin typeface="Consolas" panose="020B0609020204030204" pitchFamily="49" charset="0"/>
+                <a:cs typeface="Consolas" panose="020B0609020204030204" pitchFamily="49" charset="0"/>
+              </a:rPr>
+              <a:t>,</a:t>
+            </a:r>
+            <a:endParaRPr lang="en-US" sz="1600" dirty="0" smtClean="0">
+              <a:solidFill>
+                <a:srgbClr val="000000"/>
+              </a:solidFill>
+              <a:highlight>
+                <a:srgbClr val="FFFFFF"/>
+              </a:highlight>
+              <a:latin typeface="Consolas" panose="020B0609020204030204" pitchFamily="49" charset="0"/>
+              <a:cs typeface="Consolas" panose="020B0609020204030204" pitchFamily="49" charset="0"/>
+            </a:endParaRPr>
+          </a:p>
+          <a:p>
+            <a:r>
+              <a:rPr lang="en-US" sz="1600" dirty="0">
+                <a:solidFill>
+                  <a:srgbClr val="000000"/>
+                </a:solidFill>
+                <a:highlight>
+                  <a:srgbClr val="FFFFFF"/>
+                </a:highlight>
+                <a:latin typeface="Consolas" panose="020B0609020204030204" pitchFamily="49" charset="0"/>
+                <a:cs typeface="Consolas" panose="020B0609020204030204" pitchFamily="49" charset="0"/>
+              </a:rPr>
+              <a:t>	</a:t>
+            </a:r>
+            <a:r>
+              <a:rPr lang="en-US" sz="1600" dirty="0" smtClean="0">
+                <a:solidFill>
+                  <a:srgbClr val="000000"/>
+                </a:solidFill>
+                <a:highlight>
+                  <a:srgbClr val="FFFFFF"/>
+                </a:highlight>
+                <a:latin typeface="Consolas" panose="020B0609020204030204" pitchFamily="49" charset="0"/>
+                <a:cs typeface="Consolas" panose="020B0609020204030204" pitchFamily="49" charset="0"/>
+              </a:rPr>
+              <a:t>	</a:t>
+            </a:r>
+            <a:r>
+              <a:rPr lang="en-US" sz="1600" dirty="0" err="1" smtClean="0">
+                <a:solidFill>
+                  <a:srgbClr val="000000"/>
+                </a:solidFill>
+                <a:highlight>
+                  <a:srgbClr val="FFFFFF"/>
+                </a:highlight>
+                <a:latin typeface="Consolas" panose="020B0609020204030204" pitchFamily="49" charset="0"/>
+                <a:cs typeface="Consolas" panose="020B0609020204030204" pitchFamily="49" charset="0"/>
+              </a:rPr>
+              <a:t>Toast</a:t>
+            </a:r>
+            <a:r>
+              <a:rPr lang="en-US" sz="1600" b="1" dirty="0" err="1" smtClean="0">
+                <a:solidFill>
+                  <a:srgbClr val="000080"/>
+                </a:solidFill>
+                <a:highlight>
+                  <a:srgbClr val="FFFFFF"/>
+                </a:highlight>
+                <a:latin typeface="Consolas" panose="020B0609020204030204" pitchFamily="49" charset="0"/>
+                <a:cs typeface="Consolas" panose="020B0609020204030204" pitchFamily="49" charset="0"/>
+              </a:rPr>
+              <a:t>.</a:t>
+            </a:r>
+            <a:r>
+              <a:rPr lang="en-US" sz="1600" dirty="0" err="1" smtClean="0">
+                <a:solidFill>
+                  <a:srgbClr val="000000"/>
+                </a:solidFill>
+                <a:highlight>
+                  <a:srgbClr val="FFFFFF"/>
+                </a:highlight>
+                <a:latin typeface="Consolas" panose="020B0609020204030204" pitchFamily="49" charset="0"/>
+                <a:cs typeface="Consolas" panose="020B0609020204030204" pitchFamily="49" charset="0"/>
+              </a:rPr>
+              <a:t>LENGTH_SHORT</a:t>
+            </a:r>
+            <a:r>
+              <a:rPr lang="en-US" sz="1600" b="1" dirty="0">
+                <a:solidFill>
+                  <a:srgbClr val="000080"/>
+                </a:solidFill>
+                <a:highlight>
+                  <a:srgbClr val="FFFFFF"/>
+                </a:highlight>
+                <a:latin typeface="Consolas" panose="020B0609020204030204" pitchFamily="49" charset="0"/>
+                <a:cs typeface="Consolas" panose="020B0609020204030204" pitchFamily="49" charset="0"/>
+              </a:rPr>
+              <a:t>).</a:t>
+            </a:r>
+            <a:r>
+              <a:rPr lang="en-US" sz="1600" dirty="0">
+                <a:solidFill>
+                  <a:srgbClr val="000000"/>
+                </a:solidFill>
+                <a:highlight>
+                  <a:srgbClr val="FFFFFF"/>
+                </a:highlight>
+                <a:latin typeface="Consolas" panose="020B0609020204030204" pitchFamily="49" charset="0"/>
+                <a:cs typeface="Consolas" panose="020B0609020204030204" pitchFamily="49" charset="0"/>
+              </a:rPr>
+              <a:t>show</a:t>
+            </a:r>
+            <a:r>
+              <a:rPr lang="en-US" sz="1600" b="1" dirty="0">
+                <a:solidFill>
+                  <a:srgbClr val="000080"/>
+                </a:solidFill>
+                <a:highlight>
+                  <a:srgbClr val="FFFFFF"/>
+                </a:highlight>
+                <a:latin typeface="Consolas" panose="020B0609020204030204" pitchFamily="49" charset="0"/>
+                <a:cs typeface="Consolas" panose="020B0609020204030204" pitchFamily="49" charset="0"/>
+              </a:rPr>
+              <a:t>();</a:t>
+            </a:r>
+            <a:endParaRPr lang="en-US" sz="1600" dirty="0">
+              <a:solidFill>
+                <a:srgbClr val="000000"/>
+              </a:solidFill>
+              <a:highlight>
+                <a:srgbClr val="FFFFFF"/>
+              </a:highlight>
+              <a:latin typeface="Consolas" panose="020B0609020204030204" pitchFamily="49" charset="0"/>
+              <a:cs typeface="Consolas" panose="020B0609020204030204" pitchFamily="49" charset="0"/>
+            </a:endParaRPr>
+          </a:p>
+          <a:p>
+            <a:r>
+              <a:rPr lang="en-US" sz="1600" dirty="0">
+                <a:solidFill>
+                  <a:srgbClr val="000000"/>
+                </a:solidFill>
+                <a:highlight>
+                  <a:srgbClr val="FFFFFF"/>
+                </a:highlight>
+                <a:latin typeface="Consolas" panose="020B0609020204030204" pitchFamily="49" charset="0"/>
+                <a:cs typeface="Consolas" panose="020B0609020204030204" pitchFamily="49" charset="0"/>
+              </a:rPr>
+              <a:t>            </a:t>
+            </a:r>
+            <a:r>
+              <a:rPr lang="en-US" sz="1600" b="1" dirty="0">
+                <a:solidFill>
+                  <a:srgbClr val="0000FF"/>
+                </a:solidFill>
+                <a:highlight>
+                  <a:srgbClr val="FFFFFF"/>
+                </a:highlight>
+                <a:latin typeface="Consolas" panose="020B0609020204030204" pitchFamily="49" charset="0"/>
+                <a:cs typeface="Consolas" panose="020B0609020204030204" pitchFamily="49" charset="0"/>
+              </a:rPr>
+              <a:t>return</a:t>
+            </a:r>
+            <a:r>
+              <a:rPr lang="en-US" sz="1600" dirty="0">
+                <a:solidFill>
+                  <a:srgbClr val="000000"/>
+                </a:solidFill>
+                <a:highlight>
+                  <a:srgbClr val="FFFFFF"/>
+                </a:highlight>
+                <a:latin typeface="Consolas" panose="020B0609020204030204" pitchFamily="49" charset="0"/>
+                <a:cs typeface="Consolas" panose="020B0609020204030204" pitchFamily="49" charset="0"/>
+              </a:rPr>
+              <a:t> </a:t>
+            </a:r>
+            <a:r>
+              <a:rPr lang="en-US" sz="1600" b="1" dirty="0">
+                <a:solidFill>
+                  <a:srgbClr val="0000FF"/>
+                </a:solidFill>
+                <a:highlight>
+                  <a:srgbClr val="FFFFFF"/>
+                </a:highlight>
+                <a:latin typeface="Consolas" panose="020B0609020204030204" pitchFamily="49" charset="0"/>
+                <a:cs typeface="Consolas" panose="020B0609020204030204" pitchFamily="49" charset="0"/>
+              </a:rPr>
+              <a:t>true</a:t>
+            </a:r>
+            <a:r>
+              <a:rPr lang="en-US" sz="1600" b="1" dirty="0">
+                <a:solidFill>
+                  <a:srgbClr val="000080"/>
+                </a:solidFill>
+                <a:highlight>
+                  <a:srgbClr val="FFFFFF"/>
+                </a:highlight>
+                <a:latin typeface="Consolas" panose="020B0609020204030204" pitchFamily="49" charset="0"/>
+                <a:cs typeface="Consolas" panose="020B0609020204030204" pitchFamily="49" charset="0"/>
+              </a:rPr>
+              <a:t>;</a:t>
+            </a:r>
+            <a:endParaRPr lang="en-US" sz="1600" dirty="0">
+              <a:solidFill>
+                <a:srgbClr val="000000"/>
+              </a:solidFill>
+              <a:highlight>
+                <a:srgbClr val="FFFFFF"/>
+              </a:highlight>
+              <a:latin typeface="Consolas" panose="020B0609020204030204" pitchFamily="49" charset="0"/>
+              <a:cs typeface="Consolas" panose="020B0609020204030204" pitchFamily="49" charset="0"/>
+            </a:endParaRPr>
+          </a:p>
+          <a:p>
+            <a:r>
+              <a:rPr lang="en-US" sz="1600" dirty="0">
+                <a:solidFill>
+                  <a:srgbClr val="000000"/>
+                </a:solidFill>
+                <a:highlight>
+                  <a:srgbClr val="FFFFFF"/>
+                </a:highlight>
+                <a:latin typeface="Consolas" panose="020B0609020204030204" pitchFamily="49" charset="0"/>
+                <a:cs typeface="Consolas" panose="020B0609020204030204" pitchFamily="49" charset="0"/>
+              </a:rPr>
+              <a:t>        </a:t>
+            </a:r>
+            <a:r>
+              <a:rPr lang="en-US" sz="1600" b="1" dirty="0" smtClean="0">
+                <a:solidFill>
+                  <a:srgbClr val="0000FF"/>
+                </a:solidFill>
+                <a:highlight>
+                  <a:srgbClr val="FFFFFF"/>
+                </a:highlight>
+                <a:latin typeface="Consolas" panose="020B0609020204030204" pitchFamily="49" charset="0"/>
+                <a:cs typeface="Consolas" panose="020B0609020204030204" pitchFamily="49" charset="0"/>
+              </a:rPr>
+              <a:t>case</a:t>
+            </a:r>
+            <a:r>
+              <a:rPr lang="en-US" sz="1600" dirty="0" smtClean="0">
+                <a:solidFill>
+                  <a:srgbClr val="000000"/>
+                </a:solidFill>
+                <a:highlight>
+                  <a:srgbClr val="FFFFFF"/>
+                </a:highlight>
+                <a:latin typeface="Consolas" panose="020B0609020204030204" pitchFamily="49" charset="0"/>
+                <a:cs typeface="Consolas" panose="020B0609020204030204" pitchFamily="49" charset="0"/>
+              </a:rPr>
+              <a:t> </a:t>
+            </a:r>
+            <a:r>
+              <a:rPr lang="en-US" sz="1600" dirty="0" err="1">
+                <a:solidFill>
+                  <a:srgbClr val="000000"/>
+                </a:solidFill>
+                <a:highlight>
+                  <a:srgbClr val="FFFFFF"/>
+                </a:highlight>
+                <a:latin typeface="Consolas" panose="020B0609020204030204" pitchFamily="49" charset="0"/>
+                <a:cs typeface="Consolas" panose="020B0609020204030204" pitchFamily="49" charset="0"/>
+              </a:rPr>
+              <a:t>R</a:t>
+            </a:r>
+            <a:r>
+              <a:rPr lang="en-US" sz="1600" b="1" dirty="0" err="1">
+                <a:solidFill>
+                  <a:srgbClr val="000080"/>
+                </a:solidFill>
+                <a:highlight>
+                  <a:srgbClr val="FFFFFF"/>
+                </a:highlight>
+                <a:latin typeface="Consolas" panose="020B0609020204030204" pitchFamily="49" charset="0"/>
+                <a:cs typeface="Consolas" panose="020B0609020204030204" pitchFamily="49" charset="0"/>
+              </a:rPr>
+              <a:t>.</a:t>
+            </a:r>
+            <a:r>
+              <a:rPr lang="en-US" sz="1600" dirty="0" err="1">
+                <a:solidFill>
+                  <a:srgbClr val="000000"/>
+                </a:solidFill>
+                <a:highlight>
+                  <a:srgbClr val="FFFFFF"/>
+                </a:highlight>
+                <a:latin typeface="Consolas" panose="020B0609020204030204" pitchFamily="49" charset="0"/>
+                <a:cs typeface="Consolas" panose="020B0609020204030204" pitchFamily="49" charset="0"/>
+              </a:rPr>
+              <a:t>id</a:t>
+            </a:r>
+            <a:r>
+              <a:rPr lang="en-US" sz="1600" b="1" dirty="0" err="1">
+                <a:solidFill>
+                  <a:srgbClr val="000080"/>
+                </a:solidFill>
+                <a:highlight>
+                  <a:srgbClr val="FFFFFF"/>
+                </a:highlight>
+                <a:latin typeface="Consolas" panose="020B0609020204030204" pitchFamily="49" charset="0"/>
+                <a:cs typeface="Consolas" panose="020B0609020204030204" pitchFamily="49" charset="0"/>
+              </a:rPr>
+              <a:t>.</a:t>
+            </a:r>
+            <a:r>
+              <a:rPr lang="en-US" sz="1600" dirty="0" err="1">
+                <a:solidFill>
+                  <a:srgbClr val="000000"/>
+                </a:solidFill>
+                <a:highlight>
+                  <a:srgbClr val="FFFFFF"/>
+                </a:highlight>
+                <a:latin typeface="Consolas" panose="020B0609020204030204" pitchFamily="49" charset="0"/>
+                <a:cs typeface="Consolas" panose="020B0609020204030204" pitchFamily="49" charset="0"/>
+              </a:rPr>
+              <a:t>edit_tweet</a:t>
+            </a:r>
+            <a:r>
+              <a:rPr lang="en-US" sz="1600" b="1" dirty="0">
+                <a:solidFill>
+                  <a:srgbClr val="000080"/>
+                </a:solidFill>
+                <a:highlight>
+                  <a:srgbClr val="FFFFFF"/>
+                </a:highlight>
+                <a:latin typeface="Consolas" panose="020B0609020204030204" pitchFamily="49" charset="0"/>
+                <a:cs typeface="Consolas" panose="020B0609020204030204" pitchFamily="49" charset="0"/>
+              </a:rPr>
+              <a:t>:</a:t>
+            </a:r>
+            <a:endParaRPr lang="en-US" sz="1600" dirty="0">
+              <a:solidFill>
+                <a:srgbClr val="000000"/>
+              </a:solidFill>
+              <a:highlight>
+                <a:srgbClr val="FFFFFF"/>
+              </a:highlight>
+              <a:latin typeface="Consolas" panose="020B0609020204030204" pitchFamily="49" charset="0"/>
+              <a:cs typeface="Consolas" panose="020B0609020204030204" pitchFamily="49" charset="0"/>
+            </a:endParaRPr>
+          </a:p>
+          <a:p>
+            <a:r>
+              <a:rPr lang="en-US" sz="1600" dirty="0">
+                <a:solidFill>
+                  <a:srgbClr val="000000"/>
+                </a:solidFill>
+                <a:highlight>
+                  <a:srgbClr val="FFFFFF"/>
+                </a:highlight>
+                <a:latin typeface="Consolas" panose="020B0609020204030204" pitchFamily="49" charset="0"/>
+                <a:cs typeface="Consolas" panose="020B0609020204030204" pitchFamily="49" charset="0"/>
+              </a:rPr>
+              <a:t>          </a:t>
+            </a:r>
+            <a:r>
+              <a:rPr lang="en-US" sz="1600" dirty="0" err="1">
+                <a:solidFill>
+                  <a:srgbClr val="000000"/>
+                </a:solidFill>
+                <a:highlight>
+                  <a:srgbClr val="FFFFFF"/>
+                </a:highlight>
+                <a:latin typeface="Consolas" panose="020B0609020204030204" pitchFamily="49" charset="0"/>
+                <a:cs typeface="Consolas" panose="020B0609020204030204" pitchFamily="49" charset="0"/>
+              </a:rPr>
+              <a:t>Toast</a:t>
+            </a:r>
+            <a:r>
+              <a:rPr lang="en-US" sz="1600" b="1" dirty="0" err="1">
+                <a:solidFill>
+                  <a:srgbClr val="000080"/>
+                </a:solidFill>
+                <a:highlight>
+                  <a:srgbClr val="FFFFFF"/>
+                </a:highlight>
+                <a:latin typeface="Consolas" panose="020B0609020204030204" pitchFamily="49" charset="0"/>
+                <a:cs typeface="Consolas" panose="020B0609020204030204" pitchFamily="49" charset="0"/>
+              </a:rPr>
+              <a:t>.</a:t>
+            </a:r>
+            <a:r>
+              <a:rPr lang="en-US" sz="1600" dirty="0" err="1">
+                <a:solidFill>
+                  <a:srgbClr val="000000"/>
+                </a:solidFill>
+                <a:highlight>
+                  <a:srgbClr val="FFFFFF"/>
+                </a:highlight>
+                <a:latin typeface="Consolas" panose="020B0609020204030204" pitchFamily="49" charset="0"/>
+                <a:cs typeface="Consolas" panose="020B0609020204030204" pitchFamily="49" charset="0"/>
+              </a:rPr>
+              <a:t>makeText</a:t>
+            </a:r>
+            <a:r>
+              <a:rPr lang="en-US" sz="1600" b="1" dirty="0">
+                <a:solidFill>
+                  <a:srgbClr val="000080"/>
+                </a:solidFill>
+                <a:highlight>
+                  <a:srgbClr val="FFFFFF"/>
+                </a:highlight>
+                <a:latin typeface="Consolas" panose="020B0609020204030204" pitchFamily="49" charset="0"/>
+                <a:cs typeface="Consolas" panose="020B0609020204030204" pitchFamily="49" charset="0"/>
+              </a:rPr>
+              <a:t>(</a:t>
+            </a:r>
+            <a:r>
+              <a:rPr lang="en-US" sz="1600" b="1" dirty="0">
+                <a:solidFill>
+                  <a:srgbClr val="0000FF"/>
+                </a:solidFill>
+                <a:highlight>
+                  <a:srgbClr val="FFFFFF"/>
+                </a:highlight>
+                <a:latin typeface="Consolas" panose="020B0609020204030204" pitchFamily="49" charset="0"/>
+                <a:cs typeface="Consolas" panose="020B0609020204030204" pitchFamily="49" charset="0"/>
+              </a:rPr>
+              <a:t>this</a:t>
+            </a:r>
+            <a:r>
+              <a:rPr lang="en-US" sz="1600" b="1" dirty="0">
+                <a:solidFill>
+                  <a:srgbClr val="000080"/>
+                </a:solidFill>
+                <a:highlight>
+                  <a:srgbClr val="FFFFFF"/>
+                </a:highlight>
+                <a:latin typeface="Consolas" panose="020B0609020204030204" pitchFamily="49" charset="0"/>
+                <a:cs typeface="Consolas" panose="020B0609020204030204" pitchFamily="49" charset="0"/>
+              </a:rPr>
+              <a:t>,</a:t>
+            </a:r>
+            <a:r>
+              <a:rPr lang="en-US" sz="1600" dirty="0">
+                <a:solidFill>
+                  <a:srgbClr val="000000"/>
+                </a:solidFill>
+                <a:highlight>
+                  <a:srgbClr val="FFFFFF"/>
+                </a:highlight>
+                <a:latin typeface="Consolas" panose="020B0609020204030204" pitchFamily="49" charset="0"/>
+                <a:cs typeface="Consolas" panose="020B0609020204030204" pitchFamily="49" charset="0"/>
+              </a:rPr>
+              <a:t> </a:t>
+            </a:r>
+            <a:r>
+              <a:rPr lang="en-US" sz="1600" dirty="0">
+                <a:solidFill>
+                  <a:srgbClr val="808080"/>
+                </a:solidFill>
+                <a:highlight>
+                  <a:srgbClr val="FFFFFF"/>
+                </a:highlight>
+                <a:latin typeface="Consolas" panose="020B0609020204030204" pitchFamily="49" charset="0"/>
+                <a:cs typeface="Consolas" panose="020B0609020204030204" pitchFamily="49" charset="0"/>
+              </a:rPr>
+              <a:t>"Editing tweet "</a:t>
+            </a:r>
+            <a:r>
+              <a:rPr lang="en-US" sz="1600" dirty="0">
+                <a:solidFill>
+                  <a:srgbClr val="000000"/>
+                </a:solidFill>
+                <a:highlight>
+                  <a:srgbClr val="FFFFFF"/>
+                </a:highlight>
+                <a:latin typeface="Consolas" panose="020B0609020204030204" pitchFamily="49" charset="0"/>
+                <a:cs typeface="Consolas" panose="020B0609020204030204" pitchFamily="49" charset="0"/>
+              </a:rPr>
+              <a:t> </a:t>
+            </a:r>
+            <a:r>
+              <a:rPr lang="en-US" sz="1600" b="1" dirty="0">
+                <a:solidFill>
+                  <a:srgbClr val="000080"/>
+                </a:solidFill>
+                <a:highlight>
+                  <a:srgbClr val="FFFFFF"/>
+                </a:highlight>
+                <a:latin typeface="Consolas" panose="020B0609020204030204" pitchFamily="49" charset="0"/>
+                <a:cs typeface="Consolas" panose="020B0609020204030204" pitchFamily="49" charset="0"/>
+              </a:rPr>
+              <a:t>+</a:t>
+            </a:r>
+            <a:r>
+              <a:rPr lang="en-US" sz="1600" dirty="0">
+                <a:solidFill>
+                  <a:srgbClr val="000000"/>
+                </a:solidFill>
+                <a:highlight>
+                  <a:srgbClr val="FFFFFF"/>
+                </a:highlight>
+                <a:latin typeface="Consolas" panose="020B0609020204030204" pitchFamily="49" charset="0"/>
+                <a:cs typeface="Consolas" panose="020B0609020204030204" pitchFamily="49" charset="0"/>
+              </a:rPr>
+              <a:t> </a:t>
+            </a:r>
+            <a:r>
+              <a:rPr lang="en-US" sz="1600" dirty="0" smtClean="0">
+                <a:solidFill>
+                  <a:srgbClr val="000000"/>
+                </a:solidFill>
+                <a:highlight>
+                  <a:srgbClr val="FFFFFF"/>
+                </a:highlight>
+                <a:latin typeface="Consolas" panose="020B0609020204030204" pitchFamily="49" charset="0"/>
+                <a:cs typeface="Consolas" panose="020B0609020204030204" pitchFamily="49" charset="0"/>
+              </a:rPr>
+              <a:t>info</a:t>
+            </a:r>
+            <a:r>
+              <a:rPr lang="en-US" sz="1600" b="1" dirty="0" smtClean="0">
+                <a:solidFill>
+                  <a:srgbClr val="000080"/>
+                </a:solidFill>
+                <a:highlight>
+                  <a:srgbClr val="FFFFFF"/>
+                </a:highlight>
+                <a:latin typeface="Consolas" panose="020B0609020204030204" pitchFamily="49" charset="0"/>
+                <a:cs typeface="Consolas" panose="020B0609020204030204" pitchFamily="49" charset="0"/>
+              </a:rPr>
+              <a:t>.</a:t>
+            </a:r>
+            <a:r>
+              <a:rPr lang="en-US" sz="1600" dirty="0" smtClean="0">
+                <a:solidFill>
+                  <a:srgbClr val="000000"/>
+                </a:solidFill>
+                <a:highlight>
+                  <a:srgbClr val="FFFFFF"/>
+                </a:highlight>
+                <a:latin typeface="Consolas" panose="020B0609020204030204" pitchFamily="49" charset="0"/>
+                <a:cs typeface="Consolas" panose="020B0609020204030204" pitchFamily="49" charset="0"/>
+              </a:rPr>
+              <a:t>id</a:t>
+            </a:r>
+            <a:r>
+              <a:rPr lang="en-US" sz="1600" b="1" dirty="0" smtClean="0">
+                <a:solidFill>
+                  <a:srgbClr val="000080"/>
+                </a:solidFill>
+                <a:highlight>
+                  <a:srgbClr val="FFFFFF"/>
+                </a:highlight>
+                <a:latin typeface="Consolas" panose="020B0609020204030204" pitchFamily="49" charset="0"/>
+                <a:cs typeface="Consolas" panose="020B0609020204030204" pitchFamily="49" charset="0"/>
+              </a:rPr>
+              <a:t>,</a:t>
+            </a:r>
+            <a:endParaRPr lang="en-US" sz="1600" dirty="0" smtClean="0">
+              <a:solidFill>
+                <a:srgbClr val="000000"/>
+              </a:solidFill>
+              <a:highlight>
+                <a:srgbClr val="FFFFFF"/>
+              </a:highlight>
+              <a:latin typeface="Consolas" panose="020B0609020204030204" pitchFamily="49" charset="0"/>
+              <a:cs typeface="Consolas" panose="020B0609020204030204" pitchFamily="49" charset="0"/>
+            </a:endParaRPr>
+          </a:p>
+          <a:p>
+            <a:r>
+              <a:rPr lang="en-US" sz="1600" dirty="0">
+                <a:solidFill>
+                  <a:srgbClr val="000000"/>
+                </a:solidFill>
+                <a:highlight>
+                  <a:srgbClr val="FFFFFF"/>
+                </a:highlight>
+                <a:latin typeface="Consolas" panose="020B0609020204030204" pitchFamily="49" charset="0"/>
+                <a:cs typeface="Consolas" panose="020B0609020204030204" pitchFamily="49" charset="0"/>
+              </a:rPr>
+              <a:t>	</a:t>
+            </a:r>
+            <a:r>
+              <a:rPr lang="en-US" sz="1600" dirty="0" smtClean="0">
+                <a:solidFill>
+                  <a:srgbClr val="000000"/>
+                </a:solidFill>
+                <a:highlight>
+                  <a:srgbClr val="FFFFFF"/>
+                </a:highlight>
+                <a:latin typeface="Consolas" panose="020B0609020204030204" pitchFamily="49" charset="0"/>
+                <a:cs typeface="Consolas" panose="020B0609020204030204" pitchFamily="49" charset="0"/>
+              </a:rPr>
+              <a:t>	</a:t>
+            </a:r>
+            <a:r>
+              <a:rPr lang="en-US" sz="1600" dirty="0" err="1" smtClean="0">
+                <a:solidFill>
+                  <a:srgbClr val="000000"/>
+                </a:solidFill>
+                <a:highlight>
+                  <a:srgbClr val="FFFFFF"/>
+                </a:highlight>
+                <a:latin typeface="Consolas" panose="020B0609020204030204" pitchFamily="49" charset="0"/>
+                <a:cs typeface="Consolas" panose="020B0609020204030204" pitchFamily="49" charset="0"/>
+              </a:rPr>
+              <a:t>Toast</a:t>
+            </a:r>
+            <a:r>
+              <a:rPr lang="en-US" sz="1600" b="1" dirty="0" err="1" smtClean="0">
+                <a:solidFill>
+                  <a:srgbClr val="000080"/>
+                </a:solidFill>
+                <a:highlight>
+                  <a:srgbClr val="FFFFFF"/>
+                </a:highlight>
+                <a:latin typeface="Consolas" panose="020B0609020204030204" pitchFamily="49" charset="0"/>
+                <a:cs typeface="Consolas" panose="020B0609020204030204" pitchFamily="49" charset="0"/>
+              </a:rPr>
+              <a:t>.</a:t>
+            </a:r>
+            <a:r>
+              <a:rPr lang="en-US" sz="1600" dirty="0" err="1" smtClean="0">
+                <a:solidFill>
+                  <a:srgbClr val="000000"/>
+                </a:solidFill>
+                <a:highlight>
+                  <a:srgbClr val="FFFFFF"/>
+                </a:highlight>
+                <a:latin typeface="Consolas" panose="020B0609020204030204" pitchFamily="49" charset="0"/>
+                <a:cs typeface="Consolas" panose="020B0609020204030204" pitchFamily="49" charset="0"/>
+              </a:rPr>
+              <a:t>LENGTH_SHORT</a:t>
+            </a:r>
+            <a:r>
+              <a:rPr lang="en-US" sz="1600" b="1" dirty="0">
+                <a:solidFill>
+                  <a:srgbClr val="000080"/>
+                </a:solidFill>
+                <a:highlight>
+                  <a:srgbClr val="FFFFFF"/>
+                </a:highlight>
+                <a:latin typeface="Consolas" panose="020B0609020204030204" pitchFamily="49" charset="0"/>
+                <a:cs typeface="Consolas" panose="020B0609020204030204" pitchFamily="49" charset="0"/>
+              </a:rPr>
+              <a:t>).</a:t>
+            </a:r>
+            <a:r>
+              <a:rPr lang="en-US" sz="1600" dirty="0">
+                <a:solidFill>
+                  <a:srgbClr val="000000"/>
+                </a:solidFill>
+                <a:highlight>
+                  <a:srgbClr val="FFFFFF"/>
+                </a:highlight>
+                <a:latin typeface="Consolas" panose="020B0609020204030204" pitchFamily="49" charset="0"/>
+                <a:cs typeface="Consolas" panose="020B0609020204030204" pitchFamily="49" charset="0"/>
+              </a:rPr>
+              <a:t>show</a:t>
+            </a:r>
+            <a:r>
+              <a:rPr lang="en-US" sz="1600" b="1" dirty="0">
+                <a:solidFill>
+                  <a:srgbClr val="000080"/>
+                </a:solidFill>
+                <a:highlight>
+                  <a:srgbClr val="FFFFFF"/>
+                </a:highlight>
+                <a:latin typeface="Consolas" panose="020B0609020204030204" pitchFamily="49" charset="0"/>
+                <a:cs typeface="Consolas" panose="020B0609020204030204" pitchFamily="49" charset="0"/>
+              </a:rPr>
+              <a:t>();</a:t>
+            </a:r>
+            <a:endParaRPr lang="en-US" sz="1600" dirty="0">
+              <a:solidFill>
+                <a:srgbClr val="000000"/>
+              </a:solidFill>
+              <a:highlight>
+                <a:srgbClr val="FFFFFF"/>
+              </a:highlight>
+              <a:latin typeface="Consolas" panose="020B0609020204030204" pitchFamily="49" charset="0"/>
+              <a:cs typeface="Consolas" panose="020B0609020204030204" pitchFamily="49" charset="0"/>
+            </a:endParaRPr>
+          </a:p>
+          <a:p>
+            <a:r>
+              <a:rPr lang="en-US" sz="1600" dirty="0">
+                <a:solidFill>
+                  <a:srgbClr val="000000"/>
+                </a:solidFill>
+                <a:highlight>
+                  <a:srgbClr val="FFFFFF"/>
+                </a:highlight>
+                <a:latin typeface="Consolas" panose="020B0609020204030204" pitchFamily="49" charset="0"/>
+                <a:cs typeface="Consolas" panose="020B0609020204030204" pitchFamily="49" charset="0"/>
+              </a:rPr>
+              <a:t>            </a:t>
+            </a:r>
+            <a:r>
+              <a:rPr lang="en-US" sz="1600" b="1" dirty="0">
+                <a:solidFill>
+                  <a:srgbClr val="0000FF"/>
+                </a:solidFill>
+                <a:highlight>
+                  <a:srgbClr val="FFFFFF"/>
+                </a:highlight>
+                <a:latin typeface="Consolas" panose="020B0609020204030204" pitchFamily="49" charset="0"/>
+                <a:cs typeface="Consolas" panose="020B0609020204030204" pitchFamily="49" charset="0"/>
+              </a:rPr>
+              <a:t>return</a:t>
+            </a:r>
+            <a:r>
+              <a:rPr lang="en-US" sz="1600" dirty="0">
+                <a:solidFill>
+                  <a:srgbClr val="000000"/>
+                </a:solidFill>
+                <a:highlight>
+                  <a:srgbClr val="FFFFFF"/>
+                </a:highlight>
+                <a:latin typeface="Consolas" panose="020B0609020204030204" pitchFamily="49" charset="0"/>
+                <a:cs typeface="Consolas" panose="020B0609020204030204" pitchFamily="49" charset="0"/>
+              </a:rPr>
+              <a:t> </a:t>
+            </a:r>
+            <a:r>
+              <a:rPr lang="en-US" sz="1600" b="1" dirty="0">
+                <a:solidFill>
+                  <a:srgbClr val="0000FF"/>
+                </a:solidFill>
+                <a:highlight>
+                  <a:srgbClr val="FFFFFF"/>
+                </a:highlight>
+                <a:latin typeface="Consolas" panose="020B0609020204030204" pitchFamily="49" charset="0"/>
+                <a:cs typeface="Consolas" panose="020B0609020204030204" pitchFamily="49" charset="0"/>
+              </a:rPr>
+              <a:t>true</a:t>
+            </a:r>
+            <a:r>
+              <a:rPr lang="en-US" sz="1600" b="1" dirty="0">
+                <a:solidFill>
+                  <a:srgbClr val="000080"/>
+                </a:solidFill>
+                <a:highlight>
+                  <a:srgbClr val="FFFFFF"/>
+                </a:highlight>
+                <a:latin typeface="Consolas" panose="020B0609020204030204" pitchFamily="49" charset="0"/>
+                <a:cs typeface="Consolas" panose="020B0609020204030204" pitchFamily="49" charset="0"/>
+              </a:rPr>
+              <a:t>;</a:t>
+            </a:r>
+            <a:endParaRPr lang="en-US" sz="1600" dirty="0">
+              <a:solidFill>
+                <a:srgbClr val="000000"/>
+              </a:solidFill>
+              <a:highlight>
+                <a:srgbClr val="FFFFFF"/>
+              </a:highlight>
+              <a:latin typeface="Consolas" panose="020B0609020204030204" pitchFamily="49" charset="0"/>
+              <a:cs typeface="Consolas" panose="020B0609020204030204" pitchFamily="49" charset="0"/>
+            </a:endParaRPr>
+          </a:p>
+          <a:p>
+            <a:r>
+              <a:rPr lang="en-US" sz="1600" dirty="0">
+                <a:solidFill>
+                  <a:srgbClr val="000000"/>
+                </a:solidFill>
+                <a:highlight>
+                  <a:srgbClr val="FFFFFF"/>
+                </a:highlight>
+                <a:latin typeface="Consolas" panose="020B0609020204030204" pitchFamily="49" charset="0"/>
+                <a:cs typeface="Consolas" panose="020B0609020204030204" pitchFamily="49" charset="0"/>
+              </a:rPr>
+              <a:t>        </a:t>
+            </a:r>
+            <a:r>
+              <a:rPr lang="en-US" sz="1600" b="1" dirty="0" smtClean="0">
+                <a:solidFill>
+                  <a:srgbClr val="0000FF"/>
+                </a:solidFill>
+                <a:highlight>
+                  <a:srgbClr val="FFFFFF"/>
+                </a:highlight>
+                <a:latin typeface="Consolas" panose="020B0609020204030204" pitchFamily="49" charset="0"/>
+                <a:cs typeface="Consolas" panose="020B0609020204030204" pitchFamily="49" charset="0"/>
+              </a:rPr>
+              <a:t>default</a:t>
+            </a:r>
+            <a:r>
+              <a:rPr lang="en-US" sz="1600" b="1" dirty="0">
+                <a:solidFill>
+                  <a:srgbClr val="000080"/>
+                </a:solidFill>
+                <a:highlight>
+                  <a:srgbClr val="FFFFFF"/>
+                </a:highlight>
+                <a:latin typeface="Consolas" panose="020B0609020204030204" pitchFamily="49" charset="0"/>
+                <a:cs typeface="Consolas" panose="020B0609020204030204" pitchFamily="49" charset="0"/>
+              </a:rPr>
+              <a:t>:</a:t>
+            </a:r>
+            <a:endParaRPr lang="en-US" sz="1600" dirty="0">
+              <a:solidFill>
+                <a:srgbClr val="000000"/>
+              </a:solidFill>
+              <a:highlight>
+                <a:srgbClr val="FFFFFF"/>
+              </a:highlight>
+              <a:latin typeface="Consolas" panose="020B0609020204030204" pitchFamily="49" charset="0"/>
+              <a:cs typeface="Consolas" panose="020B0609020204030204" pitchFamily="49" charset="0"/>
+            </a:endParaRPr>
+          </a:p>
+          <a:p>
+            <a:r>
+              <a:rPr lang="en-US" sz="1600" dirty="0">
+                <a:solidFill>
+                  <a:srgbClr val="000000"/>
+                </a:solidFill>
+                <a:highlight>
+                  <a:srgbClr val="FFFFFF"/>
+                </a:highlight>
+                <a:latin typeface="Consolas" panose="020B0609020204030204" pitchFamily="49" charset="0"/>
+                <a:cs typeface="Consolas" panose="020B0609020204030204" pitchFamily="49" charset="0"/>
+              </a:rPr>
+              <a:t>            </a:t>
+            </a:r>
+            <a:r>
+              <a:rPr lang="en-US" sz="1600" b="1" dirty="0">
+                <a:solidFill>
+                  <a:srgbClr val="0000FF"/>
+                </a:solidFill>
+                <a:highlight>
+                  <a:srgbClr val="FFFFFF"/>
+                </a:highlight>
+                <a:latin typeface="Consolas" panose="020B0609020204030204" pitchFamily="49" charset="0"/>
+                <a:cs typeface="Consolas" panose="020B0609020204030204" pitchFamily="49" charset="0"/>
+              </a:rPr>
+              <a:t>return</a:t>
+            </a:r>
+            <a:r>
+              <a:rPr lang="en-US" sz="1600" dirty="0">
+                <a:solidFill>
+                  <a:srgbClr val="000000"/>
+                </a:solidFill>
+                <a:highlight>
+                  <a:srgbClr val="FFFFFF"/>
+                </a:highlight>
+                <a:latin typeface="Consolas" panose="020B0609020204030204" pitchFamily="49" charset="0"/>
+                <a:cs typeface="Consolas" panose="020B0609020204030204" pitchFamily="49" charset="0"/>
+              </a:rPr>
+              <a:t> </a:t>
+            </a:r>
+            <a:r>
+              <a:rPr lang="en-US" sz="1600" b="1" dirty="0" err="1">
+                <a:solidFill>
+                  <a:srgbClr val="0000FF"/>
+                </a:solidFill>
+                <a:highlight>
+                  <a:srgbClr val="FFFFFF"/>
+                </a:highlight>
+                <a:latin typeface="Consolas" panose="020B0609020204030204" pitchFamily="49" charset="0"/>
+                <a:cs typeface="Consolas" panose="020B0609020204030204" pitchFamily="49" charset="0"/>
+              </a:rPr>
+              <a:t>super</a:t>
+            </a:r>
+            <a:r>
+              <a:rPr lang="en-US" sz="1600" b="1" dirty="0" err="1">
+                <a:solidFill>
+                  <a:srgbClr val="000080"/>
+                </a:solidFill>
+                <a:highlight>
+                  <a:srgbClr val="FFFFFF"/>
+                </a:highlight>
+                <a:latin typeface="Consolas" panose="020B0609020204030204" pitchFamily="49" charset="0"/>
+                <a:cs typeface="Consolas" panose="020B0609020204030204" pitchFamily="49" charset="0"/>
+              </a:rPr>
+              <a:t>.</a:t>
+            </a:r>
+            <a:r>
+              <a:rPr lang="en-US" sz="1600" dirty="0" err="1">
+                <a:solidFill>
+                  <a:srgbClr val="000000"/>
+                </a:solidFill>
+                <a:highlight>
+                  <a:srgbClr val="FFFFFF"/>
+                </a:highlight>
+                <a:latin typeface="Consolas" panose="020B0609020204030204" pitchFamily="49" charset="0"/>
+                <a:cs typeface="Consolas" panose="020B0609020204030204" pitchFamily="49" charset="0"/>
+              </a:rPr>
+              <a:t>onContextItemSelected</a:t>
+            </a:r>
+            <a:r>
+              <a:rPr lang="en-US" sz="1600" b="1" dirty="0">
+                <a:solidFill>
+                  <a:srgbClr val="000080"/>
+                </a:solidFill>
+                <a:highlight>
+                  <a:srgbClr val="FFFFFF"/>
+                </a:highlight>
+                <a:latin typeface="Consolas" panose="020B0609020204030204" pitchFamily="49" charset="0"/>
+                <a:cs typeface="Consolas" panose="020B0609020204030204" pitchFamily="49" charset="0"/>
+              </a:rPr>
+              <a:t>(</a:t>
+            </a:r>
+            <a:r>
+              <a:rPr lang="en-US" sz="1600" dirty="0">
+                <a:solidFill>
+                  <a:srgbClr val="000000"/>
+                </a:solidFill>
+                <a:highlight>
+                  <a:srgbClr val="FFFFFF"/>
+                </a:highlight>
+                <a:latin typeface="Consolas" panose="020B0609020204030204" pitchFamily="49" charset="0"/>
+                <a:cs typeface="Consolas" panose="020B0609020204030204" pitchFamily="49" charset="0"/>
+              </a:rPr>
+              <a:t>item</a:t>
+            </a:r>
+            <a:r>
+              <a:rPr lang="en-US" sz="1600" b="1" dirty="0">
+                <a:solidFill>
+                  <a:srgbClr val="000080"/>
+                </a:solidFill>
+                <a:highlight>
+                  <a:srgbClr val="FFFFFF"/>
+                </a:highlight>
+                <a:latin typeface="Consolas" panose="020B0609020204030204" pitchFamily="49" charset="0"/>
+                <a:cs typeface="Consolas" panose="020B0609020204030204" pitchFamily="49" charset="0"/>
+              </a:rPr>
+              <a:t>);</a:t>
+            </a:r>
+            <a:endParaRPr lang="en-US" sz="1600" dirty="0">
+              <a:solidFill>
+                <a:srgbClr val="000000"/>
+              </a:solidFill>
+              <a:highlight>
+                <a:srgbClr val="FFFFFF"/>
+              </a:highlight>
+              <a:latin typeface="Consolas" panose="020B0609020204030204" pitchFamily="49" charset="0"/>
+              <a:cs typeface="Consolas" panose="020B0609020204030204" pitchFamily="49" charset="0"/>
+            </a:endParaRPr>
+          </a:p>
+          <a:p>
+            <a:r>
+              <a:rPr lang="en-US" sz="1600" dirty="0">
+                <a:solidFill>
+                  <a:srgbClr val="000000"/>
+                </a:solidFill>
+                <a:highlight>
+                  <a:srgbClr val="FFFFFF"/>
+                </a:highlight>
+                <a:latin typeface="Consolas" panose="020B0609020204030204" pitchFamily="49" charset="0"/>
+                <a:cs typeface="Consolas" panose="020B0609020204030204" pitchFamily="49" charset="0"/>
+              </a:rPr>
+              <a:t>    </a:t>
+            </a:r>
+            <a:r>
+              <a:rPr lang="en-US" sz="1600" b="1" dirty="0">
+                <a:solidFill>
+                  <a:srgbClr val="000080"/>
+                </a:solidFill>
+                <a:highlight>
+                  <a:srgbClr val="FFFFFF"/>
+                </a:highlight>
+                <a:latin typeface="Consolas" panose="020B0609020204030204" pitchFamily="49" charset="0"/>
+                <a:cs typeface="Consolas" panose="020B0609020204030204" pitchFamily="49" charset="0"/>
+              </a:rPr>
+              <a:t>}</a:t>
+            </a:r>
+            <a:endParaRPr lang="en-US" sz="1600" dirty="0">
+              <a:solidFill>
+                <a:srgbClr val="000000"/>
+              </a:solidFill>
+              <a:highlight>
+                <a:srgbClr val="FFFFFF"/>
+              </a:highlight>
+              <a:latin typeface="Consolas" panose="020B0609020204030204" pitchFamily="49" charset="0"/>
+              <a:cs typeface="Consolas" panose="020B0609020204030204" pitchFamily="49" charset="0"/>
+            </a:endParaRPr>
+          </a:p>
+          <a:p>
+            <a:r>
+              <a:rPr lang="en-US" sz="1600" b="1" dirty="0">
+                <a:solidFill>
+                  <a:srgbClr val="000080"/>
+                </a:solidFill>
+                <a:highlight>
+                  <a:srgbClr val="FFFFFF"/>
+                </a:highlight>
+                <a:latin typeface="Consolas" panose="020B0609020204030204" pitchFamily="49" charset="0"/>
+                <a:cs typeface="Consolas" panose="020B0609020204030204" pitchFamily="49" charset="0"/>
+              </a:rPr>
+              <a:t>}</a:t>
+            </a:r>
+            <a:endParaRPr lang="en-US" sz="1600" b="1" dirty="0">
+              <a:latin typeface="Consolas" panose="020B0609020204030204" pitchFamily="49" charset="0"/>
+              <a:cs typeface="Consolas" panose="020B0609020204030204" pitchFamily="49" charset="0"/>
+            </a:endParaRPr>
+          </a:p>
+        </p:txBody>
+      </p:sp>
+    </p:spTree>
+    <p:extLst>
+      <p:ext uri="{BB962C8B-B14F-4D97-AF65-F5344CB8AC3E}">
+        <p14:creationId xmlns:p14="http://schemas.microsoft.com/office/powerpoint/2010/main" val="2304496951"/>
+      </p:ext>
+    </p:extLst>
+  </p:cSld>
+  <p:clrMapOvr>
+    <a:masterClrMapping/>
+  </p:clrMapOvr>
+  <p:timing>
+    <p:tnLst>
+      <p:par>
+        <p:cTn id="1" dur="indefinite" restart="never" nodeType="tmRoot"/>
+      </p:par>
+    </p:tnLst>
+  </p:timing>
+</p:sld>
+</file>
+
 <file path=ppt/slides/slide2.xml><?xml version="1.0" encoding="utf-8"?>
 <p:sld xmlns:a="http://schemas.openxmlformats.org/drawingml/2006/main" xmlns:r="http://schemas.openxmlformats.org/officeDocument/2006/relationships" xmlns:p="http://schemas.openxmlformats.org/presentationml/2006/main">
   <p:cSld>
@@ -5762,7 +10918,22 @@
             </a:r>
             <a:r>
               <a:rPr lang="en-US" dirty="0" smtClean="0"/>
-              <a:t> folder</a:t>
+              <a:t> </a:t>
+            </a:r>
+            <a:r>
+              <a:rPr lang="en-US" dirty="0" smtClean="0"/>
+              <a:t>folder</a:t>
+            </a:r>
+          </a:p>
+          <a:p>
+            <a:pPr lvl="1"/>
+            <a:r>
+              <a:rPr lang="en-US" dirty="0"/>
+              <a:t>If you already haven’t got </a:t>
+            </a:r>
+            <a:r>
+              <a:rPr lang="en-US" dirty="0" smtClean="0"/>
+              <a:t>one</a:t>
             </a:r>
             <a:endParaRPr lang="en-US" dirty="0"/>
           </a:p>
@@ -8122,8 +13293,8 @@
           <a:lstStyle/>
           <a:p>
             <a:r>
-              <a:rPr lang="en-US" dirty="0" smtClean="0"/>
-              <a:t>Creating the XML Menu Structure</a:t>
+              <a:rPr lang="en-US" dirty="0"/>
+              <a:t>Handling the Menu Click Events</a:t>
             </a:r>
             <a:endParaRPr lang="en-US" dirty="0"/>
           </a:p>
@@ -8146,8 +13317,32 @@
           <a:p>
             <a:r>
               <a:rPr lang="en-US" dirty="0" smtClean="0"/>
-              <a:t>Step 4 – Handle the menu click events</a:t>
-            </a:r>
+              <a:t>Step 4 – Handle the menu click </a:t>
+            </a:r>
+            <a:r>
+              <a:rPr lang="en-US" dirty="0" smtClean="0"/>
+              <a:t>events</a:t>
+            </a:r>
+          </a:p>
+          <a:p>
+            <a:pPr marL="557212" lvl="2" indent="-257175"/>
+            <a:r>
+              <a:rPr lang="en-US" dirty="0"/>
+              <a:t>Needs to be done in the </a:t>
+            </a:r>
+            <a:r>
+              <a:rPr lang="en-US" dirty="0" err="1"/>
+              <a:t>onOptionsItemSelected</a:t>
+            </a:r>
+            <a:r>
+              <a:rPr lang="en-US" dirty="0"/>
+              <a:t> () </a:t>
+            </a:r>
+            <a:r>
+              <a:rPr lang="en-US" dirty="0" smtClean="0"/>
+              <a:t>method</a:t>
+            </a:r>
+            <a:endParaRPr lang="en-US" dirty="0"/>
           </a:p>
         </p:txBody>
       </p:sp>
@@ -8182,7 +13377,7 @@
         </p:nvSpPr>
         <p:spPr>
           <a:xfrm>
-            <a:off x="194840" y="2250085"/>
+            <a:off x="194840" y="2395085"/>
             <a:ext cx="8754320" cy="4031873"/>
           </a:xfrm>
           <a:prstGeom prst="rect">

--- a/slides/chapter5_displaying_pictures_and_menus.pptx
+++ b/slides/chapter5_displaying_pictures_and_menus.pptx
@@ -5,7 +5,7 @@
     <p:sldMasterId id="2147483660" r:id="rId1"/>
   </p:sldMasterIdLst>
   <p:notesMasterIdLst>
-    <p:notesMasterId r:id="rId18"/>
+    <p:notesMasterId r:id="rId19"/>
   </p:notesMasterIdLst>
   <p:sldIdLst>
     <p:sldId id="256" r:id="rId2"/>
@@ -24,6 +24,7 @@
     <p:sldId id="295" r:id="rId15"/>
     <p:sldId id="297" r:id="rId16"/>
     <p:sldId id="296" r:id="rId17"/>
+    <p:sldId id="298" r:id="rId18"/>
   </p:sldIdLst>
   <p:sldSz cx="9144000" cy="6858000" type="screen4x3"/>
   <p:notesSz cx="7099300" cy="10234613"/>
@@ -5149,11 +5150,7 @@
             </a:r>
             <a:r>
               <a:rPr lang="en-US" dirty="0" smtClean="0"/>
-              <a:t> </a:t>
-            </a:r>
-            <a:r>
-              <a:rPr lang="en-US" dirty="0" smtClean="0"/>
-              <a:t>folder</a:t>
+              <a:t> folder</a:t>
             </a:r>
           </a:p>
           <a:p>
@@ -5289,15 +5286,7 @@
           <a:p>
             <a:r>
               <a:rPr lang="en-US" dirty="0" smtClean="0"/>
-              <a:t>Step 2 – Create the menu as an XML file (</a:t>
-            </a:r>
-            <a:r>
-              <a:rPr lang="en-US" dirty="0" smtClean="0"/>
-              <a:t>tweet_context_menu.xml</a:t>
-            </a:r>
-            <a:r>
-              <a:rPr lang="en-US" dirty="0" smtClean="0"/>
-              <a:t>) in </a:t>
+              <a:t>Step 2 – Create the menu as an XML file (tweet_context_menu.xml) in </a:t>
             </a:r>
             <a:r>
               <a:rPr lang="en-US" i="1" dirty="0" smtClean="0"/>
@@ -7541,11 +7530,7 @@
           <a:p>
             <a:r>
               <a:rPr lang="en-US" dirty="0" smtClean="0"/>
-              <a:t>Step </a:t>
-            </a:r>
-            <a:r>
-              <a:rPr lang="en-US" dirty="0" smtClean="0"/>
-              <a:t>4 </a:t>
+              <a:t>Step 4 </a:t>
             </a:r>
             <a:r>
               <a:rPr lang="en-US" dirty="0"/>
@@ -8241,19 +8226,7 @@
           <a:p>
             <a:r>
               <a:rPr lang="en-US" dirty="0" smtClean="0"/>
-              <a:t>Step </a:t>
-            </a:r>
-            <a:r>
-              <a:rPr lang="en-US" dirty="0" smtClean="0"/>
-              <a:t>5 </a:t>
-            </a:r>
-            <a:r>
-              <a:rPr lang="en-US" dirty="0" smtClean="0"/>
-              <a:t>– Handle the menu click </a:t>
-            </a:r>
-            <a:r>
-              <a:rPr lang="en-US" dirty="0" smtClean="0"/>
-              <a:t>events</a:t>
+              <a:t>Step 5 – Handle the menu click events</a:t>
             </a:r>
           </a:p>
           <a:p>
@@ -8274,7 +8247,6 @@
               <a:rPr lang="en-US" dirty="0" smtClean="0"/>
               <a:t>() method</a:t>
             </a:r>
-            <a:endParaRPr lang="en-US" dirty="0" smtClean="0"/>
           </a:p>
         </p:txBody>
       </p:sp>
@@ -10219,6 +10191,156 @@
     <p:extLst>
       <p:ext uri="{BB962C8B-B14F-4D97-AF65-F5344CB8AC3E}">
         <p14:creationId xmlns:p14="http://schemas.microsoft.com/office/powerpoint/2010/main" val="2304496951"/>
+      </p:ext>
+    </p:extLst>
+  </p:cSld>
+  <p:clrMapOvr>
+    <a:masterClrMapping/>
+  </p:clrMapOvr>
+  <p:timing>
+    <p:tnLst>
+      <p:par>
+        <p:cTn id="1" dur="indefinite" restart="never" nodeType="tmRoot"/>
+      </p:par>
+    </p:tnLst>
+  </p:timing>
+</p:sld>
+</file>
+
+<file path=ppt/slides/slide17.xml><?xml version="1.0" encoding="utf-8"?>
+<p:sld xmlns:a="http://schemas.openxmlformats.org/drawingml/2006/main" xmlns:r="http://schemas.openxmlformats.org/officeDocument/2006/relationships" xmlns:p="http://schemas.openxmlformats.org/presentationml/2006/main">
+  <p:cSld>
+    <p:spTree>
+      <p:nvGrpSpPr>
+        <p:cNvPr id="1" name=""/>
+        <p:cNvGrpSpPr/>
+        <p:nvPr/>
+      </p:nvGrpSpPr>
+      <p:grpSpPr>
+        <a:xfrm>
+          <a:off x="0" y="0"/>
+          <a:ext cx="0" cy="0"/>
+          <a:chOff x="0" y="0"/>
+          <a:chExt cx="0" cy="0"/>
+        </a:xfrm>
+      </p:grpSpPr>
+      <p:sp>
+        <p:nvSpPr>
+          <p:cNvPr id="2" name="Title 1"/>
+          <p:cNvSpPr>
+            <a:spLocks noGrp="1"/>
+          </p:cNvSpPr>
+          <p:nvPr>
+            <p:ph type="title"/>
+          </p:nvPr>
+        </p:nvSpPr>
+        <p:spPr/>
+        <p:txBody>
+          <a:bodyPr/>
+          <a:lstStyle/>
+          <a:p>
+            <a:r>
+              <a:rPr lang="en-US" dirty="0" smtClean="0"/>
+              <a:t>The End Result</a:t>
+            </a:r>
+            <a:endParaRPr lang="en-US" dirty="0"/>
+          </a:p>
+        </p:txBody>
+      </p:sp>
+      <p:sp>
+        <p:nvSpPr>
+          <p:cNvPr id="3" name="Content Placeholder 2"/>
+          <p:cNvSpPr>
+            <a:spLocks noGrp="1"/>
+          </p:cNvSpPr>
+          <p:nvPr>
+            <p:ph idx="1"/>
+          </p:nvPr>
+        </p:nvSpPr>
+        <p:spPr/>
+        <p:txBody>
+          <a:bodyPr/>
+          <a:lstStyle/>
+          <a:p>
+            <a:endParaRPr lang="en-US"/>
+          </a:p>
+        </p:txBody>
+      </p:sp>
+      <p:sp>
+        <p:nvSpPr>
+          <p:cNvPr id="4" name="Slide Number Placeholder 3"/>
+          <p:cNvSpPr>
+            <a:spLocks noGrp="1"/>
+          </p:cNvSpPr>
+          <p:nvPr>
+            <p:ph type="sldNum" sz="quarter" idx="12"/>
+          </p:nvPr>
+        </p:nvSpPr>
+        <p:spPr/>
+        <p:txBody>
+          <a:bodyPr/>
+          <a:lstStyle/>
+          <a:p>
+            <a:fld id="{52DB1A75-B9BE-46B1-B482-5F96E51FA4B2}" type="slidenum">
+              <a:rPr lang="en-US" smtClean="0"/>
+              <a:t>17</a:t>
+            </a:fld>
+            <a:endParaRPr lang="en-US" dirty="0"/>
+          </a:p>
+        </p:txBody>
+      </p:sp>
+      <p:pic>
+        <p:nvPicPr>
+          <p:cNvPr id="5" name="Picture 4"/>
+          <p:cNvPicPr>
+            <a:picLocks noChangeAspect="1"/>
+          </p:cNvPicPr>
+          <p:nvPr/>
+        </p:nvPicPr>
+        <p:blipFill>
+          <a:blip r:embed="rId2"/>
+          <a:stretch>
+            <a:fillRect/>
+          </a:stretch>
+        </p:blipFill>
+        <p:spPr>
+          <a:xfrm>
+            <a:off x="929410" y="1600202"/>
+            <a:ext cx="3248025" cy="4772025"/>
+          </a:xfrm>
+          <a:prstGeom prst="rect">
+            <a:avLst/>
+          </a:prstGeom>
+        </p:spPr>
+      </p:pic>
+      <p:pic>
+        <p:nvPicPr>
+          <p:cNvPr id="6" name="Picture 5"/>
+          <p:cNvPicPr>
+            <a:picLocks noChangeAspect="1"/>
+          </p:cNvPicPr>
+          <p:nvPr/>
+        </p:nvPicPr>
+        <p:blipFill>
+          <a:blip r:embed="rId3"/>
+          <a:stretch>
+            <a:fillRect/>
+          </a:stretch>
+        </p:blipFill>
+        <p:spPr>
+          <a:xfrm>
+            <a:off x="4840856" y="1600202"/>
+            <a:ext cx="3257550" cy="4762500"/>
+          </a:xfrm>
+          <a:prstGeom prst="rect">
+            <a:avLst/>
+          </a:prstGeom>
+        </p:spPr>
+      </p:pic>
+    </p:spTree>
+    <p:extLst>
+      <p:ext uri="{BB962C8B-B14F-4D97-AF65-F5344CB8AC3E}">
+        <p14:creationId xmlns:p14="http://schemas.microsoft.com/office/powerpoint/2010/main" val="4175692836"/>
       </p:ext>
     </p:extLst>
   </p:cSld>
@@ -10918,11 +11040,7 @@
             </a:r>
             <a:r>
               <a:rPr lang="en-US" dirty="0" smtClean="0"/>
-              <a:t> </a:t>
-            </a:r>
-            <a:r>
-              <a:rPr lang="en-US" dirty="0" smtClean="0"/>
-              <a:t>folder</a:t>
+              <a:t> folder</a:t>
             </a:r>
           </a:p>
           <a:p>
@@ -13296,7 +13414,6 @@
               <a:rPr lang="en-US" dirty="0"/>
               <a:t>Handling the Menu Click Events</a:t>
             </a:r>
-            <a:endParaRPr lang="en-US" dirty="0"/>
           </a:p>
         </p:txBody>
       </p:sp>
@@ -13317,11 +13434,7 @@
           <a:p>
             <a:r>
               <a:rPr lang="en-US" dirty="0" smtClean="0"/>
-              <a:t>Step 4 – Handle the menu click </a:t>
-            </a:r>
-            <a:r>
-              <a:rPr lang="en-US" dirty="0" smtClean="0"/>
-              <a:t>events</a:t>
+              <a:t>Step 4 – Handle the menu click events</a:t>
             </a:r>
           </a:p>
           <a:p>
